--- a/US_Healthcare_Overview.pptx
+++ b/US_Healthcare_Overview.pptx
@@ -2,14 +2,15 @@
 <file path=ppt/presentation.xml><?xml version="1.0" encoding="utf-8"?>
 <p:presentation xmlns:a="http://schemas.openxmlformats.org/drawingml/2006/main" xmlns:r="http://schemas.openxmlformats.org/officeDocument/2006/relationships" xmlns:p="http://schemas.openxmlformats.org/presentationml/2006/main" saveSubsetFonts="1" autoCompressPictures="0">
   <p:sldMasterIdLst>
-    <p:sldMasterId id="2147483648" r:id="rId1"/>
+    <p:sldMasterId id="2147483672" r:id="rId1"/>
   </p:sldMasterIdLst>
   <p:sldIdLst>
-    <p:sldId id="256" r:id="rId7"/>
-    <p:sldId id="257" r:id="rId8"/>
-    <p:sldId id="258" r:id="rId9"/>
-    <p:sldId id="259" r:id="rId10"/>
-    <p:sldId id="260" r:id="rId11"/>
+    <p:sldId id="261" r:id="rId2"/>
+    <p:sldId id="256" r:id="rId3"/>
+    <p:sldId id="257" r:id="rId4"/>
+    <p:sldId id="258" r:id="rId5"/>
+    <p:sldId id="259" r:id="rId6"/>
+    <p:sldId id="260" r:id="rId7"/>
   </p:sldIdLst>
   <p:sldSz cx="9144000" cy="6858000" type="screen4x3"/>
   <p:notesSz cx="6858000" cy="9144000"/>
@@ -108,7 +109,468 @@
       </a:defRPr>
     </a:lvl9pPr>
   </p:defaultTextStyle>
+  <p:extLst>
+    <p:ext uri="{EFAFB233-063F-42B5-8137-9DF3F51BA10A}">
+      <p15:sldGuideLst xmlns:p15="http://schemas.microsoft.com/office/powerpoint/2012/main">
+        <p15:guide id="1" orient="horz" pos="2160">
+          <p15:clr>
+            <a:srgbClr val="A4A3A4"/>
+          </p15:clr>
+        </p15:guide>
+        <p15:guide id="2" pos="2880">
+          <p15:clr>
+            <a:srgbClr val="A4A3A4"/>
+          </p15:clr>
+        </p15:guide>
+      </p15:sldGuideLst>
+    </p:ext>
+  </p:extLst>
 </p:presentation>
+</file>
+
+<file path=ppt/revisionInfo.xml><?xml version="1.0" encoding="utf-8"?>
+<p1510:revInfo xmlns:a="http://schemas.openxmlformats.org/drawingml/2006/main" xmlns:r="http://schemas.openxmlformats.org/officeDocument/2006/relationships" xmlns:p1510="http://schemas.microsoft.com/office/powerpoint/2015/10/main">
+  <p1510:revLst>
+    <p1510:client id="{4DEE6BC9-534C-D873-7FA7-ECDC954BB3A3}" v="102" dt="2025-07-25T09:15:14.943"/>
+  </p1510:revLst>
+</p1510:revInfo>
+</file>
+
+<file path=ppt/changesInfos/changesInfo1.xml><?xml version="1.0" encoding="utf-8"?>
+<pc:chgInfo xmlns:a="http://schemas.openxmlformats.org/drawingml/2006/main" xmlns:r="http://schemas.openxmlformats.org/officeDocument/2006/relationships" xmlns:ac="http://schemas.microsoft.com/office/drawing/2013/main/command" xmlns:pc="http://schemas.microsoft.com/office/powerpoint/2013/main/command">
+  <pc:docChgLst>
+    <pc:chgData name="Naveen Thiyagasundaram" userId="S::naveent@infinite.com::bb8a1684-ae82-486b-bc3b-12f6f4602afb" providerId="AD" clId="Web-{4DEE6BC9-534C-D873-7FA7-ECDC954BB3A3}"/>
+    <pc:docChg chg="addSld modSld sldOrd addMainMaster delMainMaster modMainMaster">
+      <pc:chgData name="Naveen Thiyagasundaram" userId="S::naveent@infinite.com::bb8a1684-ae82-486b-bc3b-12f6f4602afb" providerId="AD" clId="Web-{4DEE6BC9-534C-D873-7FA7-ECDC954BB3A3}" dt="2025-07-25T09:15:14.943" v="94" actId="1076"/>
+      <pc:docMkLst>
+        <pc:docMk/>
+      </pc:docMkLst>
+      <pc:sldChg chg="modSp mod setBg modClrScheme chgLayout">
+        <pc:chgData name="Naveen Thiyagasundaram" userId="S::naveent@infinite.com::bb8a1684-ae82-486b-bc3b-12f6f4602afb" providerId="AD" clId="Web-{4DEE6BC9-534C-D873-7FA7-ECDC954BB3A3}" dt="2025-07-25T09:13:00.800" v="63"/>
+        <pc:sldMkLst>
+          <pc:docMk/>
+          <pc:sldMk cId="0" sldId="256"/>
+        </pc:sldMkLst>
+        <pc:spChg chg="mod ord">
+          <ac:chgData name="Naveen Thiyagasundaram" userId="S::naveent@infinite.com::bb8a1684-ae82-486b-bc3b-12f6f4602afb" providerId="AD" clId="Web-{4DEE6BC9-534C-D873-7FA7-ECDC954BB3A3}" dt="2025-07-25T09:12:35.003" v="61"/>
+          <ac:spMkLst>
+            <pc:docMk/>
+            <pc:sldMk cId="0" sldId="256"/>
+            <ac:spMk id="2" creationId="{00000000-0000-0000-0000-000000000000}"/>
+          </ac:spMkLst>
+        </pc:spChg>
+        <pc:spChg chg="mod ord">
+          <ac:chgData name="Naveen Thiyagasundaram" userId="S::naveent@infinite.com::bb8a1684-ae82-486b-bc3b-12f6f4602afb" providerId="AD" clId="Web-{4DEE6BC9-534C-D873-7FA7-ECDC954BB3A3}" dt="2025-07-25T09:12:35.003" v="61"/>
+          <ac:spMkLst>
+            <pc:docMk/>
+            <pc:sldMk cId="0" sldId="256"/>
+            <ac:spMk id="3" creationId="{00000000-0000-0000-0000-000000000000}"/>
+          </ac:spMkLst>
+        </pc:spChg>
+      </pc:sldChg>
+      <pc:sldChg chg="modSp mod modClrScheme chgLayout">
+        <pc:chgData name="Naveen Thiyagasundaram" userId="S::naveent@infinite.com::bb8a1684-ae82-486b-bc3b-12f6f4602afb" providerId="AD" clId="Web-{4DEE6BC9-534C-D873-7FA7-ECDC954BB3A3}" dt="2025-07-25T09:13:00.800" v="63"/>
+        <pc:sldMkLst>
+          <pc:docMk/>
+          <pc:sldMk cId="0" sldId="257"/>
+        </pc:sldMkLst>
+        <pc:spChg chg="mod ord">
+          <ac:chgData name="Naveen Thiyagasundaram" userId="S::naveent@infinite.com::bb8a1684-ae82-486b-bc3b-12f6f4602afb" providerId="AD" clId="Web-{4DEE6BC9-534C-D873-7FA7-ECDC954BB3A3}" dt="2025-07-25T09:12:35.003" v="61"/>
+          <ac:spMkLst>
+            <pc:docMk/>
+            <pc:sldMk cId="0" sldId="257"/>
+            <ac:spMk id="2" creationId="{00000000-0000-0000-0000-000000000000}"/>
+          </ac:spMkLst>
+        </pc:spChg>
+        <pc:spChg chg="mod ord">
+          <ac:chgData name="Naveen Thiyagasundaram" userId="S::naveent@infinite.com::bb8a1684-ae82-486b-bc3b-12f6f4602afb" providerId="AD" clId="Web-{4DEE6BC9-534C-D873-7FA7-ECDC954BB3A3}" dt="2025-07-25T09:12:35.003" v="61"/>
+          <ac:spMkLst>
+            <pc:docMk/>
+            <pc:sldMk cId="0" sldId="257"/>
+            <ac:spMk id="3" creationId="{00000000-0000-0000-0000-000000000000}"/>
+          </ac:spMkLst>
+        </pc:spChg>
+      </pc:sldChg>
+      <pc:sldChg chg="modSp mod modClrScheme chgLayout">
+        <pc:chgData name="Naveen Thiyagasundaram" userId="S::naveent@infinite.com::bb8a1684-ae82-486b-bc3b-12f6f4602afb" providerId="AD" clId="Web-{4DEE6BC9-534C-D873-7FA7-ECDC954BB3A3}" dt="2025-07-25T09:13:00.800" v="63"/>
+        <pc:sldMkLst>
+          <pc:docMk/>
+          <pc:sldMk cId="0" sldId="258"/>
+        </pc:sldMkLst>
+        <pc:spChg chg="mod ord">
+          <ac:chgData name="Naveen Thiyagasundaram" userId="S::naveent@infinite.com::bb8a1684-ae82-486b-bc3b-12f6f4602afb" providerId="AD" clId="Web-{4DEE6BC9-534C-D873-7FA7-ECDC954BB3A3}" dt="2025-07-25T09:12:35.003" v="61"/>
+          <ac:spMkLst>
+            <pc:docMk/>
+            <pc:sldMk cId="0" sldId="258"/>
+            <ac:spMk id="2" creationId="{00000000-0000-0000-0000-000000000000}"/>
+          </ac:spMkLst>
+        </pc:spChg>
+        <pc:spChg chg="mod ord">
+          <ac:chgData name="Naveen Thiyagasundaram" userId="S::naveent@infinite.com::bb8a1684-ae82-486b-bc3b-12f6f4602afb" providerId="AD" clId="Web-{4DEE6BC9-534C-D873-7FA7-ECDC954BB3A3}" dt="2025-07-25T09:12:35.003" v="61"/>
+          <ac:spMkLst>
+            <pc:docMk/>
+            <pc:sldMk cId="0" sldId="258"/>
+            <ac:spMk id="3" creationId="{00000000-0000-0000-0000-000000000000}"/>
+          </ac:spMkLst>
+        </pc:spChg>
+      </pc:sldChg>
+      <pc:sldChg chg="modSp mod modClrScheme chgLayout">
+        <pc:chgData name="Naveen Thiyagasundaram" userId="S::naveent@infinite.com::bb8a1684-ae82-486b-bc3b-12f6f4602afb" providerId="AD" clId="Web-{4DEE6BC9-534C-D873-7FA7-ECDC954BB3A3}" dt="2025-07-25T09:13:00.800" v="63"/>
+        <pc:sldMkLst>
+          <pc:docMk/>
+          <pc:sldMk cId="0" sldId="259"/>
+        </pc:sldMkLst>
+        <pc:spChg chg="mod ord">
+          <ac:chgData name="Naveen Thiyagasundaram" userId="S::naveent@infinite.com::bb8a1684-ae82-486b-bc3b-12f6f4602afb" providerId="AD" clId="Web-{4DEE6BC9-534C-D873-7FA7-ECDC954BB3A3}" dt="2025-07-25T09:12:35.003" v="61"/>
+          <ac:spMkLst>
+            <pc:docMk/>
+            <pc:sldMk cId="0" sldId="259"/>
+            <ac:spMk id="2" creationId="{00000000-0000-0000-0000-000000000000}"/>
+          </ac:spMkLst>
+        </pc:spChg>
+        <pc:spChg chg="mod ord">
+          <ac:chgData name="Naveen Thiyagasundaram" userId="S::naveent@infinite.com::bb8a1684-ae82-486b-bc3b-12f6f4602afb" providerId="AD" clId="Web-{4DEE6BC9-534C-D873-7FA7-ECDC954BB3A3}" dt="2025-07-25T09:12:35.003" v="61"/>
+          <ac:spMkLst>
+            <pc:docMk/>
+            <pc:sldMk cId="0" sldId="259"/>
+            <ac:spMk id="3" creationId="{00000000-0000-0000-0000-000000000000}"/>
+          </ac:spMkLst>
+        </pc:spChg>
+      </pc:sldChg>
+      <pc:sldChg chg="modSp mod modClrScheme chgLayout">
+        <pc:chgData name="Naveen Thiyagasundaram" userId="S::naveent@infinite.com::bb8a1684-ae82-486b-bc3b-12f6f4602afb" providerId="AD" clId="Web-{4DEE6BC9-534C-D873-7FA7-ECDC954BB3A3}" dt="2025-07-25T09:13:00.800" v="63"/>
+        <pc:sldMkLst>
+          <pc:docMk/>
+          <pc:sldMk cId="0" sldId="260"/>
+        </pc:sldMkLst>
+        <pc:spChg chg="mod ord">
+          <ac:chgData name="Naveen Thiyagasundaram" userId="S::naveent@infinite.com::bb8a1684-ae82-486b-bc3b-12f6f4602afb" providerId="AD" clId="Web-{4DEE6BC9-534C-D873-7FA7-ECDC954BB3A3}" dt="2025-07-25T09:12:35.003" v="61"/>
+          <ac:spMkLst>
+            <pc:docMk/>
+            <pc:sldMk cId="0" sldId="260"/>
+            <ac:spMk id="2" creationId="{00000000-0000-0000-0000-000000000000}"/>
+          </ac:spMkLst>
+        </pc:spChg>
+        <pc:spChg chg="mod ord">
+          <ac:chgData name="Naveen Thiyagasundaram" userId="S::naveent@infinite.com::bb8a1684-ae82-486b-bc3b-12f6f4602afb" providerId="AD" clId="Web-{4DEE6BC9-534C-D873-7FA7-ECDC954BB3A3}" dt="2025-07-25T09:12:35.003" v="61"/>
+          <ac:spMkLst>
+            <pc:docMk/>
+            <pc:sldMk cId="0" sldId="260"/>
+            <ac:spMk id="3" creationId="{00000000-0000-0000-0000-000000000000}"/>
+          </ac:spMkLst>
+        </pc:spChg>
+      </pc:sldChg>
+      <pc:sldChg chg="modSp new ord">
+        <pc:chgData name="Naveen Thiyagasundaram" userId="S::naveent@infinite.com::bb8a1684-ae82-486b-bc3b-12f6f4602afb" providerId="AD" clId="Web-{4DEE6BC9-534C-D873-7FA7-ECDC954BB3A3}" dt="2025-07-25T09:15:14.943" v="94" actId="1076"/>
+        <pc:sldMkLst>
+          <pc:docMk/>
+          <pc:sldMk cId="2759277272" sldId="261"/>
+        </pc:sldMkLst>
+        <pc:spChg chg="mod">
+          <ac:chgData name="Naveen Thiyagasundaram" userId="S::naveent@infinite.com::bb8a1684-ae82-486b-bc3b-12f6f4602afb" providerId="AD" clId="Web-{4DEE6BC9-534C-D873-7FA7-ECDC954BB3A3}" dt="2025-07-25T09:15:14.943" v="94" actId="1076"/>
+          <ac:spMkLst>
+            <pc:docMk/>
+            <pc:sldMk cId="2759277272" sldId="261"/>
+            <ac:spMk id="2" creationId="{E36F7C42-C21C-3572-4F76-2E29D99754C6}"/>
+          </ac:spMkLst>
+        </pc:spChg>
+        <pc:spChg chg="mod">
+          <ac:chgData name="Naveen Thiyagasundaram" userId="S::naveent@infinite.com::bb8a1684-ae82-486b-bc3b-12f6f4602afb" providerId="AD" clId="Web-{4DEE6BC9-534C-D873-7FA7-ECDC954BB3A3}" dt="2025-07-25T09:14:47.442" v="86" actId="1076"/>
+          <ac:spMkLst>
+            <pc:docMk/>
+            <pc:sldMk cId="2759277272" sldId="261"/>
+            <ac:spMk id="3" creationId="{BF7FEF27-D869-5D56-65DD-26ECF1EC5A4A}"/>
+          </ac:spMkLst>
+        </pc:spChg>
+      </pc:sldChg>
+      <pc:sldMasterChg chg="del delSldLayout">
+        <pc:chgData name="Naveen Thiyagasundaram" userId="S::naveent@infinite.com::bb8a1684-ae82-486b-bc3b-12f6f4602afb" providerId="AD" clId="Web-{4DEE6BC9-534C-D873-7FA7-ECDC954BB3A3}" dt="2025-07-25T09:12:28.284" v="60"/>
+        <pc:sldMasterMkLst>
+          <pc:docMk/>
+          <pc:sldMasterMk cId="2209977519" sldId="2147483648"/>
+        </pc:sldMasterMkLst>
+        <pc:sldLayoutChg chg="del">
+          <pc:chgData name="Naveen Thiyagasundaram" userId="S::naveent@infinite.com::bb8a1684-ae82-486b-bc3b-12f6f4602afb" providerId="AD" clId="Web-{4DEE6BC9-534C-D873-7FA7-ECDC954BB3A3}" dt="2025-07-25T09:12:28.284" v="60"/>
+          <pc:sldLayoutMkLst>
+            <pc:docMk/>
+            <pc:sldMasterMk cId="2209977519" sldId="2147483648"/>
+            <pc:sldLayoutMk cId="3168075583" sldId="2147483649"/>
+          </pc:sldLayoutMkLst>
+        </pc:sldLayoutChg>
+        <pc:sldLayoutChg chg="del">
+          <pc:chgData name="Naveen Thiyagasundaram" userId="S::naveent@infinite.com::bb8a1684-ae82-486b-bc3b-12f6f4602afb" providerId="AD" clId="Web-{4DEE6BC9-534C-D873-7FA7-ECDC954BB3A3}" dt="2025-07-25T09:12:28.284" v="60"/>
+          <pc:sldLayoutMkLst>
+            <pc:docMk/>
+            <pc:sldMasterMk cId="2209977519" sldId="2147483648"/>
+            <pc:sldLayoutMk cId="2614314258" sldId="2147483650"/>
+          </pc:sldLayoutMkLst>
+        </pc:sldLayoutChg>
+        <pc:sldLayoutChg chg="del">
+          <pc:chgData name="Naveen Thiyagasundaram" userId="S::naveent@infinite.com::bb8a1684-ae82-486b-bc3b-12f6f4602afb" providerId="AD" clId="Web-{4DEE6BC9-534C-D873-7FA7-ECDC954BB3A3}" dt="2025-07-25T09:12:28.284" v="60"/>
+          <pc:sldLayoutMkLst>
+            <pc:docMk/>
+            <pc:sldMasterMk cId="2209977519" sldId="2147483648"/>
+            <pc:sldLayoutMk cId="960648375" sldId="2147483651"/>
+          </pc:sldLayoutMkLst>
+        </pc:sldLayoutChg>
+        <pc:sldLayoutChg chg="del">
+          <pc:chgData name="Naveen Thiyagasundaram" userId="S::naveent@infinite.com::bb8a1684-ae82-486b-bc3b-12f6f4602afb" providerId="AD" clId="Web-{4DEE6BC9-534C-D873-7FA7-ECDC954BB3A3}" dt="2025-07-25T09:12:28.284" v="60"/>
+          <pc:sldLayoutMkLst>
+            <pc:docMk/>
+            <pc:sldMasterMk cId="2209977519" sldId="2147483648"/>
+            <pc:sldLayoutMk cId="2782244947" sldId="2147483652"/>
+          </pc:sldLayoutMkLst>
+        </pc:sldLayoutChg>
+        <pc:sldLayoutChg chg="del">
+          <pc:chgData name="Naveen Thiyagasundaram" userId="S::naveent@infinite.com::bb8a1684-ae82-486b-bc3b-12f6f4602afb" providerId="AD" clId="Web-{4DEE6BC9-534C-D873-7FA7-ECDC954BB3A3}" dt="2025-07-25T09:12:28.284" v="60"/>
+          <pc:sldLayoutMkLst>
+            <pc:docMk/>
+            <pc:sldMasterMk cId="2209977519" sldId="2147483648"/>
+            <pc:sldLayoutMk cId="990158736" sldId="2147483653"/>
+          </pc:sldLayoutMkLst>
+        </pc:sldLayoutChg>
+        <pc:sldLayoutChg chg="del">
+          <pc:chgData name="Naveen Thiyagasundaram" userId="S::naveent@infinite.com::bb8a1684-ae82-486b-bc3b-12f6f4602afb" providerId="AD" clId="Web-{4DEE6BC9-534C-D873-7FA7-ECDC954BB3A3}" dt="2025-07-25T09:12:28.284" v="60"/>
+          <pc:sldLayoutMkLst>
+            <pc:docMk/>
+            <pc:sldMasterMk cId="2209977519" sldId="2147483648"/>
+            <pc:sldLayoutMk cId="727027711" sldId="2147483654"/>
+          </pc:sldLayoutMkLst>
+        </pc:sldLayoutChg>
+        <pc:sldLayoutChg chg="del">
+          <pc:chgData name="Naveen Thiyagasundaram" userId="S::naveent@infinite.com::bb8a1684-ae82-486b-bc3b-12f6f4602afb" providerId="AD" clId="Web-{4DEE6BC9-534C-D873-7FA7-ECDC954BB3A3}" dt="2025-07-25T09:12:28.284" v="60"/>
+          <pc:sldLayoutMkLst>
+            <pc:docMk/>
+            <pc:sldMasterMk cId="2209977519" sldId="2147483648"/>
+            <pc:sldLayoutMk cId="1212999818" sldId="2147483655"/>
+          </pc:sldLayoutMkLst>
+        </pc:sldLayoutChg>
+        <pc:sldLayoutChg chg="del">
+          <pc:chgData name="Naveen Thiyagasundaram" userId="S::naveent@infinite.com::bb8a1684-ae82-486b-bc3b-12f6f4602afb" providerId="AD" clId="Web-{4DEE6BC9-534C-D873-7FA7-ECDC954BB3A3}" dt="2025-07-25T09:12:28.284" v="60"/>
+          <pc:sldLayoutMkLst>
+            <pc:docMk/>
+            <pc:sldMasterMk cId="2209977519" sldId="2147483648"/>
+            <pc:sldLayoutMk cId="1840726560" sldId="2147483656"/>
+          </pc:sldLayoutMkLst>
+        </pc:sldLayoutChg>
+        <pc:sldLayoutChg chg="del">
+          <pc:chgData name="Naveen Thiyagasundaram" userId="S::naveent@infinite.com::bb8a1684-ae82-486b-bc3b-12f6f4602afb" providerId="AD" clId="Web-{4DEE6BC9-534C-D873-7FA7-ECDC954BB3A3}" dt="2025-07-25T09:12:28.284" v="60"/>
+          <pc:sldLayoutMkLst>
+            <pc:docMk/>
+            <pc:sldMasterMk cId="2209977519" sldId="2147483648"/>
+            <pc:sldLayoutMk cId="3889236939" sldId="2147483657"/>
+          </pc:sldLayoutMkLst>
+        </pc:sldLayoutChg>
+        <pc:sldLayoutChg chg="del">
+          <pc:chgData name="Naveen Thiyagasundaram" userId="S::naveent@infinite.com::bb8a1684-ae82-486b-bc3b-12f6f4602afb" providerId="AD" clId="Web-{4DEE6BC9-534C-D873-7FA7-ECDC954BB3A3}" dt="2025-07-25T09:12:28.284" v="60"/>
+          <pc:sldLayoutMkLst>
+            <pc:docMk/>
+            <pc:sldMasterMk cId="2209977519" sldId="2147483648"/>
+            <pc:sldLayoutMk cId="2910927964" sldId="2147483658"/>
+          </pc:sldLayoutMkLst>
+        </pc:sldLayoutChg>
+        <pc:sldLayoutChg chg="del">
+          <pc:chgData name="Naveen Thiyagasundaram" userId="S::naveent@infinite.com::bb8a1684-ae82-486b-bc3b-12f6f4602afb" providerId="AD" clId="Web-{4DEE6BC9-534C-D873-7FA7-ECDC954BB3A3}" dt="2025-07-25T09:12:28.284" v="60"/>
+          <pc:sldLayoutMkLst>
+            <pc:docMk/>
+            <pc:sldMasterMk cId="2209977519" sldId="2147483648"/>
+            <pc:sldLayoutMk cId="3612223792" sldId="2147483659"/>
+          </pc:sldLayoutMkLst>
+        </pc:sldLayoutChg>
+      </pc:sldMasterChg>
+      <pc:sldMasterChg chg="add del addSldLayout delSldLayout modSldLayout">
+        <pc:chgData name="Naveen Thiyagasundaram" userId="S::naveent@infinite.com::bb8a1684-ae82-486b-bc3b-12f6f4602afb" providerId="AD" clId="Web-{4DEE6BC9-534C-D873-7FA7-ECDC954BB3A3}" dt="2025-07-25T09:12:35.003" v="61"/>
+        <pc:sldMasterMkLst>
+          <pc:docMk/>
+          <pc:sldMasterMk cId="2016567555" sldId="2147483660"/>
+        </pc:sldMasterMkLst>
+        <pc:sldLayoutChg chg="add del mod replId">
+          <pc:chgData name="Naveen Thiyagasundaram" userId="S::naveent@infinite.com::bb8a1684-ae82-486b-bc3b-12f6f4602afb" providerId="AD" clId="Web-{4DEE6BC9-534C-D873-7FA7-ECDC954BB3A3}" dt="2025-07-25T09:12:35.003" v="61"/>
+          <pc:sldLayoutMkLst>
+            <pc:docMk/>
+            <pc:sldMasterMk cId="2016567555" sldId="2147483660"/>
+            <pc:sldLayoutMk cId="855095427" sldId="2147483661"/>
+          </pc:sldLayoutMkLst>
+        </pc:sldLayoutChg>
+        <pc:sldLayoutChg chg="add del mod replId">
+          <pc:chgData name="Naveen Thiyagasundaram" userId="S::naveent@infinite.com::bb8a1684-ae82-486b-bc3b-12f6f4602afb" providerId="AD" clId="Web-{4DEE6BC9-534C-D873-7FA7-ECDC954BB3A3}" dt="2025-07-25T09:12:35.003" v="61"/>
+          <pc:sldLayoutMkLst>
+            <pc:docMk/>
+            <pc:sldMasterMk cId="2016567555" sldId="2147483660"/>
+            <pc:sldLayoutMk cId="3174983197" sldId="2147483662"/>
+          </pc:sldLayoutMkLst>
+        </pc:sldLayoutChg>
+        <pc:sldLayoutChg chg="add del mod replId">
+          <pc:chgData name="Naveen Thiyagasundaram" userId="S::naveent@infinite.com::bb8a1684-ae82-486b-bc3b-12f6f4602afb" providerId="AD" clId="Web-{4DEE6BC9-534C-D873-7FA7-ECDC954BB3A3}" dt="2025-07-25T09:12:35.003" v="61"/>
+          <pc:sldLayoutMkLst>
+            <pc:docMk/>
+            <pc:sldMasterMk cId="2016567555" sldId="2147483660"/>
+            <pc:sldLayoutMk cId="744846299" sldId="2147483663"/>
+          </pc:sldLayoutMkLst>
+        </pc:sldLayoutChg>
+        <pc:sldLayoutChg chg="add del mod replId">
+          <pc:chgData name="Naveen Thiyagasundaram" userId="S::naveent@infinite.com::bb8a1684-ae82-486b-bc3b-12f6f4602afb" providerId="AD" clId="Web-{4DEE6BC9-534C-D873-7FA7-ECDC954BB3A3}" dt="2025-07-25T09:12:35.003" v="61"/>
+          <pc:sldLayoutMkLst>
+            <pc:docMk/>
+            <pc:sldMasterMk cId="2016567555" sldId="2147483660"/>
+            <pc:sldLayoutMk cId="2292794555" sldId="2147483664"/>
+          </pc:sldLayoutMkLst>
+        </pc:sldLayoutChg>
+        <pc:sldLayoutChg chg="add del mod replId">
+          <pc:chgData name="Naveen Thiyagasundaram" userId="S::naveent@infinite.com::bb8a1684-ae82-486b-bc3b-12f6f4602afb" providerId="AD" clId="Web-{4DEE6BC9-534C-D873-7FA7-ECDC954BB3A3}" dt="2025-07-25T09:12:35.003" v="61"/>
+          <pc:sldLayoutMkLst>
+            <pc:docMk/>
+            <pc:sldMasterMk cId="2016567555" sldId="2147483660"/>
+            <pc:sldLayoutMk cId="3750955196" sldId="2147483665"/>
+          </pc:sldLayoutMkLst>
+        </pc:sldLayoutChg>
+        <pc:sldLayoutChg chg="add del mod replId">
+          <pc:chgData name="Naveen Thiyagasundaram" userId="S::naveent@infinite.com::bb8a1684-ae82-486b-bc3b-12f6f4602afb" providerId="AD" clId="Web-{4DEE6BC9-534C-D873-7FA7-ECDC954BB3A3}" dt="2025-07-25T09:12:35.003" v="61"/>
+          <pc:sldLayoutMkLst>
+            <pc:docMk/>
+            <pc:sldMasterMk cId="2016567555" sldId="2147483660"/>
+            <pc:sldLayoutMk cId="2981241425" sldId="2147483666"/>
+          </pc:sldLayoutMkLst>
+        </pc:sldLayoutChg>
+        <pc:sldLayoutChg chg="add del mod replId">
+          <pc:chgData name="Naveen Thiyagasundaram" userId="S::naveent@infinite.com::bb8a1684-ae82-486b-bc3b-12f6f4602afb" providerId="AD" clId="Web-{4DEE6BC9-534C-D873-7FA7-ECDC954BB3A3}" dt="2025-07-25T09:12:35.003" v="61"/>
+          <pc:sldLayoutMkLst>
+            <pc:docMk/>
+            <pc:sldMasterMk cId="2016567555" sldId="2147483660"/>
+            <pc:sldLayoutMk cId="369127309" sldId="2147483667"/>
+          </pc:sldLayoutMkLst>
+        </pc:sldLayoutChg>
+        <pc:sldLayoutChg chg="add del mod replId">
+          <pc:chgData name="Naveen Thiyagasundaram" userId="S::naveent@infinite.com::bb8a1684-ae82-486b-bc3b-12f6f4602afb" providerId="AD" clId="Web-{4DEE6BC9-534C-D873-7FA7-ECDC954BB3A3}" dt="2025-07-25T09:12:35.003" v="61"/>
+          <pc:sldLayoutMkLst>
+            <pc:docMk/>
+            <pc:sldMasterMk cId="2016567555" sldId="2147483660"/>
+            <pc:sldLayoutMk cId="1483991971" sldId="2147483668"/>
+          </pc:sldLayoutMkLst>
+        </pc:sldLayoutChg>
+        <pc:sldLayoutChg chg="add del mod replId">
+          <pc:chgData name="Naveen Thiyagasundaram" userId="S::naveent@infinite.com::bb8a1684-ae82-486b-bc3b-12f6f4602afb" providerId="AD" clId="Web-{4DEE6BC9-534C-D873-7FA7-ECDC954BB3A3}" dt="2025-07-25T09:12:35.003" v="61"/>
+          <pc:sldLayoutMkLst>
+            <pc:docMk/>
+            <pc:sldMasterMk cId="2016567555" sldId="2147483660"/>
+            <pc:sldLayoutMk cId="3938519694" sldId="2147483669"/>
+          </pc:sldLayoutMkLst>
+        </pc:sldLayoutChg>
+        <pc:sldLayoutChg chg="add del mod replId">
+          <pc:chgData name="Naveen Thiyagasundaram" userId="S::naveent@infinite.com::bb8a1684-ae82-486b-bc3b-12f6f4602afb" providerId="AD" clId="Web-{4DEE6BC9-534C-D873-7FA7-ECDC954BB3A3}" dt="2025-07-25T09:12:35.003" v="61"/>
+          <pc:sldLayoutMkLst>
+            <pc:docMk/>
+            <pc:sldMasterMk cId="2016567555" sldId="2147483660"/>
+            <pc:sldLayoutMk cId="72424121" sldId="2147483670"/>
+          </pc:sldLayoutMkLst>
+        </pc:sldLayoutChg>
+        <pc:sldLayoutChg chg="add del mod replId">
+          <pc:chgData name="Naveen Thiyagasundaram" userId="S::naveent@infinite.com::bb8a1684-ae82-486b-bc3b-12f6f4602afb" providerId="AD" clId="Web-{4DEE6BC9-534C-D873-7FA7-ECDC954BB3A3}" dt="2025-07-25T09:12:35.003" v="61"/>
+          <pc:sldLayoutMkLst>
+            <pc:docMk/>
+            <pc:sldMasterMk cId="2016567555" sldId="2147483660"/>
+            <pc:sldLayoutMk cId="4185295254" sldId="2147483671"/>
+          </pc:sldLayoutMkLst>
+        </pc:sldLayoutChg>
+      </pc:sldMasterChg>
+      <pc:sldMasterChg chg="add mod setBg addSldLayout modSldLayout">
+        <pc:chgData name="Naveen Thiyagasundaram" userId="S::naveent@infinite.com::bb8a1684-ae82-486b-bc3b-12f6f4602afb" providerId="AD" clId="Web-{4DEE6BC9-534C-D873-7FA7-ECDC954BB3A3}" dt="2025-07-25T09:13:00.800" v="63"/>
+        <pc:sldMasterMkLst>
+          <pc:docMk/>
+          <pc:sldMasterMk cId="2604956809" sldId="2147483672"/>
+        </pc:sldMasterMkLst>
+        <pc:sldLayoutChg chg="add mod replId">
+          <pc:chgData name="Naveen Thiyagasundaram" userId="S::naveent@infinite.com::bb8a1684-ae82-486b-bc3b-12f6f4602afb" providerId="AD" clId="Web-{4DEE6BC9-534C-D873-7FA7-ECDC954BB3A3}" dt="2025-07-25T09:13:00.800" v="63"/>
+          <pc:sldLayoutMkLst>
+            <pc:docMk/>
+            <pc:sldMasterMk cId="2604956809" sldId="2147483672"/>
+            <pc:sldLayoutMk cId="2337455205" sldId="2147483673"/>
+          </pc:sldLayoutMkLst>
+        </pc:sldLayoutChg>
+        <pc:sldLayoutChg chg="add mod replId">
+          <pc:chgData name="Naveen Thiyagasundaram" userId="S::naveent@infinite.com::bb8a1684-ae82-486b-bc3b-12f6f4602afb" providerId="AD" clId="Web-{4DEE6BC9-534C-D873-7FA7-ECDC954BB3A3}" dt="2025-07-25T09:13:00.800" v="63"/>
+          <pc:sldLayoutMkLst>
+            <pc:docMk/>
+            <pc:sldMasterMk cId="2604956809" sldId="2147483672"/>
+            <pc:sldLayoutMk cId="4242171345" sldId="2147483674"/>
+          </pc:sldLayoutMkLst>
+        </pc:sldLayoutChg>
+        <pc:sldLayoutChg chg="add mod replId">
+          <pc:chgData name="Naveen Thiyagasundaram" userId="S::naveent@infinite.com::bb8a1684-ae82-486b-bc3b-12f6f4602afb" providerId="AD" clId="Web-{4DEE6BC9-534C-D873-7FA7-ECDC954BB3A3}" dt="2025-07-25T09:13:00.800" v="63"/>
+          <pc:sldLayoutMkLst>
+            <pc:docMk/>
+            <pc:sldMasterMk cId="2604956809" sldId="2147483672"/>
+            <pc:sldLayoutMk cId="4043851857" sldId="2147483675"/>
+          </pc:sldLayoutMkLst>
+        </pc:sldLayoutChg>
+        <pc:sldLayoutChg chg="add mod replId">
+          <pc:chgData name="Naveen Thiyagasundaram" userId="S::naveent@infinite.com::bb8a1684-ae82-486b-bc3b-12f6f4602afb" providerId="AD" clId="Web-{4DEE6BC9-534C-D873-7FA7-ECDC954BB3A3}" dt="2025-07-25T09:13:00.800" v="63"/>
+          <pc:sldLayoutMkLst>
+            <pc:docMk/>
+            <pc:sldMasterMk cId="2604956809" sldId="2147483672"/>
+            <pc:sldLayoutMk cId="1813333721" sldId="2147483676"/>
+          </pc:sldLayoutMkLst>
+        </pc:sldLayoutChg>
+        <pc:sldLayoutChg chg="add mod replId">
+          <pc:chgData name="Naveen Thiyagasundaram" userId="S::naveent@infinite.com::bb8a1684-ae82-486b-bc3b-12f6f4602afb" providerId="AD" clId="Web-{4DEE6BC9-534C-D873-7FA7-ECDC954BB3A3}" dt="2025-07-25T09:13:00.800" v="63"/>
+          <pc:sldLayoutMkLst>
+            <pc:docMk/>
+            <pc:sldMasterMk cId="2604956809" sldId="2147483672"/>
+            <pc:sldLayoutMk cId="3869111108" sldId="2147483677"/>
+          </pc:sldLayoutMkLst>
+        </pc:sldLayoutChg>
+        <pc:sldLayoutChg chg="add mod replId">
+          <pc:chgData name="Naveen Thiyagasundaram" userId="S::naveent@infinite.com::bb8a1684-ae82-486b-bc3b-12f6f4602afb" providerId="AD" clId="Web-{4DEE6BC9-534C-D873-7FA7-ECDC954BB3A3}" dt="2025-07-25T09:13:00.800" v="63"/>
+          <pc:sldLayoutMkLst>
+            <pc:docMk/>
+            <pc:sldMasterMk cId="2604956809" sldId="2147483672"/>
+            <pc:sldLayoutMk cId="2099793927" sldId="2147483678"/>
+          </pc:sldLayoutMkLst>
+        </pc:sldLayoutChg>
+        <pc:sldLayoutChg chg="add mod replId">
+          <pc:chgData name="Naveen Thiyagasundaram" userId="S::naveent@infinite.com::bb8a1684-ae82-486b-bc3b-12f6f4602afb" providerId="AD" clId="Web-{4DEE6BC9-534C-D873-7FA7-ECDC954BB3A3}" dt="2025-07-25T09:13:00.800" v="63"/>
+          <pc:sldLayoutMkLst>
+            <pc:docMk/>
+            <pc:sldMasterMk cId="2604956809" sldId="2147483672"/>
+            <pc:sldLayoutMk cId="819682076" sldId="2147483679"/>
+          </pc:sldLayoutMkLst>
+        </pc:sldLayoutChg>
+        <pc:sldLayoutChg chg="add mod replId">
+          <pc:chgData name="Naveen Thiyagasundaram" userId="S::naveent@infinite.com::bb8a1684-ae82-486b-bc3b-12f6f4602afb" providerId="AD" clId="Web-{4DEE6BC9-534C-D873-7FA7-ECDC954BB3A3}" dt="2025-07-25T09:13:00.800" v="63"/>
+          <pc:sldLayoutMkLst>
+            <pc:docMk/>
+            <pc:sldMasterMk cId="2604956809" sldId="2147483672"/>
+            <pc:sldLayoutMk cId="2428698833" sldId="2147483680"/>
+          </pc:sldLayoutMkLst>
+        </pc:sldLayoutChg>
+        <pc:sldLayoutChg chg="add mod replId">
+          <pc:chgData name="Naveen Thiyagasundaram" userId="S::naveent@infinite.com::bb8a1684-ae82-486b-bc3b-12f6f4602afb" providerId="AD" clId="Web-{4DEE6BC9-534C-D873-7FA7-ECDC954BB3A3}" dt="2025-07-25T09:13:00.800" v="63"/>
+          <pc:sldLayoutMkLst>
+            <pc:docMk/>
+            <pc:sldMasterMk cId="2604956809" sldId="2147483672"/>
+            <pc:sldLayoutMk cId="1746386073" sldId="2147483681"/>
+          </pc:sldLayoutMkLst>
+        </pc:sldLayoutChg>
+        <pc:sldLayoutChg chg="add mod replId">
+          <pc:chgData name="Naveen Thiyagasundaram" userId="S::naveent@infinite.com::bb8a1684-ae82-486b-bc3b-12f6f4602afb" providerId="AD" clId="Web-{4DEE6BC9-534C-D873-7FA7-ECDC954BB3A3}" dt="2025-07-25T09:13:00.800" v="63"/>
+          <pc:sldLayoutMkLst>
+            <pc:docMk/>
+            <pc:sldMasterMk cId="2604956809" sldId="2147483672"/>
+            <pc:sldLayoutMk cId="580077663" sldId="2147483682"/>
+          </pc:sldLayoutMkLst>
+        </pc:sldLayoutChg>
+        <pc:sldLayoutChg chg="add mod replId">
+          <pc:chgData name="Naveen Thiyagasundaram" userId="S::naveent@infinite.com::bb8a1684-ae82-486b-bc3b-12f6f4602afb" providerId="AD" clId="Web-{4DEE6BC9-534C-D873-7FA7-ECDC954BB3A3}" dt="2025-07-25T09:13:00.800" v="63"/>
+          <pc:sldLayoutMkLst>
+            <pc:docMk/>
+            <pc:sldMasterMk cId="2604956809" sldId="2147483672"/>
+            <pc:sldLayoutMk cId="4231522121" sldId="2147483683"/>
+          </pc:sldLayoutMkLst>
+        </pc:sldLayoutChg>
+      </pc:sldMasterChg>
+    </pc:docChg>
+  </pc:docChgLst>
+</pc:chgInfo>
 </file>
 
 <file path=ppt/slideLayouts/slideLayout1.xml><?xml version="1.0" encoding="utf-8"?>
@@ -130,7 +592,13 @@
       </p:grpSpPr>
       <p:sp>
         <p:nvSpPr>
-          <p:cNvPr id="2" name="Title 1"/>
+          <p:cNvPr id="2" name="Title 1">
+            <a:extLst>
+              <a:ext uri="{FF2B5EF4-FFF2-40B4-BE49-F238E27FC236}">
+                <a16:creationId xmlns:a16="http://schemas.microsoft.com/office/drawing/2014/main" id="{E4336E9A-8E96-CD8C-7598-F87632CD81CF}"/>
+              </a:ext>
+            </a:extLst>
+          </p:cNvPr>
           <p:cNvSpPr>
             <a:spLocks noGrp="1"/>
           </p:cNvSpPr>
@@ -140,25 +608,36 @@
         </p:nvSpPr>
         <p:spPr>
           <a:xfrm>
-            <a:off x="685800" y="2130425"/>
-            <a:ext cx="7772400" cy="1470025"/>
+            <a:off x="1726443" y="1122363"/>
+            <a:ext cx="5691116" cy="2621154"/>
           </a:xfrm>
         </p:spPr>
         <p:txBody>
-          <a:bodyPr/>
-          <a:lstStyle/>
-          <a:p>
-            <a:r>
-              <a:rPr lang="en-US" smtClean="0"/>
+          <a:bodyPr anchor="b">
+            <a:normAutofit/>
+          </a:bodyPr>
+          <a:lstStyle>
+            <a:lvl1pPr algn="ctr">
+              <a:defRPr sz="5333"/>
+            </a:lvl1pPr>
+          </a:lstStyle>
+          <a:p>
+            <a:r>
+              <a:rPr lang="en-US" dirty="0"/>
               <a:t>Click to edit Master title style</a:t>
             </a:r>
-            <a:endParaRPr lang="en-US"/>
-          </a:p>
-        </p:txBody>
-      </p:sp>
-      <p:sp>
-        <p:nvSpPr>
-          <p:cNvPr id="3" name="Subtitle 2"/>
+          </a:p>
+        </p:txBody>
+      </p:sp>
+      <p:sp>
+        <p:nvSpPr>
+          <p:cNvPr id="3" name="Subtitle 2">
+            <a:extLst>
+              <a:ext uri="{FF2B5EF4-FFF2-40B4-BE49-F238E27FC236}">
+                <a16:creationId xmlns:a16="http://schemas.microsoft.com/office/drawing/2014/main" id="{2BDC76B8-60F6-62D3-9F73-E81662203017}"/>
+              </a:ext>
+            </a:extLst>
+          </p:cNvPr>
           <p:cNvSpPr>
             <a:spLocks noGrp="1"/>
           </p:cNvSpPr>
@@ -168,116 +647,69 @@
         </p:nvSpPr>
         <p:spPr>
           <a:xfrm>
-            <a:off x="1371600" y="3886200"/>
-            <a:ext cx="6400800" cy="1752600"/>
+            <a:off x="1726443" y="3843709"/>
+            <a:ext cx="5691116" cy="1414091"/>
           </a:xfrm>
         </p:spPr>
         <p:txBody>
-          <a:bodyPr/>
+          <a:bodyPr>
+            <a:normAutofit/>
+          </a:bodyPr>
           <a:lstStyle>
             <a:lvl1pPr marL="0" indent="0" algn="ctr">
               <a:buNone/>
-              <a:defRPr>
-                <a:solidFill>
-                  <a:schemeClr val="tx1">
-                    <a:tint val="75000"/>
-                  </a:schemeClr>
-                </a:solidFill>
-              </a:defRPr>
+              <a:defRPr sz="2400"/>
             </a:lvl1pPr>
-            <a:lvl2pPr marL="457200" indent="0" algn="ctr">
-              <a:buNone/>
-              <a:defRPr>
-                <a:solidFill>
-                  <a:schemeClr val="tx1">
-                    <a:tint val="75000"/>
-                  </a:schemeClr>
-                </a:solidFill>
-              </a:defRPr>
+            <a:lvl2pPr marL="609585" indent="0" algn="ctr">
+              <a:buNone/>
+              <a:defRPr sz="2400"/>
             </a:lvl2pPr>
-            <a:lvl3pPr marL="914400" indent="0" algn="ctr">
-              <a:buNone/>
-              <a:defRPr>
-                <a:solidFill>
-                  <a:schemeClr val="tx1">
-                    <a:tint val="75000"/>
-                  </a:schemeClr>
-                </a:solidFill>
-              </a:defRPr>
+            <a:lvl3pPr marL="1219170" indent="0" algn="ctr">
+              <a:buNone/>
+              <a:defRPr sz="2400"/>
             </a:lvl3pPr>
-            <a:lvl4pPr marL="1371600" indent="0" algn="ctr">
-              <a:buNone/>
-              <a:defRPr>
-                <a:solidFill>
-                  <a:schemeClr val="tx1">
-                    <a:tint val="75000"/>
-                  </a:schemeClr>
-                </a:solidFill>
-              </a:defRPr>
+            <a:lvl4pPr marL="1828754" indent="0" algn="ctr">
+              <a:buNone/>
+              <a:defRPr sz="2133"/>
             </a:lvl4pPr>
-            <a:lvl5pPr marL="1828800" indent="0" algn="ctr">
-              <a:buNone/>
-              <a:defRPr>
-                <a:solidFill>
-                  <a:schemeClr val="tx1">
-                    <a:tint val="75000"/>
-                  </a:schemeClr>
-                </a:solidFill>
-              </a:defRPr>
+            <a:lvl5pPr marL="2438339" indent="0" algn="ctr">
+              <a:buNone/>
+              <a:defRPr sz="2133"/>
             </a:lvl5pPr>
-            <a:lvl6pPr marL="2286000" indent="0" algn="ctr">
-              <a:buNone/>
-              <a:defRPr>
-                <a:solidFill>
-                  <a:schemeClr val="tx1">
-                    <a:tint val="75000"/>
-                  </a:schemeClr>
-                </a:solidFill>
-              </a:defRPr>
+            <a:lvl6pPr marL="3047924" indent="0" algn="ctr">
+              <a:buNone/>
+              <a:defRPr sz="2133"/>
             </a:lvl6pPr>
-            <a:lvl7pPr marL="2743200" indent="0" algn="ctr">
-              <a:buNone/>
-              <a:defRPr>
-                <a:solidFill>
-                  <a:schemeClr val="tx1">
-                    <a:tint val="75000"/>
-                  </a:schemeClr>
-                </a:solidFill>
-              </a:defRPr>
+            <a:lvl7pPr marL="3657509" indent="0" algn="ctr">
+              <a:buNone/>
+              <a:defRPr sz="2133"/>
             </a:lvl7pPr>
-            <a:lvl8pPr marL="3200400" indent="0" algn="ctr">
-              <a:buNone/>
-              <a:defRPr>
-                <a:solidFill>
-                  <a:schemeClr val="tx1">
-                    <a:tint val="75000"/>
-                  </a:schemeClr>
-                </a:solidFill>
-              </a:defRPr>
+            <a:lvl8pPr marL="4267093" indent="0" algn="ctr">
+              <a:buNone/>
+              <a:defRPr sz="2133"/>
             </a:lvl8pPr>
-            <a:lvl9pPr marL="3657600" indent="0" algn="ctr">
-              <a:buNone/>
-              <a:defRPr>
-                <a:solidFill>
-                  <a:schemeClr val="tx1">
-                    <a:tint val="75000"/>
-                  </a:schemeClr>
-                </a:solidFill>
-              </a:defRPr>
+            <a:lvl9pPr marL="4876678" indent="0" algn="ctr">
+              <a:buNone/>
+              <a:defRPr sz="2133"/>
             </a:lvl9pPr>
           </a:lstStyle>
           <a:p>
             <a:r>
-              <a:rPr lang="en-US" smtClean="0"/>
+              <a:rPr lang="en-US" dirty="0"/>
               <a:t>Click to edit Master subtitle style</a:t>
             </a:r>
-            <a:endParaRPr lang="en-US"/>
-          </a:p>
-        </p:txBody>
-      </p:sp>
-      <p:sp>
-        <p:nvSpPr>
-          <p:cNvPr id="4" name="Date Placeholder 3"/>
+          </a:p>
+        </p:txBody>
+      </p:sp>
+      <p:sp>
+        <p:nvSpPr>
+          <p:cNvPr id="4" name="Date Placeholder 3">
+            <a:extLst>
+              <a:ext uri="{FF2B5EF4-FFF2-40B4-BE49-F238E27FC236}">
+                <a16:creationId xmlns:a16="http://schemas.microsoft.com/office/drawing/2014/main" id="{EAE2DAFA-435E-AAF9-8B67-495E5AFDCD91}"/>
+              </a:ext>
+            </a:extLst>
+          </p:cNvPr>
           <p:cNvSpPr>
             <a:spLocks noGrp="1"/>
           </p:cNvSpPr>
@@ -290,17 +722,23 @@
           <a:bodyPr/>
           <a:lstStyle/>
           <a:p>
-            <a:fld id="{5BCAD085-E8A6-8845-BD4E-CB4CCA059FC4}" type="datetimeFigureOut">
-              <a:rPr lang="en-US" smtClean="0"/>
-              <a:t>1/27/13</a:t>
+            <a:fld id="{77CA0979-F579-4E9B-A675-1F5ABBFF00DB}" type="datetimeFigureOut">
+              <a:rPr lang="en-US" dirty="0"/>
+              <a:t>7/25/2025</a:t>
             </a:fld>
-            <a:endParaRPr lang="en-US"/>
-          </a:p>
-        </p:txBody>
-      </p:sp>
-      <p:sp>
-        <p:nvSpPr>
-          <p:cNvPr id="5" name="Footer Placeholder 4"/>
+            <a:endParaRPr lang="en-US" dirty="0"/>
+          </a:p>
+        </p:txBody>
+      </p:sp>
+      <p:sp>
+        <p:nvSpPr>
+          <p:cNvPr id="5" name="Footer Placeholder 4">
+            <a:extLst>
+              <a:ext uri="{FF2B5EF4-FFF2-40B4-BE49-F238E27FC236}">
+                <a16:creationId xmlns:a16="http://schemas.microsoft.com/office/drawing/2014/main" id="{5B407A58-3351-E479-1A0C-2FF49FA42707}"/>
+              </a:ext>
+            </a:extLst>
+          </p:cNvPr>
           <p:cNvSpPr>
             <a:spLocks noGrp="1"/>
           </p:cNvSpPr>
@@ -313,13 +751,23 @@
           <a:bodyPr/>
           <a:lstStyle/>
           <a:p>
-            <a:endParaRPr lang="en-US"/>
-          </a:p>
-        </p:txBody>
-      </p:sp>
-      <p:sp>
-        <p:nvSpPr>
-          <p:cNvPr id="6" name="Slide Number Placeholder 5"/>
+            <a:r>
+              <a:rPr lang="en-US" dirty="0"/>
+              <a:t>
+              </a:t>
+            </a:r>
+          </a:p>
+        </p:txBody>
+      </p:sp>
+      <p:sp>
+        <p:nvSpPr>
+          <p:cNvPr id="6" name="Slide Number Placeholder 5">
+            <a:extLst>
+              <a:ext uri="{FF2B5EF4-FFF2-40B4-BE49-F238E27FC236}">
+                <a16:creationId xmlns:a16="http://schemas.microsoft.com/office/drawing/2014/main" id="{81789E10-2433-2ECB-9C92-571B583A4CF1}"/>
+              </a:ext>
+            </a:extLst>
+          </p:cNvPr>
           <p:cNvSpPr>
             <a:spLocks noGrp="1"/>
           </p:cNvSpPr>
@@ -332,24 +780,40 @@
           <a:bodyPr/>
           <a:lstStyle/>
           <a:p>
-            <a:fld id="{C1FF6DA9-008F-8B48-92A6-B652298478BF}" type="slidenum">
-              <a:rPr lang="en-US" smtClean="0"/>
+            <a:fld id="{CC057153-B650-4DEB-B370-79DDCFDCE934}" type="slidenum">
+              <a:rPr lang="en-US" dirty="0"/>
               <a:t>‹#›</a:t>
             </a:fld>
-            <a:endParaRPr lang="en-US"/>
+            <a:endParaRPr lang="en-US" dirty="0"/>
           </a:p>
         </p:txBody>
       </p:sp>
     </p:spTree>
     <p:extLst>
       <p:ext uri="{BB962C8B-B14F-4D97-AF65-F5344CB8AC3E}">
-        <p14:creationId xmlns:p14="http://schemas.microsoft.com/office/powerpoint/2010/main" val="3168075583"/>
+        <p14:creationId xmlns:p14="http://schemas.microsoft.com/office/powerpoint/2010/main" val="2337455205"/>
       </p:ext>
     </p:extLst>
   </p:cSld>
   <p:clrMapOvr>
     <a:masterClrMapping/>
   </p:clrMapOvr>
+  <p:extLst>
+    <p:ext uri="{DCECCB84-F9BA-43D5-87BE-67443E8EF086}">
+      <p15:sldGuideLst xmlns:p15="http://schemas.microsoft.com/office/powerpoint/2012/main">
+        <p15:guide id="5" orient="horz" pos="2160" userDrawn="1">
+          <p15:clr>
+            <a:srgbClr val="FBAE40"/>
+          </p15:clr>
+        </p15:guide>
+        <p15:guide id="6" pos="2880" userDrawn="1">
+          <p15:clr>
+            <a:srgbClr val="FBAE40"/>
+          </p15:clr>
+        </p15:guide>
+      </p15:sldGuideLst>
+    </p:ext>
+  </p:extLst>
 </p:sldLayout>
 </file>
 
@@ -372,7 +836,13 @@
       </p:grpSpPr>
       <p:sp>
         <p:nvSpPr>
-          <p:cNvPr id="2" name="Title 1"/>
+          <p:cNvPr id="2" name="Title 1">
+            <a:extLst>
+              <a:ext uri="{FF2B5EF4-FFF2-40B4-BE49-F238E27FC236}">
+                <a16:creationId xmlns:a16="http://schemas.microsoft.com/office/drawing/2014/main" id="{354E956D-CB73-C986-F100-46487310D11E}"/>
+              </a:ext>
+            </a:extLst>
+          </p:cNvPr>
           <p:cNvSpPr>
             <a:spLocks noGrp="1"/>
           </p:cNvSpPr>
@@ -380,79 +850,157 @@
             <p:ph type="title"/>
           </p:nvPr>
         </p:nvSpPr>
+        <p:spPr>
+          <a:xfrm>
+            <a:off x="459486" y="548640"/>
+            <a:ext cx="7886700" cy="1132258"/>
+          </a:xfrm>
+        </p:spPr>
+        <p:txBody>
+          <a:bodyPr/>
+          <a:lstStyle/>
+          <a:p>
+            <a:r>
+              <a:rPr lang="en-US" dirty="0"/>
+              <a:t>Click to edit Master title style</a:t>
+            </a:r>
+          </a:p>
+        </p:txBody>
+      </p:sp>
+      <p:sp>
+        <p:nvSpPr>
+          <p:cNvPr id="3" name="Vertical Text Placeholder 2">
+            <a:extLst>
+              <a:ext uri="{FF2B5EF4-FFF2-40B4-BE49-F238E27FC236}">
+                <a16:creationId xmlns:a16="http://schemas.microsoft.com/office/drawing/2014/main" id="{FE423E6A-A07C-BF0D-EA30-9A8A854E48F1}"/>
+              </a:ext>
+            </a:extLst>
+          </p:cNvPr>
+          <p:cNvSpPr>
+            <a:spLocks noGrp="1"/>
+          </p:cNvSpPr>
+          <p:nvPr>
+            <p:ph type="body" orient="vert" idx="1"/>
+          </p:nvPr>
+        </p:nvSpPr>
+        <p:spPr>
+          <a:xfrm>
+            <a:off x="459486" y="1680899"/>
+            <a:ext cx="7886700" cy="4496065"/>
+          </a:xfrm>
+        </p:spPr>
+        <p:txBody>
+          <a:bodyPr vert="eaVert"/>
+          <a:lstStyle/>
+          <a:p>
+            <a:pPr lvl="0"/>
+            <a:r>
+              <a:rPr lang="en-US" dirty="0"/>
+              <a:t>Click to edit Master text styles</a:t>
+            </a:r>
+          </a:p>
+          <a:p>
+            <a:pPr lvl="1"/>
+            <a:r>
+              <a:rPr lang="en-US" dirty="0"/>
+              <a:t>Second level</a:t>
+            </a:r>
+          </a:p>
+          <a:p>
+            <a:pPr lvl="2"/>
+            <a:r>
+              <a:rPr lang="en-US" dirty="0"/>
+              <a:t>Third level</a:t>
+            </a:r>
+          </a:p>
+          <a:p>
+            <a:pPr lvl="3"/>
+            <a:r>
+              <a:rPr lang="en-US" dirty="0"/>
+              <a:t>Fourth level</a:t>
+            </a:r>
+          </a:p>
+          <a:p>
+            <a:pPr lvl="4"/>
+            <a:r>
+              <a:rPr lang="en-US" dirty="0"/>
+              <a:t>Fifth level</a:t>
+            </a:r>
+          </a:p>
+        </p:txBody>
+      </p:sp>
+      <p:sp>
+        <p:nvSpPr>
+          <p:cNvPr id="4" name="Date Placeholder 3">
+            <a:extLst>
+              <a:ext uri="{FF2B5EF4-FFF2-40B4-BE49-F238E27FC236}">
+                <a16:creationId xmlns:a16="http://schemas.microsoft.com/office/drawing/2014/main" id="{EEDC9908-8F95-8DFC-72CC-158552B56735}"/>
+              </a:ext>
+            </a:extLst>
+          </p:cNvPr>
+          <p:cNvSpPr>
+            <a:spLocks noGrp="1"/>
+          </p:cNvSpPr>
+          <p:nvPr>
+            <p:ph type="dt" sz="half" idx="10"/>
+          </p:nvPr>
+        </p:nvSpPr>
         <p:spPr/>
         <p:txBody>
           <a:bodyPr/>
           <a:lstStyle/>
           <a:p>
-            <a:r>
-              <a:rPr lang="en-US" smtClean="0"/>
-              <a:t>Click to edit Master title style</a:t>
-            </a:r>
-            <a:endParaRPr lang="en-US"/>
-          </a:p>
-        </p:txBody>
-      </p:sp>
-      <p:sp>
-        <p:nvSpPr>
-          <p:cNvPr id="3" name="Vertical Text Placeholder 2"/>
-          <p:cNvSpPr>
-            <a:spLocks noGrp="1"/>
-          </p:cNvSpPr>
-          <p:nvPr>
-            <p:ph type="body" orient="vert" idx="1"/>
+            <a:fld id="{F7E76D0F-5A12-4D0A-80B0-1A6122B61E7B}" type="datetimeFigureOut">
+              <a:rPr lang="en-US" dirty="0"/>
+              <a:t>7/25/2025</a:t>
+            </a:fld>
+            <a:endParaRPr lang="en-US" dirty="0"/>
+          </a:p>
+        </p:txBody>
+      </p:sp>
+      <p:sp>
+        <p:nvSpPr>
+          <p:cNvPr id="5" name="Footer Placeholder 4">
+            <a:extLst>
+              <a:ext uri="{FF2B5EF4-FFF2-40B4-BE49-F238E27FC236}">
+                <a16:creationId xmlns:a16="http://schemas.microsoft.com/office/drawing/2014/main" id="{2C26C9BE-9060-50CB-2BB7-07307FF89A7A}"/>
+              </a:ext>
+            </a:extLst>
+          </p:cNvPr>
+          <p:cNvSpPr>
+            <a:spLocks noGrp="1"/>
+          </p:cNvSpPr>
+          <p:nvPr>
+            <p:ph type="ftr" sz="quarter" idx="11"/>
           </p:nvPr>
         </p:nvSpPr>
         <p:spPr/>
         <p:txBody>
-          <a:bodyPr vert="eaVert"/>
-          <a:lstStyle/>
-          <a:p>
-            <a:pPr lvl="0"/>
-            <a:r>
-              <a:rPr lang="en-US" smtClean="0"/>
-              <a:t>Click to edit Master text styles</a:t>
-            </a:r>
-          </a:p>
-          <a:p>
-            <a:pPr lvl="1"/>
-            <a:r>
-              <a:rPr lang="en-US" smtClean="0"/>
-              <a:t>Second level</a:t>
-            </a:r>
-          </a:p>
-          <a:p>
-            <a:pPr lvl="2"/>
-            <a:r>
-              <a:rPr lang="en-US" smtClean="0"/>
-              <a:t>Third level</a:t>
-            </a:r>
-          </a:p>
-          <a:p>
-            <a:pPr lvl="3"/>
-            <a:r>
-              <a:rPr lang="en-US" smtClean="0"/>
-              <a:t>Fourth level</a:t>
-            </a:r>
-          </a:p>
-          <a:p>
-            <a:pPr lvl="4"/>
-            <a:r>
-              <a:rPr lang="en-US" smtClean="0"/>
-              <a:t>Fifth level</a:t>
-            </a:r>
-            <a:endParaRPr lang="en-US"/>
-          </a:p>
-        </p:txBody>
-      </p:sp>
-      <p:sp>
-        <p:nvSpPr>
-          <p:cNvPr id="4" name="Date Placeholder 3"/>
-          <p:cNvSpPr>
-            <a:spLocks noGrp="1"/>
-          </p:cNvSpPr>
-          <p:nvPr>
-            <p:ph type="dt" sz="half" idx="10"/>
+          <a:bodyPr/>
+          <a:lstStyle/>
+          <a:p>
+            <a:r>
+              <a:rPr lang="en-US" dirty="0"/>
+              <a:t>
+              </a:t>
+            </a:r>
+          </a:p>
+        </p:txBody>
+      </p:sp>
+      <p:sp>
+        <p:nvSpPr>
+          <p:cNvPr id="6" name="Slide Number Placeholder 5">
+            <a:extLst>
+              <a:ext uri="{FF2B5EF4-FFF2-40B4-BE49-F238E27FC236}">
+                <a16:creationId xmlns:a16="http://schemas.microsoft.com/office/drawing/2014/main" id="{A84A835B-97D3-BC22-F0B8-4986D4636271}"/>
+              </a:ext>
+            </a:extLst>
+          </p:cNvPr>
+          <p:cNvSpPr>
+            <a:spLocks noGrp="1"/>
+          </p:cNvSpPr>
+          <p:nvPr>
+            <p:ph type="sldNum" sz="quarter" idx="12"/>
           </p:nvPr>
         </p:nvSpPr>
         <p:spPr/>
@@ -460,60 +1008,18 @@
           <a:bodyPr/>
           <a:lstStyle/>
           <a:p>
-            <a:fld id="{5BCAD085-E8A6-8845-BD4E-CB4CCA059FC4}" type="datetimeFigureOut">
-              <a:rPr lang="en-US" smtClean="0"/>
-              <a:t>1/27/13</a:t>
-            </a:fld>
-            <a:endParaRPr lang="en-US"/>
-          </a:p>
-        </p:txBody>
-      </p:sp>
-      <p:sp>
-        <p:nvSpPr>
-          <p:cNvPr id="5" name="Footer Placeholder 4"/>
-          <p:cNvSpPr>
-            <a:spLocks noGrp="1"/>
-          </p:cNvSpPr>
-          <p:nvPr>
-            <p:ph type="ftr" sz="quarter" idx="11"/>
-          </p:nvPr>
-        </p:nvSpPr>
-        <p:spPr/>
-        <p:txBody>
-          <a:bodyPr/>
-          <a:lstStyle/>
-          <a:p>
-            <a:endParaRPr lang="en-US"/>
-          </a:p>
-        </p:txBody>
-      </p:sp>
-      <p:sp>
-        <p:nvSpPr>
-          <p:cNvPr id="6" name="Slide Number Placeholder 5"/>
-          <p:cNvSpPr>
-            <a:spLocks noGrp="1"/>
-          </p:cNvSpPr>
-          <p:nvPr>
-            <p:ph type="sldNum" sz="quarter" idx="12"/>
-          </p:nvPr>
-        </p:nvSpPr>
-        <p:spPr/>
-        <p:txBody>
-          <a:bodyPr/>
-          <a:lstStyle/>
-          <a:p>
-            <a:fld id="{C1FF6DA9-008F-8B48-92A6-B652298478BF}" type="slidenum">
-              <a:rPr lang="en-US" smtClean="0"/>
+            <a:fld id="{CC057153-B650-4DEB-B370-79DDCFDCE934}" type="slidenum">
+              <a:rPr lang="en-US" dirty="0"/>
               <a:t>‹#›</a:t>
             </a:fld>
-            <a:endParaRPr lang="en-US"/>
+            <a:endParaRPr lang="en-US" dirty="0"/>
           </a:p>
         </p:txBody>
       </p:sp>
     </p:spTree>
     <p:extLst>
       <p:ext uri="{BB962C8B-B14F-4D97-AF65-F5344CB8AC3E}">
-        <p14:creationId xmlns:p14="http://schemas.microsoft.com/office/powerpoint/2010/main" val="2910927964"/>
+        <p14:creationId xmlns:p14="http://schemas.microsoft.com/office/powerpoint/2010/main" val="580077663"/>
       </p:ext>
     </p:extLst>
   </p:cSld>
@@ -542,7 +1048,13 @@
       </p:grpSpPr>
       <p:sp>
         <p:nvSpPr>
-          <p:cNvPr id="2" name="Vertical Title 1"/>
+          <p:cNvPr id="2" name="Vertical Title 1">
+            <a:extLst>
+              <a:ext uri="{FF2B5EF4-FFF2-40B4-BE49-F238E27FC236}">
+                <a16:creationId xmlns:a16="http://schemas.microsoft.com/office/drawing/2014/main" id="{485B0252-346C-F6F4-3642-19F571550D45}"/>
+              </a:ext>
+            </a:extLst>
+          </p:cNvPr>
           <p:cNvSpPr>
             <a:spLocks noGrp="1"/>
           </p:cNvSpPr>
@@ -552,8 +1064,8 @@
         </p:nvSpPr>
         <p:spPr>
           <a:xfrm>
-            <a:off x="6629400" y="274638"/>
-            <a:ext cx="2057400" cy="5851525"/>
+            <a:off x="7226166" y="578497"/>
+            <a:ext cx="1535278" cy="5598466"/>
           </a:xfrm>
         </p:spPr>
         <p:txBody>
@@ -561,16 +1073,21 @@
           <a:lstStyle/>
           <a:p>
             <a:r>
-              <a:rPr lang="en-US" smtClean="0"/>
+              <a:rPr lang="en-US" dirty="0"/>
               <a:t>Click to edit Master title style</a:t>
             </a:r>
-            <a:endParaRPr lang="en-US"/>
-          </a:p>
-        </p:txBody>
-      </p:sp>
-      <p:sp>
-        <p:nvSpPr>
-          <p:cNvPr id="3" name="Vertical Text Placeholder 2"/>
+          </a:p>
+        </p:txBody>
+      </p:sp>
+      <p:sp>
+        <p:nvSpPr>
+          <p:cNvPr id="3" name="Vertical Text Placeholder 2">
+            <a:extLst>
+              <a:ext uri="{FF2B5EF4-FFF2-40B4-BE49-F238E27FC236}">
+                <a16:creationId xmlns:a16="http://schemas.microsoft.com/office/drawing/2014/main" id="{F798DA36-7351-9D6A-518B-678AB8A507D3}"/>
+              </a:ext>
+            </a:extLst>
+          </p:cNvPr>
           <p:cNvSpPr>
             <a:spLocks noGrp="1"/>
           </p:cNvSpPr>
@@ -580,8 +1097,8 @@
         </p:nvSpPr>
         <p:spPr>
           <a:xfrm>
-            <a:off x="457200" y="274638"/>
-            <a:ext cx="6019800" cy="5851525"/>
+            <a:off x="628650" y="578498"/>
+            <a:ext cx="6597516" cy="5598465"/>
           </a:xfrm>
         </p:spPr>
         <p:txBody>
@@ -590,44 +1107,49 @@
           <a:p>
             <a:pPr lvl="0"/>
             <a:r>
-              <a:rPr lang="en-US" smtClean="0"/>
+              <a:rPr lang="en-US" dirty="0"/>
               <a:t>Click to edit Master text styles</a:t>
             </a:r>
           </a:p>
           <a:p>
             <a:pPr lvl="1"/>
             <a:r>
-              <a:rPr lang="en-US" smtClean="0"/>
+              <a:rPr lang="en-US" dirty="0"/>
               <a:t>Second level</a:t>
             </a:r>
           </a:p>
           <a:p>
             <a:pPr lvl="2"/>
             <a:r>
-              <a:rPr lang="en-US" smtClean="0"/>
+              <a:rPr lang="en-US" dirty="0"/>
               <a:t>Third level</a:t>
             </a:r>
           </a:p>
           <a:p>
             <a:pPr lvl="3"/>
             <a:r>
-              <a:rPr lang="en-US" smtClean="0"/>
+              <a:rPr lang="en-US" dirty="0"/>
               <a:t>Fourth level</a:t>
             </a:r>
           </a:p>
           <a:p>
             <a:pPr lvl="4"/>
             <a:r>
-              <a:rPr lang="en-US" smtClean="0"/>
+              <a:rPr lang="en-US" dirty="0"/>
               <a:t>Fifth level</a:t>
             </a:r>
-            <a:endParaRPr lang="en-US"/>
-          </a:p>
-        </p:txBody>
-      </p:sp>
-      <p:sp>
-        <p:nvSpPr>
-          <p:cNvPr id="4" name="Date Placeholder 3"/>
+          </a:p>
+        </p:txBody>
+      </p:sp>
+      <p:sp>
+        <p:nvSpPr>
+          <p:cNvPr id="4" name="Date Placeholder 3">
+            <a:extLst>
+              <a:ext uri="{FF2B5EF4-FFF2-40B4-BE49-F238E27FC236}">
+                <a16:creationId xmlns:a16="http://schemas.microsoft.com/office/drawing/2014/main" id="{8846BDFF-D746-836C-04B8-CA89AD5D1466}"/>
+              </a:ext>
+            </a:extLst>
+          </p:cNvPr>
           <p:cNvSpPr>
             <a:spLocks noGrp="1"/>
           </p:cNvSpPr>
@@ -640,17 +1162,23 @@
           <a:bodyPr/>
           <a:lstStyle/>
           <a:p>
-            <a:fld id="{5BCAD085-E8A6-8845-BD4E-CB4CCA059FC4}" type="datetimeFigureOut">
-              <a:rPr lang="en-US" smtClean="0"/>
-              <a:t>1/27/13</a:t>
+            <a:fld id="{8B9E8C84-89CA-44AB-B0BE-5C91BAF75478}" type="datetimeFigureOut">
+              <a:rPr lang="en-US" dirty="0"/>
+              <a:t>7/25/2025</a:t>
             </a:fld>
-            <a:endParaRPr lang="en-US"/>
-          </a:p>
-        </p:txBody>
-      </p:sp>
-      <p:sp>
-        <p:nvSpPr>
-          <p:cNvPr id="5" name="Footer Placeholder 4"/>
+            <a:endParaRPr lang="en-US" dirty="0"/>
+          </a:p>
+        </p:txBody>
+      </p:sp>
+      <p:sp>
+        <p:nvSpPr>
+          <p:cNvPr id="5" name="Footer Placeholder 4">
+            <a:extLst>
+              <a:ext uri="{FF2B5EF4-FFF2-40B4-BE49-F238E27FC236}">
+                <a16:creationId xmlns:a16="http://schemas.microsoft.com/office/drawing/2014/main" id="{919AA929-A9E6-FF9C-0C59-177F892D6A69}"/>
+              </a:ext>
+            </a:extLst>
+          </p:cNvPr>
           <p:cNvSpPr>
             <a:spLocks noGrp="1"/>
           </p:cNvSpPr>
@@ -663,13 +1191,23 @@
           <a:bodyPr/>
           <a:lstStyle/>
           <a:p>
-            <a:endParaRPr lang="en-US"/>
-          </a:p>
-        </p:txBody>
-      </p:sp>
-      <p:sp>
-        <p:nvSpPr>
-          <p:cNvPr id="6" name="Slide Number Placeholder 5"/>
+            <a:r>
+              <a:rPr lang="en-US" dirty="0"/>
+              <a:t>
+              </a:t>
+            </a:r>
+          </a:p>
+        </p:txBody>
+      </p:sp>
+      <p:sp>
+        <p:nvSpPr>
+          <p:cNvPr id="6" name="Slide Number Placeholder 5">
+            <a:extLst>
+              <a:ext uri="{FF2B5EF4-FFF2-40B4-BE49-F238E27FC236}">
+                <a16:creationId xmlns:a16="http://schemas.microsoft.com/office/drawing/2014/main" id="{9316D893-7E81-90DC-4139-7687B39C3AC8}"/>
+              </a:ext>
+            </a:extLst>
+          </p:cNvPr>
           <p:cNvSpPr>
             <a:spLocks noGrp="1"/>
           </p:cNvSpPr>
@@ -682,18 +1220,18 @@
           <a:bodyPr/>
           <a:lstStyle/>
           <a:p>
-            <a:fld id="{C1FF6DA9-008F-8B48-92A6-B652298478BF}" type="slidenum">
-              <a:rPr lang="en-US" smtClean="0"/>
+            <a:fld id="{CC057153-B650-4DEB-B370-79DDCFDCE934}" type="slidenum">
+              <a:rPr lang="en-US" dirty="0"/>
               <a:t>‹#›</a:t>
             </a:fld>
-            <a:endParaRPr lang="en-US"/>
+            <a:endParaRPr lang="en-US" dirty="0"/>
           </a:p>
         </p:txBody>
       </p:sp>
     </p:spTree>
     <p:extLst>
       <p:ext uri="{BB962C8B-B14F-4D97-AF65-F5344CB8AC3E}">
-        <p14:creationId xmlns:p14="http://schemas.microsoft.com/office/powerpoint/2010/main" val="3612223792"/>
+        <p14:creationId xmlns:p14="http://schemas.microsoft.com/office/powerpoint/2010/main" val="4231522121"/>
       </p:ext>
     </p:extLst>
   </p:cSld>
@@ -722,7 +1260,13 @@
       </p:grpSpPr>
       <p:sp>
         <p:nvSpPr>
-          <p:cNvPr id="2" name="Title 1"/>
+          <p:cNvPr id="2" name="Title 1">
+            <a:extLst>
+              <a:ext uri="{FF2B5EF4-FFF2-40B4-BE49-F238E27FC236}">
+                <a16:creationId xmlns:a16="http://schemas.microsoft.com/office/drawing/2014/main" id="{BC7433D9-FD02-59E2-0F81-A0B7201D2DA0}"/>
+              </a:ext>
+            </a:extLst>
+          </p:cNvPr>
           <p:cNvSpPr>
             <a:spLocks noGrp="1"/>
           </p:cNvSpPr>
@@ -736,16 +1280,21 @@
           <a:lstStyle/>
           <a:p>
             <a:r>
-              <a:rPr lang="en-US" smtClean="0"/>
+              <a:rPr lang="en-US" dirty="0"/>
               <a:t>Click to edit Master title style</a:t>
             </a:r>
-            <a:endParaRPr lang="en-US"/>
-          </a:p>
-        </p:txBody>
-      </p:sp>
-      <p:sp>
-        <p:nvSpPr>
-          <p:cNvPr id="3" name="Content Placeholder 2"/>
+          </a:p>
+        </p:txBody>
+      </p:sp>
+      <p:sp>
+        <p:nvSpPr>
+          <p:cNvPr id="3" name="Content Placeholder 2">
+            <a:extLst>
+              <a:ext uri="{FF2B5EF4-FFF2-40B4-BE49-F238E27FC236}">
+                <a16:creationId xmlns:a16="http://schemas.microsoft.com/office/drawing/2014/main" id="{6C2DD052-3E45-E789-01F8-33250024ECBD}"/>
+              </a:ext>
+            </a:extLst>
+          </p:cNvPr>
           <p:cNvSpPr>
             <a:spLocks noGrp="1"/>
           </p:cNvSpPr>
@@ -760,44 +1309,49 @@
           <a:p>
             <a:pPr lvl="0"/>
             <a:r>
-              <a:rPr lang="en-US" smtClean="0"/>
+              <a:rPr lang="en-US" dirty="0"/>
               <a:t>Click to edit Master text styles</a:t>
             </a:r>
           </a:p>
           <a:p>
             <a:pPr lvl="1"/>
             <a:r>
-              <a:rPr lang="en-US" smtClean="0"/>
+              <a:rPr lang="en-US" dirty="0"/>
               <a:t>Second level</a:t>
             </a:r>
           </a:p>
           <a:p>
             <a:pPr lvl="2"/>
             <a:r>
-              <a:rPr lang="en-US" smtClean="0"/>
+              <a:rPr lang="en-US" dirty="0"/>
               <a:t>Third level</a:t>
             </a:r>
           </a:p>
           <a:p>
             <a:pPr lvl="3"/>
             <a:r>
-              <a:rPr lang="en-US" smtClean="0"/>
+              <a:rPr lang="en-US" dirty="0"/>
               <a:t>Fourth level</a:t>
             </a:r>
           </a:p>
           <a:p>
             <a:pPr lvl="4"/>
             <a:r>
-              <a:rPr lang="en-US" smtClean="0"/>
+              <a:rPr lang="en-US" dirty="0"/>
               <a:t>Fifth level</a:t>
             </a:r>
-            <a:endParaRPr lang="en-US"/>
-          </a:p>
-        </p:txBody>
-      </p:sp>
-      <p:sp>
-        <p:nvSpPr>
-          <p:cNvPr id="4" name="Date Placeholder 3"/>
+          </a:p>
+        </p:txBody>
+      </p:sp>
+      <p:sp>
+        <p:nvSpPr>
+          <p:cNvPr id="4" name="Date Placeholder 3">
+            <a:extLst>
+              <a:ext uri="{FF2B5EF4-FFF2-40B4-BE49-F238E27FC236}">
+                <a16:creationId xmlns:a16="http://schemas.microsoft.com/office/drawing/2014/main" id="{0B9485D1-E172-8F0A-A425-3097B3ABCFB4}"/>
+              </a:ext>
+            </a:extLst>
+          </p:cNvPr>
           <p:cNvSpPr>
             <a:spLocks noGrp="1"/>
           </p:cNvSpPr>
@@ -810,17 +1364,23 @@
           <a:bodyPr/>
           <a:lstStyle/>
           <a:p>
-            <a:fld id="{5BCAD085-E8A6-8845-BD4E-CB4CCA059FC4}" type="datetimeFigureOut">
-              <a:rPr lang="en-US" smtClean="0"/>
-              <a:t>1/27/13</a:t>
+            <a:fld id="{73E7156E-175E-4DBA-9D21-B772C320F342}" type="datetimeFigureOut">
+              <a:rPr lang="en-US" dirty="0"/>
+              <a:t>7/25/2025</a:t>
             </a:fld>
-            <a:endParaRPr lang="en-US"/>
-          </a:p>
-        </p:txBody>
-      </p:sp>
-      <p:sp>
-        <p:nvSpPr>
-          <p:cNvPr id="5" name="Footer Placeholder 4"/>
+            <a:endParaRPr lang="en-US" dirty="0"/>
+          </a:p>
+        </p:txBody>
+      </p:sp>
+      <p:sp>
+        <p:nvSpPr>
+          <p:cNvPr id="5" name="Footer Placeholder 4">
+            <a:extLst>
+              <a:ext uri="{FF2B5EF4-FFF2-40B4-BE49-F238E27FC236}">
+                <a16:creationId xmlns:a16="http://schemas.microsoft.com/office/drawing/2014/main" id="{B17E6B5E-6174-FD5C-41E8-FFC44C650D7E}"/>
+              </a:ext>
+            </a:extLst>
+          </p:cNvPr>
           <p:cNvSpPr>
             <a:spLocks noGrp="1"/>
           </p:cNvSpPr>
@@ -833,13 +1393,23 @@
           <a:bodyPr/>
           <a:lstStyle/>
           <a:p>
-            <a:endParaRPr lang="en-US"/>
-          </a:p>
-        </p:txBody>
-      </p:sp>
-      <p:sp>
-        <p:nvSpPr>
-          <p:cNvPr id="6" name="Slide Number Placeholder 5"/>
+            <a:r>
+              <a:rPr lang="en-US" dirty="0"/>
+              <a:t>
+              </a:t>
+            </a:r>
+          </a:p>
+        </p:txBody>
+      </p:sp>
+      <p:sp>
+        <p:nvSpPr>
+          <p:cNvPr id="6" name="Slide Number Placeholder 5">
+            <a:extLst>
+              <a:ext uri="{FF2B5EF4-FFF2-40B4-BE49-F238E27FC236}">
+                <a16:creationId xmlns:a16="http://schemas.microsoft.com/office/drawing/2014/main" id="{4BF72154-F85B-E301-DA57-E314D7315916}"/>
+              </a:ext>
+            </a:extLst>
+          </p:cNvPr>
           <p:cNvSpPr>
             <a:spLocks noGrp="1"/>
           </p:cNvSpPr>
@@ -852,18 +1422,18 @@
           <a:bodyPr/>
           <a:lstStyle/>
           <a:p>
-            <a:fld id="{C1FF6DA9-008F-8B48-92A6-B652298478BF}" type="slidenum">
-              <a:rPr lang="en-US" smtClean="0"/>
+            <a:fld id="{CC057153-B650-4DEB-B370-79DDCFDCE934}" type="slidenum">
+              <a:rPr lang="en-US" dirty="0"/>
               <a:t>‹#›</a:t>
             </a:fld>
-            <a:endParaRPr lang="en-US"/>
+            <a:endParaRPr lang="en-US" dirty="0"/>
           </a:p>
         </p:txBody>
       </p:sp>
     </p:spTree>
     <p:extLst>
       <p:ext uri="{BB962C8B-B14F-4D97-AF65-F5344CB8AC3E}">
-        <p14:creationId xmlns:p14="http://schemas.microsoft.com/office/powerpoint/2010/main" val="2614314258"/>
+        <p14:creationId xmlns:p14="http://schemas.microsoft.com/office/powerpoint/2010/main" val="4242171345"/>
       </p:ext>
     </p:extLst>
   </p:cSld>
@@ -892,7 +1462,13 @@
       </p:grpSpPr>
       <p:sp>
         <p:nvSpPr>
-          <p:cNvPr id="2" name="Title 1"/>
+          <p:cNvPr id="2" name="Title 1">
+            <a:extLst>
+              <a:ext uri="{FF2B5EF4-FFF2-40B4-BE49-F238E27FC236}">
+                <a16:creationId xmlns:a16="http://schemas.microsoft.com/office/drawing/2014/main" id="{951D06AF-EF87-8489-2C82-DEB90B7EFE0C}"/>
+              </a:ext>
+            </a:extLst>
+          </p:cNvPr>
           <p:cNvSpPr>
             <a:spLocks noGrp="1"/>
           </p:cNvSpPr>
@@ -902,29 +1478,36 @@
         </p:nvSpPr>
         <p:spPr>
           <a:xfrm>
-            <a:off x="722313" y="4406900"/>
-            <a:ext cx="7772400" cy="1362075"/>
+            <a:off x="452536" y="553617"/>
+            <a:ext cx="6204855" cy="4008859"/>
           </a:xfrm>
         </p:spPr>
         <p:txBody>
-          <a:bodyPr anchor="t"/>
+          <a:bodyPr anchor="t">
+            <a:normAutofit/>
+          </a:bodyPr>
           <a:lstStyle>
-            <a:lvl1pPr algn="l">
-              <a:defRPr sz="4000" b="1" cap="all"/>
+            <a:lvl1pPr>
+              <a:defRPr sz="7200" cap="all" baseline="0"/>
             </a:lvl1pPr>
           </a:lstStyle>
           <a:p>
             <a:r>
-              <a:rPr lang="en-US" smtClean="0"/>
+              <a:rPr lang="en-US" dirty="0"/>
               <a:t>Click to edit Master title style</a:t>
             </a:r>
-            <a:endParaRPr lang="en-US"/>
-          </a:p>
-        </p:txBody>
-      </p:sp>
-      <p:sp>
-        <p:nvSpPr>
-          <p:cNvPr id="3" name="Text Placeholder 2"/>
+          </a:p>
+        </p:txBody>
+      </p:sp>
+      <p:sp>
+        <p:nvSpPr>
+          <p:cNvPr id="3" name="Text Placeholder 2">
+            <a:extLst>
+              <a:ext uri="{FF2B5EF4-FFF2-40B4-BE49-F238E27FC236}">
+                <a16:creationId xmlns:a16="http://schemas.microsoft.com/office/drawing/2014/main" id="{308E5678-CA38-1318-9EA2-5E0A4F9A59BA}"/>
+              </a:ext>
+            </a:extLst>
+          </p:cNvPr>
           <p:cNvSpPr>
             <a:spLocks noGrp="1"/>
           </p:cNvSpPr>
@@ -934,26 +1517,26 @@
         </p:nvSpPr>
         <p:spPr>
           <a:xfrm>
-            <a:off x="722313" y="2906713"/>
-            <a:ext cx="7772400" cy="1500187"/>
+            <a:off x="452535" y="4589464"/>
+            <a:ext cx="6204855" cy="1384617"/>
           </a:xfrm>
         </p:spPr>
         <p:txBody>
-          <a:bodyPr anchor="b"/>
+          <a:bodyPr anchor="b">
+            <a:normAutofit/>
+          </a:bodyPr>
           <a:lstStyle>
             <a:lvl1pPr marL="0" indent="0">
               <a:buNone/>
-              <a:defRPr sz="2000">
+              <a:defRPr sz="2667">
                 <a:solidFill>
-                  <a:schemeClr val="tx1">
-                    <a:tint val="75000"/>
-                  </a:schemeClr>
+                  <a:schemeClr val="tx1"/>
                 </a:solidFill>
               </a:defRPr>
             </a:lvl1pPr>
-            <a:lvl2pPr marL="457200" indent="0">
-              <a:buNone/>
-              <a:defRPr sz="1800">
+            <a:lvl2pPr marL="609585" indent="0">
+              <a:buNone/>
+              <a:defRPr sz="2667">
                 <a:solidFill>
                   <a:schemeClr val="tx1">
                     <a:tint val="75000"/>
@@ -961,9 +1544,9 @@
                 </a:solidFill>
               </a:defRPr>
             </a:lvl2pPr>
-            <a:lvl3pPr marL="914400" indent="0">
-              <a:buNone/>
-              <a:defRPr sz="1600">
+            <a:lvl3pPr marL="1219170" indent="0">
+              <a:buNone/>
+              <a:defRPr sz="2400">
                 <a:solidFill>
                   <a:schemeClr val="tx1">
                     <a:tint val="75000"/>
@@ -971,9 +1554,9 @@
                 </a:solidFill>
               </a:defRPr>
             </a:lvl3pPr>
-            <a:lvl4pPr marL="1371600" indent="0">
-              <a:buNone/>
-              <a:defRPr sz="1400">
+            <a:lvl4pPr marL="1828754" indent="0">
+              <a:buNone/>
+              <a:defRPr sz="2133">
                 <a:solidFill>
                   <a:schemeClr val="tx1">
                     <a:tint val="75000"/>
@@ -981,9 +1564,9 @@
                 </a:solidFill>
               </a:defRPr>
             </a:lvl4pPr>
-            <a:lvl5pPr marL="1828800" indent="0">
-              <a:buNone/>
-              <a:defRPr sz="1400">
+            <a:lvl5pPr marL="2438339" indent="0">
+              <a:buNone/>
+              <a:defRPr sz="2133">
                 <a:solidFill>
                   <a:schemeClr val="tx1">
                     <a:tint val="75000"/>
@@ -991,9 +1574,9 @@
                 </a:solidFill>
               </a:defRPr>
             </a:lvl5pPr>
-            <a:lvl6pPr marL="2286000" indent="0">
-              <a:buNone/>
-              <a:defRPr sz="1400">
+            <a:lvl6pPr marL="3047924" indent="0">
+              <a:buNone/>
+              <a:defRPr sz="2133">
                 <a:solidFill>
                   <a:schemeClr val="tx1">
                     <a:tint val="75000"/>
@@ -1001,9 +1584,9 @@
                 </a:solidFill>
               </a:defRPr>
             </a:lvl6pPr>
-            <a:lvl7pPr marL="2743200" indent="0">
-              <a:buNone/>
-              <a:defRPr sz="1400">
+            <a:lvl7pPr marL="3657509" indent="0">
+              <a:buNone/>
+              <a:defRPr sz="2133">
                 <a:solidFill>
                   <a:schemeClr val="tx1">
                     <a:tint val="75000"/>
@@ -1011,9 +1594,9 @@
                 </a:solidFill>
               </a:defRPr>
             </a:lvl7pPr>
-            <a:lvl8pPr marL="3200400" indent="0">
-              <a:buNone/>
-              <a:defRPr sz="1400">
+            <a:lvl8pPr marL="4267093" indent="0">
+              <a:buNone/>
+              <a:defRPr sz="2133">
                 <a:solidFill>
                   <a:schemeClr val="tx1">
                     <a:tint val="75000"/>
@@ -1021,9 +1604,9 @@
                 </a:solidFill>
               </a:defRPr>
             </a:lvl8pPr>
-            <a:lvl9pPr marL="3657600" indent="0">
-              <a:buNone/>
-              <a:defRPr sz="1400">
+            <a:lvl9pPr marL="4876678" indent="0">
+              <a:buNone/>
+              <a:defRPr sz="2133">
                 <a:solidFill>
                   <a:schemeClr val="tx1">
                     <a:tint val="75000"/>
@@ -1035,7 +1618,7 @@
           <a:p>
             <a:pPr lvl="0"/>
             <a:r>
-              <a:rPr lang="en-US" smtClean="0"/>
+              <a:rPr lang="en-US" dirty="0"/>
               <a:t>Click to edit Master text styles</a:t>
             </a:r>
           </a:p>
@@ -1043,7 +1626,13 @@
       </p:sp>
       <p:sp>
         <p:nvSpPr>
-          <p:cNvPr id="4" name="Date Placeholder 3"/>
+          <p:cNvPr id="4" name="Date Placeholder 3">
+            <a:extLst>
+              <a:ext uri="{FF2B5EF4-FFF2-40B4-BE49-F238E27FC236}">
+                <a16:creationId xmlns:a16="http://schemas.microsoft.com/office/drawing/2014/main" id="{44E99186-7E5A-60AF-DE69-5C7DA71611AB}"/>
+              </a:ext>
+            </a:extLst>
+          </p:cNvPr>
           <p:cNvSpPr>
             <a:spLocks noGrp="1"/>
           </p:cNvSpPr>
@@ -1056,17 +1645,23 @@
           <a:bodyPr/>
           <a:lstStyle/>
           <a:p>
-            <a:fld id="{5BCAD085-E8A6-8845-BD4E-CB4CCA059FC4}" type="datetimeFigureOut">
-              <a:rPr lang="en-US" smtClean="0"/>
-              <a:t>1/27/13</a:t>
+            <a:fld id="{04895F6E-3D02-4292-95D1-C62B3126321B}" type="datetimeFigureOut">
+              <a:rPr lang="en-US" dirty="0"/>
+              <a:t>7/25/2025</a:t>
             </a:fld>
-            <a:endParaRPr lang="en-US"/>
-          </a:p>
-        </p:txBody>
-      </p:sp>
-      <p:sp>
-        <p:nvSpPr>
-          <p:cNvPr id="5" name="Footer Placeholder 4"/>
+            <a:endParaRPr lang="en-US" dirty="0"/>
+          </a:p>
+        </p:txBody>
+      </p:sp>
+      <p:sp>
+        <p:nvSpPr>
+          <p:cNvPr id="5" name="Footer Placeholder 4">
+            <a:extLst>
+              <a:ext uri="{FF2B5EF4-FFF2-40B4-BE49-F238E27FC236}">
+                <a16:creationId xmlns:a16="http://schemas.microsoft.com/office/drawing/2014/main" id="{82FA13D1-1FBA-E820-323B-77B41F1A665D}"/>
+              </a:ext>
+            </a:extLst>
+          </p:cNvPr>
           <p:cNvSpPr>
             <a:spLocks noGrp="1"/>
           </p:cNvSpPr>
@@ -1079,13 +1674,23 @@
           <a:bodyPr/>
           <a:lstStyle/>
           <a:p>
-            <a:endParaRPr lang="en-US"/>
-          </a:p>
-        </p:txBody>
-      </p:sp>
-      <p:sp>
-        <p:nvSpPr>
-          <p:cNvPr id="6" name="Slide Number Placeholder 5"/>
+            <a:r>
+              <a:rPr lang="en-US" dirty="0"/>
+              <a:t>
+              </a:t>
+            </a:r>
+          </a:p>
+        </p:txBody>
+      </p:sp>
+      <p:sp>
+        <p:nvSpPr>
+          <p:cNvPr id="6" name="Slide Number Placeholder 5">
+            <a:extLst>
+              <a:ext uri="{FF2B5EF4-FFF2-40B4-BE49-F238E27FC236}">
+                <a16:creationId xmlns:a16="http://schemas.microsoft.com/office/drawing/2014/main" id="{FB39BE85-85F6-4636-C651-D87CC969A49E}"/>
+              </a:ext>
+            </a:extLst>
+          </p:cNvPr>
           <p:cNvSpPr>
             <a:spLocks noGrp="1"/>
           </p:cNvSpPr>
@@ -1098,18 +1703,18 @@
           <a:bodyPr/>
           <a:lstStyle/>
           <a:p>
-            <a:fld id="{C1FF6DA9-008F-8B48-92A6-B652298478BF}" type="slidenum">
-              <a:rPr lang="en-US" smtClean="0"/>
+            <a:fld id="{CC057153-B650-4DEB-B370-79DDCFDCE934}" type="slidenum">
+              <a:rPr lang="en-US" dirty="0"/>
               <a:t>‹#›</a:t>
             </a:fld>
-            <a:endParaRPr lang="en-US"/>
+            <a:endParaRPr lang="en-US" dirty="0"/>
           </a:p>
         </p:txBody>
       </p:sp>
     </p:spTree>
     <p:extLst>
       <p:ext uri="{BB962C8B-B14F-4D97-AF65-F5344CB8AC3E}">
-        <p14:creationId xmlns:p14="http://schemas.microsoft.com/office/powerpoint/2010/main" val="960648375"/>
+        <p14:creationId xmlns:p14="http://schemas.microsoft.com/office/powerpoint/2010/main" val="4043851857"/>
       </p:ext>
     </p:extLst>
   </p:cSld>
@@ -1138,200 +1743,170 @@
       </p:grpSpPr>
       <p:sp>
         <p:nvSpPr>
-          <p:cNvPr id="2" name="Title 1"/>
+          <p:cNvPr id="2" name="Title 1">
+            <a:extLst>
+              <a:ext uri="{FF2B5EF4-FFF2-40B4-BE49-F238E27FC236}">
+                <a16:creationId xmlns:a16="http://schemas.microsoft.com/office/drawing/2014/main" id="{FAF3BB49-A328-F121-7F27-DEB7C3CC2B0F}"/>
+              </a:ext>
+            </a:extLst>
+          </p:cNvPr>
           <p:cNvSpPr>
             <a:spLocks noGrp="1"/>
           </p:cNvSpPr>
           <p:nvPr>
             <p:ph type="title"/>
-          </p:nvPr>
-        </p:nvSpPr>
-        <p:spPr/>
-        <p:txBody>
-          <a:bodyPr/>
-          <a:lstStyle/>
-          <a:p>
-            <a:r>
-              <a:rPr lang="en-US" smtClean="0"/>
-              <a:t>Click to edit Master title style</a:t>
-            </a:r>
-            <a:endParaRPr lang="en-US"/>
-          </a:p>
-        </p:txBody>
-      </p:sp>
-      <p:sp>
-        <p:nvSpPr>
-          <p:cNvPr id="3" name="Content Placeholder 2"/>
-          <p:cNvSpPr>
-            <a:spLocks noGrp="1"/>
-          </p:cNvSpPr>
-          <p:nvPr>
-            <p:ph sz="half" idx="1"/>
           </p:nvPr>
         </p:nvSpPr>
         <p:spPr>
           <a:xfrm>
-            <a:off x="457200" y="1600200"/>
-            <a:ext cx="4038600" cy="4525963"/>
+            <a:off x="459486" y="548640"/>
+            <a:ext cx="8055864" cy="1132258"/>
           </a:xfrm>
         </p:spPr>
         <p:txBody>
           <a:bodyPr/>
-          <a:lstStyle>
-            <a:lvl1pPr>
-              <a:defRPr sz="2800"/>
-            </a:lvl1pPr>
-            <a:lvl2pPr>
-              <a:defRPr sz="2400"/>
-            </a:lvl2pPr>
-            <a:lvl3pPr>
-              <a:defRPr sz="2000"/>
-            </a:lvl3pPr>
-            <a:lvl4pPr>
-              <a:defRPr sz="1800"/>
-            </a:lvl4pPr>
-            <a:lvl5pPr>
-              <a:defRPr sz="1800"/>
-            </a:lvl5pPr>
-            <a:lvl6pPr>
-              <a:defRPr sz="1800"/>
-            </a:lvl6pPr>
-            <a:lvl7pPr>
-              <a:defRPr sz="1800"/>
-            </a:lvl7pPr>
-            <a:lvl8pPr>
-              <a:defRPr sz="1800"/>
-            </a:lvl8pPr>
-            <a:lvl9pPr>
-              <a:defRPr sz="1800"/>
-            </a:lvl9pPr>
-          </a:lstStyle>
-          <a:p>
-            <a:pPr lvl="0"/>
-            <a:r>
-              <a:rPr lang="en-US" smtClean="0"/>
-              <a:t>Click to edit Master text styles</a:t>
-            </a:r>
-          </a:p>
-          <a:p>
-            <a:pPr lvl="1"/>
-            <a:r>
-              <a:rPr lang="en-US" smtClean="0"/>
-              <a:t>Second level</a:t>
-            </a:r>
-          </a:p>
-          <a:p>
-            <a:pPr lvl="2"/>
-            <a:r>
-              <a:rPr lang="en-US" smtClean="0"/>
-              <a:t>Third level</a:t>
-            </a:r>
-          </a:p>
-          <a:p>
-            <a:pPr lvl="3"/>
-            <a:r>
-              <a:rPr lang="en-US" smtClean="0"/>
-              <a:t>Fourth level</a:t>
-            </a:r>
-          </a:p>
-          <a:p>
-            <a:pPr lvl="4"/>
-            <a:r>
-              <a:rPr lang="en-US" smtClean="0"/>
-              <a:t>Fifth level</a:t>
-            </a:r>
-            <a:endParaRPr lang="en-US"/>
-          </a:p>
-        </p:txBody>
-      </p:sp>
-      <p:sp>
-        <p:nvSpPr>
-          <p:cNvPr id="4" name="Content Placeholder 3"/>
-          <p:cNvSpPr>
-            <a:spLocks noGrp="1"/>
-          </p:cNvSpPr>
-          <p:nvPr>
-            <p:ph sz="half" idx="2"/>
+          <a:lstStyle/>
+          <a:p>
+            <a:r>
+              <a:rPr lang="en-US" dirty="0"/>
+              <a:t>Click to edit Master title style</a:t>
+            </a:r>
+          </a:p>
+        </p:txBody>
+      </p:sp>
+      <p:sp>
+        <p:nvSpPr>
+          <p:cNvPr id="3" name="Content Placeholder 2">
+            <a:extLst>
+              <a:ext uri="{FF2B5EF4-FFF2-40B4-BE49-F238E27FC236}">
+                <a16:creationId xmlns:a16="http://schemas.microsoft.com/office/drawing/2014/main" id="{572E861E-DFBA-B4AA-9356-CDE3D3F57C04}"/>
+              </a:ext>
+            </a:extLst>
+          </p:cNvPr>
+          <p:cNvSpPr>
+            <a:spLocks noGrp="1"/>
+          </p:cNvSpPr>
+          <p:nvPr>
+            <p:ph sz="half" idx="1"/>
           </p:nvPr>
         </p:nvSpPr>
         <p:spPr>
           <a:xfrm>
-            <a:off x="4648200" y="1600200"/>
-            <a:ext cx="4038600" cy="4525963"/>
+            <a:off x="459486" y="1825625"/>
+            <a:ext cx="3886200" cy="4351338"/>
           </a:xfrm>
         </p:spPr>
         <p:txBody>
           <a:bodyPr/>
-          <a:lstStyle>
-            <a:lvl1pPr>
-              <a:defRPr sz="2800"/>
-            </a:lvl1pPr>
-            <a:lvl2pPr>
-              <a:defRPr sz="2400"/>
-            </a:lvl2pPr>
-            <a:lvl3pPr>
-              <a:defRPr sz="2000"/>
-            </a:lvl3pPr>
-            <a:lvl4pPr>
-              <a:defRPr sz="1800"/>
-            </a:lvl4pPr>
-            <a:lvl5pPr>
-              <a:defRPr sz="1800"/>
-            </a:lvl5pPr>
-            <a:lvl6pPr>
-              <a:defRPr sz="1800"/>
-            </a:lvl6pPr>
-            <a:lvl7pPr>
-              <a:defRPr sz="1800"/>
-            </a:lvl7pPr>
-            <a:lvl8pPr>
-              <a:defRPr sz="1800"/>
-            </a:lvl8pPr>
-            <a:lvl9pPr>
-              <a:defRPr sz="1800"/>
-            </a:lvl9pPr>
-          </a:lstStyle>
+          <a:lstStyle/>
           <a:p>
             <a:pPr lvl="0"/>
             <a:r>
-              <a:rPr lang="en-US" smtClean="0"/>
+              <a:rPr lang="en-US" dirty="0"/>
               <a:t>Click to edit Master text styles</a:t>
             </a:r>
           </a:p>
           <a:p>
             <a:pPr lvl="1"/>
             <a:r>
-              <a:rPr lang="en-US" smtClean="0"/>
+              <a:rPr lang="en-US" dirty="0"/>
               <a:t>Second level</a:t>
             </a:r>
           </a:p>
           <a:p>
             <a:pPr lvl="2"/>
             <a:r>
-              <a:rPr lang="en-US" smtClean="0"/>
+              <a:rPr lang="en-US" dirty="0"/>
               <a:t>Third level</a:t>
             </a:r>
           </a:p>
           <a:p>
             <a:pPr lvl="3"/>
             <a:r>
-              <a:rPr lang="en-US" smtClean="0"/>
+              <a:rPr lang="en-US" dirty="0"/>
               <a:t>Fourth level</a:t>
             </a:r>
           </a:p>
           <a:p>
             <a:pPr lvl="4"/>
             <a:r>
-              <a:rPr lang="en-US" smtClean="0"/>
+              <a:rPr lang="en-US" dirty="0"/>
               <a:t>Fifth level</a:t>
             </a:r>
-            <a:endParaRPr lang="en-US"/>
-          </a:p>
-        </p:txBody>
-      </p:sp>
-      <p:sp>
-        <p:nvSpPr>
-          <p:cNvPr id="5" name="Date Placeholder 4"/>
+          </a:p>
+        </p:txBody>
+      </p:sp>
+      <p:sp>
+        <p:nvSpPr>
+          <p:cNvPr id="4" name="Content Placeholder 3">
+            <a:extLst>
+              <a:ext uri="{FF2B5EF4-FFF2-40B4-BE49-F238E27FC236}">
+                <a16:creationId xmlns:a16="http://schemas.microsoft.com/office/drawing/2014/main" id="{451D7538-EC5A-3EE7-176F-A58920C50797}"/>
+              </a:ext>
+            </a:extLst>
+          </p:cNvPr>
+          <p:cNvSpPr>
+            <a:spLocks noGrp="1"/>
+          </p:cNvSpPr>
+          <p:nvPr>
+            <p:ph sz="half" idx="2"/>
+          </p:nvPr>
+        </p:nvSpPr>
+        <p:spPr>
+          <a:xfrm>
+            <a:off x="4629150" y="1825625"/>
+            <a:ext cx="3886200" cy="4351338"/>
+          </a:xfrm>
+        </p:spPr>
+        <p:txBody>
+          <a:bodyPr/>
+          <a:lstStyle/>
+          <a:p>
+            <a:pPr lvl="0"/>
+            <a:r>
+              <a:rPr lang="en-US" dirty="0"/>
+              <a:t>Click to edit Master text styles</a:t>
+            </a:r>
+          </a:p>
+          <a:p>
+            <a:pPr lvl="1"/>
+            <a:r>
+              <a:rPr lang="en-US" dirty="0"/>
+              <a:t>Second level</a:t>
+            </a:r>
+          </a:p>
+          <a:p>
+            <a:pPr lvl="2"/>
+            <a:r>
+              <a:rPr lang="en-US" dirty="0"/>
+              <a:t>Third level</a:t>
+            </a:r>
+          </a:p>
+          <a:p>
+            <a:pPr lvl="3"/>
+            <a:r>
+              <a:rPr lang="en-US" dirty="0"/>
+              <a:t>Fourth level</a:t>
+            </a:r>
+          </a:p>
+          <a:p>
+            <a:pPr lvl="4"/>
+            <a:r>
+              <a:rPr lang="en-US" dirty="0"/>
+              <a:t>Fifth level</a:t>
+            </a:r>
+          </a:p>
+        </p:txBody>
+      </p:sp>
+      <p:sp>
+        <p:nvSpPr>
+          <p:cNvPr id="5" name="Date Placeholder 4">
+            <a:extLst>
+              <a:ext uri="{FF2B5EF4-FFF2-40B4-BE49-F238E27FC236}">
+                <a16:creationId xmlns:a16="http://schemas.microsoft.com/office/drawing/2014/main" id="{897D0B7E-1A60-DA52-6965-92412B1C2F9F}"/>
+              </a:ext>
+            </a:extLst>
+          </p:cNvPr>
           <p:cNvSpPr>
             <a:spLocks noGrp="1"/>
           </p:cNvSpPr>
@@ -1344,17 +1919,23 @@
           <a:bodyPr/>
           <a:lstStyle/>
           <a:p>
-            <a:fld id="{5BCAD085-E8A6-8845-BD4E-CB4CCA059FC4}" type="datetimeFigureOut">
-              <a:rPr lang="en-US" smtClean="0"/>
-              <a:t>1/27/13</a:t>
+            <a:fld id="{EDCB5ACB-D10C-44A8-9570-124370F4CB38}" type="datetimeFigureOut">
+              <a:rPr lang="en-US" dirty="0"/>
+              <a:t>7/25/2025</a:t>
             </a:fld>
-            <a:endParaRPr lang="en-US"/>
-          </a:p>
-        </p:txBody>
-      </p:sp>
-      <p:sp>
-        <p:nvSpPr>
-          <p:cNvPr id="6" name="Footer Placeholder 5"/>
+            <a:endParaRPr lang="en-US" dirty="0"/>
+          </a:p>
+        </p:txBody>
+      </p:sp>
+      <p:sp>
+        <p:nvSpPr>
+          <p:cNvPr id="6" name="Footer Placeholder 5">
+            <a:extLst>
+              <a:ext uri="{FF2B5EF4-FFF2-40B4-BE49-F238E27FC236}">
+                <a16:creationId xmlns:a16="http://schemas.microsoft.com/office/drawing/2014/main" id="{C2BDD5A2-CE3E-3215-6DAA-F75C0D1229DA}"/>
+              </a:ext>
+            </a:extLst>
+          </p:cNvPr>
           <p:cNvSpPr>
             <a:spLocks noGrp="1"/>
           </p:cNvSpPr>
@@ -1367,13 +1948,23 @@
           <a:bodyPr/>
           <a:lstStyle/>
           <a:p>
-            <a:endParaRPr lang="en-US"/>
-          </a:p>
-        </p:txBody>
-      </p:sp>
-      <p:sp>
-        <p:nvSpPr>
-          <p:cNvPr id="7" name="Slide Number Placeholder 6"/>
+            <a:r>
+              <a:rPr lang="en-US" dirty="0"/>
+              <a:t>
+              </a:t>
+            </a:r>
+          </a:p>
+        </p:txBody>
+      </p:sp>
+      <p:sp>
+        <p:nvSpPr>
+          <p:cNvPr id="7" name="Slide Number Placeholder 6">
+            <a:extLst>
+              <a:ext uri="{FF2B5EF4-FFF2-40B4-BE49-F238E27FC236}">
+                <a16:creationId xmlns:a16="http://schemas.microsoft.com/office/drawing/2014/main" id="{B1B822F1-284A-1786-FAF2-72129E2FE64D}"/>
+              </a:ext>
+            </a:extLst>
+          </p:cNvPr>
           <p:cNvSpPr>
             <a:spLocks noGrp="1"/>
           </p:cNvSpPr>
@@ -1386,18 +1977,18 @@
           <a:bodyPr/>
           <a:lstStyle/>
           <a:p>
-            <a:fld id="{C1FF6DA9-008F-8B48-92A6-B652298478BF}" type="slidenum">
-              <a:rPr lang="en-US" smtClean="0"/>
+            <a:fld id="{CC057153-B650-4DEB-B370-79DDCFDCE934}" type="slidenum">
+              <a:rPr lang="en-US" dirty="0"/>
               <a:t>‹#›</a:t>
             </a:fld>
-            <a:endParaRPr lang="en-US"/>
+            <a:endParaRPr lang="en-US" dirty="0"/>
           </a:p>
         </p:txBody>
       </p:sp>
     </p:spTree>
     <p:extLst>
       <p:ext uri="{BB962C8B-B14F-4D97-AF65-F5344CB8AC3E}">
-        <p14:creationId xmlns:p14="http://schemas.microsoft.com/office/powerpoint/2010/main" val="2782244947"/>
+        <p14:creationId xmlns:p14="http://schemas.microsoft.com/office/powerpoint/2010/main" val="1813333721"/>
       </p:ext>
     </p:extLst>
   </p:cSld>
@@ -1426,91 +2017,108 @@
       </p:grpSpPr>
       <p:sp>
         <p:nvSpPr>
-          <p:cNvPr id="2" name="Title 1"/>
+          <p:cNvPr id="2" name="Title 1">
+            <a:extLst>
+              <a:ext uri="{FF2B5EF4-FFF2-40B4-BE49-F238E27FC236}">
+                <a16:creationId xmlns:a16="http://schemas.microsoft.com/office/drawing/2014/main" id="{41FEE969-634D-6E32-D227-18E9282C6F9E}"/>
+              </a:ext>
+            </a:extLst>
+          </p:cNvPr>
           <p:cNvSpPr>
             <a:spLocks noGrp="1"/>
           </p:cNvSpPr>
           <p:nvPr>
             <p:ph type="title"/>
-          </p:nvPr>
-        </p:nvSpPr>
-        <p:spPr/>
-        <p:txBody>
-          <a:bodyPr/>
-          <a:lstStyle>
-            <a:lvl1pPr>
-              <a:defRPr/>
-            </a:lvl1pPr>
-          </a:lstStyle>
-          <a:p>
-            <a:r>
-              <a:rPr lang="en-US" smtClean="0"/>
-              <a:t>Click to edit Master title style</a:t>
-            </a:r>
-            <a:endParaRPr lang="en-US"/>
-          </a:p>
-        </p:txBody>
-      </p:sp>
-      <p:sp>
-        <p:nvSpPr>
-          <p:cNvPr id="3" name="Text Placeholder 2"/>
-          <p:cNvSpPr>
-            <a:spLocks noGrp="1"/>
-          </p:cNvSpPr>
-          <p:nvPr>
-            <p:ph type="body" idx="1"/>
           </p:nvPr>
         </p:nvSpPr>
         <p:spPr>
           <a:xfrm>
-            <a:off x="457200" y="1535113"/>
-            <a:ext cx="4040188" cy="639762"/>
+            <a:off x="457200" y="547396"/>
+            <a:ext cx="8059341" cy="1143292"/>
           </a:xfrm>
         </p:spPr>
         <p:txBody>
-          <a:bodyPr anchor="b"/>
+          <a:bodyPr/>
+          <a:lstStyle/>
+          <a:p>
+            <a:r>
+              <a:rPr lang="en-US" dirty="0"/>
+              <a:t>Click to edit Master title style</a:t>
+            </a:r>
+          </a:p>
+        </p:txBody>
+      </p:sp>
+      <p:sp>
+        <p:nvSpPr>
+          <p:cNvPr id="3" name="Text Placeholder 2">
+            <a:extLst>
+              <a:ext uri="{FF2B5EF4-FFF2-40B4-BE49-F238E27FC236}">
+                <a16:creationId xmlns:a16="http://schemas.microsoft.com/office/drawing/2014/main" id="{61CD26D4-290A-F0ED-7D62-41EDA6FEC2B9}"/>
+              </a:ext>
+            </a:extLst>
+          </p:cNvPr>
+          <p:cNvSpPr>
+            <a:spLocks noGrp="1"/>
+          </p:cNvSpPr>
+          <p:nvPr>
+            <p:ph type="body" idx="1"/>
+          </p:nvPr>
+        </p:nvSpPr>
+        <p:spPr>
+          <a:xfrm>
+            <a:off x="457201" y="1685735"/>
+            <a:ext cx="3868340" cy="559834"/>
+          </a:xfrm>
+        </p:spPr>
+        <p:txBody>
+          <a:bodyPr anchor="b">
+            <a:normAutofit/>
+          </a:bodyPr>
           <a:lstStyle>
             <a:lvl1pPr marL="0" indent="0">
+              <a:lnSpc>
+                <a:spcPct val="90000"/>
+              </a:lnSpc>
+              <a:buNone/>
+              <a:defRPr sz="2667" b="1" cap="all" baseline="0"/>
+            </a:lvl1pPr>
+            <a:lvl2pPr marL="609585" indent="0">
+              <a:buNone/>
+              <a:defRPr sz="2667" b="1"/>
+            </a:lvl2pPr>
+            <a:lvl3pPr marL="1219170" indent="0">
               <a:buNone/>
               <a:defRPr sz="2400" b="1"/>
-            </a:lvl1pPr>
-            <a:lvl2pPr marL="457200" indent="0">
-              <a:buNone/>
-              <a:defRPr sz="2000" b="1"/>
-            </a:lvl2pPr>
-            <a:lvl3pPr marL="914400" indent="0">
-              <a:buNone/>
-              <a:defRPr sz="1800" b="1"/>
             </a:lvl3pPr>
-            <a:lvl4pPr marL="1371600" indent="0">
-              <a:buNone/>
-              <a:defRPr sz="1600" b="1"/>
+            <a:lvl4pPr marL="1828754" indent="0">
+              <a:buNone/>
+              <a:defRPr sz="2133" b="1"/>
             </a:lvl4pPr>
-            <a:lvl5pPr marL="1828800" indent="0">
-              <a:buNone/>
-              <a:defRPr sz="1600" b="1"/>
+            <a:lvl5pPr marL="2438339" indent="0">
+              <a:buNone/>
+              <a:defRPr sz="2133" b="1"/>
             </a:lvl5pPr>
-            <a:lvl6pPr marL="2286000" indent="0">
-              <a:buNone/>
-              <a:defRPr sz="1600" b="1"/>
+            <a:lvl6pPr marL="3047924" indent="0">
+              <a:buNone/>
+              <a:defRPr sz="2133" b="1"/>
             </a:lvl6pPr>
-            <a:lvl7pPr marL="2743200" indent="0">
-              <a:buNone/>
-              <a:defRPr sz="1600" b="1"/>
+            <a:lvl7pPr marL="3657509" indent="0">
+              <a:buNone/>
+              <a:defRPr sz="2133" b="1"/>
             </a:lvl7pPr>
-            <a:lvl8pPr marL="3200400" indent="0">
-              <a:buNone/>
-              <a:defRPr sz="1600" b="1"/>
+            <a:lvl8pPr marL="4267093" indent="0">
+              <a:buNone/>
+              <a:defRPr sz="2133" b="1"/>
             </a:lvl8pPr>
-            <a:lvl9pPr marL="3657600" indent="0">
-              <a:buNone/>
-              <a:defRPr sz="1600" b="1"/>
+            <a:lvl9pPr marL="4876678" indent="0">
+              <a:buNone/>
+              <a:defRPr sz="2133" b="1"/>
             </a:lvl9pPr>
           </a:lstStyle>
           <a:p>
             <a:pPr lvl="0"/>
             <a:r>
-              <a:rPr lang="en-US" smtClean="0"/>
+              <a:rPr lang="en-US" dirty="0"/>
               <a:t>Click to edit Master text styles</a:t>
             </a:r>
           </a:p>
@@ -1518,7 +2126,13 @@
       </p:sp>
       <p:sp>
         <p:nvSpPr>
-          <p:cNvPr id="4" name="Content Placeholder 3"/>
+          <p:cNvPr id="4" name="Content Placeholder 3">
+            <a:extLst>
+              <a:ext uri="{FF2B5EF4-FFF2-40B4-BE49-F238E27FC236}">
+                <a16:creationId xmlns:a16="http://schemas.microsoft.com/office/drawing/2014/main" id="{94DA52B0-7419-A946-4523-6D34BCAD26D1}"/>
+              </a:ext>
+            </a:extLst>
+          </p:cNvPr>
           <p:cNvSpPr>
             <a:spLocks noGrp="1"/>
           </p:cNvSpPr>
@@ -1528,232 +2142,197 @@
         </p:nvSpPr>
         <p:spPr>
           <a:xfrm>
-            <a:off x="457200" y="2174875"/>
-            <a:ext cx="4040188" cy="3951288"/>
+            <a:off x="457201" y="2386895"/>
+            <a:ext cx="3868340" cy="3765089"/>
           </a:xfrm>
         </p:spPr>
         <p:txBody>
           <a:bodyPr/>
+          <a:lstStyle/>
+          <a:p>
+            <a:pPr lvl="0"/>
+            <a:r>
+              <a:rPr lang="en-US" dirty="0"/>
+              <a:t>Click to edit Master text styles</a:t>
+            </a:r>
+          </a:p>
+          <a:p>
+            <a:pPr lvl="1"/>
+            <a:r>
+              <a:rPr lang="en-US" dirty="0"/>
+              <a:t>Second level</a:t>
+            </a:r>
+          </a:p>
+          <a:p>
+            <a:pPr lvl="2"/>
+            <a:r>
+              <a:rPr lang="en-US" dirty="0"/>
+              <a:t>Third level</a:t>
+            </a:r>
+          </a:p>
+          <a:p>
+            <a:pPr lvl="3"/>
+            <a:r>
+              <a:rPr lang="en-US" dirty="0"/>
+              <a:t>Fourth level</a:t>
+            </a:r>
+          </a:p>
+          <a:p>
+            <a:pPr lvl="4"/>
+            <a:r>
+              <a:rPr lang="en-US" dirty="0"/>
+              <a:t>Fifth level</a:t>
+            </a:r>
+          </a:p>
+        </p:txBody>
+      </p:sp>
+      <p:sp>
+        <p:nvSpPr>
+          <p:cNvPr id="5" name="Text Placeholder 4">
+            <a:extLst>
+              <a:ext uri="{FF2B5EF4-FFF2-40B4-BE49-F238E27FC236}">
+                <a16:creationId xmlns:a16="http://schemas.microsoft.com/office/drawing/2014/main" id="{06536620-C4F3-EEC3-DBF1-05196B1CBB55}"/>
+              </a:ext>
+            </a:extLst>
+          </p:cNvPr>
+          <p:cNvSpPr>
+            <a:spLocks noGrp="1"/>
+          </p:cNvSpPr>
+          <p:nvPr>
+            <p:ph type="body" sz="quarter" idx="3"/>
+          </p:nvPr>
+        </p:nvSpPr>
+        <p:spPr>
+          <a:xfrm>
+            <a:off x="4629150" y="1685735"/>
+            <a:ext cx="3887391" cy="559834"/>
+          </a:xfrm>
+        </p:spPr>
+        <p:txBody>
+          <a:bodyPr anchor="b">
+            <a:normAutofit/>
+          </a:bodyPr>
           <a:lstStyle>
-            <a:lvl1pPr>
-              <a:defRPr sz="2400"/>
+            <a:lvl1pPr marL="0" indent="0">
+              <a:lnSpc>
+                <a:spcPct val="90000"/>
+              </a:lnSpc>
+              <a:buNone/>
+              <a:defRPr sz="2667" b="1" cap="all" baseline="0"/>
             </a:lvl1pPr>
-            <a:lvl2pPr>
-              <a:defRPr sz="2000"/>
+            <a:lvl2pPr marL="609585" indent="0">
+              <a:buNone/>
+              <a:defRPr sz="2667" b="1"/>
             </a:lvl2pPr>
-            <a:lvl3pPr>
-              <a:defRPr sz="1800"/>
+            <a:lvl3pPr marL="1219170" indent="0">
+              <a:buNone/>
+              <a:defRPr sz="2400" b="1"/>
             </a:lvl3pPr>
-            <a:lvl4pPr>
-              <a:defRPr sz="1600"/>
+            <a:lvl4pPr marL="1828754" indent="0">
+              <a:buNone/>
+              <a:defRPr sz="2133" b="1"/>
             </a:lvl4pPr>
-            <a:lvl5pPr>
-              <a:defRPr sz="1600"/>
+            <a:lvl5pPr marL="2438339" indent="0">
+              <a:buNone/>
+              <a:defRPr sz="2133" b="1"/>
             </a:lvl5pPr>
-            <a:lvl6pPr>
-              <a:defRPr sz="1600"/>
+            <a:lvl6pPr marL="3047924" indent="0">
+              <a:buNone/>
+              <a:defRPr sz="2133" b="1"/>
             </a:lvl6pPr>
-            <a:lvl7pPr>
-              <a:defRPr sz="1600"/>
+            <a:lvl7pPr marL="3657509" indent="0">
+              <a:buNone/>
+              <a:defRPr sz="2133" b="1"/>
             </a:lvl7pPr>
-            <a:lvl8pPr>
-              <a:defRPr sz="1600"/>
+            <a:lvl8pPr marL="4267093" indent="0">
+              <a:buNone/>
+              <a:defRPr sz="2133" b="1"/>
             </a:lvl8pPr>
-            <a:lvl9pPr>
-              <a:defRPr sz="1600"/>
+            <a:lvl9pPr marL="4876678" indent="0">
+              <a:buNone/>
+              <a:defRPr sz="2133" b="1"/>
             </a:lvl9pPr>
           </a:lstStyle>
           <a:p>
             <a:pPr lvl="0"/>
             <a:r>
-              <a:rPr lang="en-US" smtClean="0"/>
+              <a:rPr lang="en-US" dirty="0"/>
               <a:t>Click to edit Master text styles</a:t>
             </a:r>
           </a:p>
-          <a:p>
-            <a:pPr lvl="1"/>
-            <a:r>
-              <a:rPr lang="en-US" smtClean="0"/>
-              <a:t>Second level</a:t>
-            </a:r>
-          </a:p>
-          <a:p>
-            <a:pPr lvl="2"/>
-            <a:r>
-              <a:rPr lang="en-US" smtClean="0"/>
-              <a:t>Third level</a:t>
-            </a:r>
-          </a:p>
-          <a:p>
-            <a:pPr lvl="3"/>
-            <a:r>
-              <a:rPr lang="en-US" smtClean="0"/>
-              <a:t>Fourth level</a:t>
-            </a:r>
-          </a:p>
-          <a:p>
-            <a:pPr lvl="4"/>
-            <a:r>
-              <a:rPr lang="en-US" smtClean="0"/>
-              <a:t>Fifth level</a:t>
-            </a:r>
-            <a:endParaRPr lang="en-US"/>
-          </a:p>
-        </p:txBody>
-      </p:sp>
-      <p:sp>
-        <p:nvSpPr>
-          <p:cNvPr id="5" name="Text Placeholder 4"/>
-          <p:cNvSpPr>
-            <a:spLocks noGrp="1"/>
-          </p:cNvSpPr>
-          <p:nvPr>
-            <p:ph type="body" sz="quarter" idx="3"/>
+        </p:txBody>
+      </p:sp>
+      <p:sp>
+        <p:nvSpPr>
+          <p:cNvPr id="6" name="Content Placeholder 5">
+            <a:extLst>
+              <a:ext uri="{FF2B5EF4-FFF2-40B4-BE49-F238E27FC236}">
+                <a16:creationId xmlns:a16="http://schemas.microsoft.com/office/drawing/2014/main" id="{33BAE980-E611-98B5-04E9-DE4584B0E33F}"/>
+              </a:ext>
+            </a:extLst>
+          </p:cNvPr>
+          <p:cNvSpPr>
+            <a:spLocks noGrp="1"/>
+          </p:cNvSpPr>
+          <p:nvPr>
+            <p:ph sz="quarter" idx="4"/>
           </p:nvPr>
         </p:nvSpPr>
         <p:spPr>
           <a:xfrm>
-            <a:off x="4645025" y="1535113"/>
-            <a:ext cx="4041775" cy="639762"/>
+            <a:off x="4629150" y="2386895"/>
+            <a:ext cx="3887392" cy="3765089"/>
           </a:xfrm>
         </p:spPr>
         <p:txBody>
-          <a:bodyPr anchor="b"/>
-          <a:lstStyle>
-            <a:lvl1pPr marL="0" indent="0">
-              <a:buNone/>
-              <a:defRPr sz="2400" b="1"/>
-            </a:lvl1pPr>
-            <a:lvl2pPr marL="457200" indent="0">
-              <a:buNone/>
-              <a:defRPr sz="2000" b="1"/>
-            </a:lvl2pPr>
-            <a:lvl3pPr marL="914400" indent="0">
-              <a:buNone/>
-              <a:defRPr sz="1800" b="1"/>
-            </a:lvl3pPr>
-            <a:lvl4pPr marL="1371600" indent="0">
-              <a:buNone/>
-              <a:defRPr sz="1600" b="1"/>
-            </a:lvl4pPr>
-            <a:lvl5pPr marL="1828800" indent="0">
-              <a:buNone/>
-              <a:defRPr sz="1600" b="1"/>
-            </a:lvl5pPr>
-            <a:lvl6pPr marL="2286000" indent="0">
-              <a:buNone/>
-              <a:defRPr sz="1600" b="1"/>
-            </a:lvl6pPr>
-            <a:lvl7pPr marL="2743200" indent="0">
-              <a:buNone/>
-              <a:defRPr sz="1600" b="1"/>
-            </a:lvl7pPr>
-            <a:lvl8pPr marL="3200400" indent="0">
-              <a:buNone/>
-              <a:defRPr sz="1600" b="1"/>
-            </a:lvl8pPr>
-            <a:lvl9pPr marL="3657600" indent="0">
-              <a:buNone/>
-              <a:defRPr sz="1600" b="1"/>
-            </a:lvl9pPr>
-          </a:lstStyle>
+          <a:bodyPr/>
+          <a:lstStyle/>
           <a:p>
             <a:pPr lvl="0"/>
             <a:r>
-              <a:rPr lang="en-US" smtClean="0"/>
+              <a:rPr lang="en-US" dirty="0"/>
               <a:t>Click to edit Master text styles</a:t>
             </a:r>
           </a:p>
-        </p:txBody>
-      </p:sp>
-      <p:sp>
-        <p:nvSpPr>
-          <p:cNvPr id="6" name="Content Placeholder 5"/>
-          <p:cNvSpPr>
-            <a:spLocks noGrp="1"/>
-          </p:cNvSpPr>
-          <p:nvPr>
-            <p:ph sz="quarter" idx="4"/>
-          </p:nvPr>
-        </p:nvSpPr>
-        <p:spPr>
-          <a:xfrm>
-            <a:off x="4645025" y="2174875"/>
-            <a:ext cx="4041775" cy="3951288"/>
-          </a:xfrm>
-        </p:spPr>
-        <p:txBody>
-          <a:bodyPr/>
-          <a:lstStyle>
-            <a:lvl1pPr>
-              <a:defRPr sz="2400"/>
-            </a:lvl1pPr>
-            <a:lvl2pPr>
-              <a:defRPr sz="2000"/>
-            </a:lvl2pPr>
-            <a:lvl3pPr>
-              <a:defRPr sz="1800"/>
-            </a:lvl3pPr>
-            <a:lvl4pPr>
-              <a:defRPr sz="1600"/>
-            </a:lvl4pPr>
-            <a:lvl5pPr>
-              <a:defRPr sz="1600"/>
-            </a:lvl5pPr>
-            <a:lvl6pPr>
-              <a:defRPr sz="1600"/>
-            </a:lvl6pPr>
-            <a:lvl7pPr>
-              <a:defRPr sz="1600"/>
-            </a:lvl7pPr>
-            <a:lvl8pPr>
-              <a:defRPr sz="1600"/>
-            </a:lvl8pPr>
-            <a:lvl9pPr>
-              <a:defRPr sz="1600"/>
-            </a:lvl9pPr>
-          </a:lstStyle>
-          <a:p>
-            <a:pPr lvl="0"/>
-            <a:r>
-              <a:rPr lang="en-US" smtClean="0"/>
-              <a:t>Click to edit Master text styles</a:t>
-            </a:r>
-          </a:p>
           <a:p>
             <a:pPr lvl="1"/>
             <a:r>
-              <a:rPr lang="en-US" smtClean="0"/>
+              <a:rPr lang="en-US" dirty="0"/>
               <a:t>Second level</a:t>
             </a:r>
           </a:p>
           <a:p>
             <a:pPr lvl="2"/>
             <a:r>
-              <a:rPr lang="en-US" smtClean="0"/>
+              <a:rPr lang="en-US" dirty="0"/>
               <a:t>Third level</a:t>
             </a:r>
           </a:p>
           <a:p>
             <a:pPr lvl="3"/>
             <a:r>
-              <a:rPr lang="en-US" smtClean="0"/>
+              <a:rPr lang="en-US" dirty="0"/>
               <a:t>Fourth level</a:t>
             </a:r>
           </a:p>
           <a:p>
             <a:pPr lvl="4"/>
             <a:r>
-              <a:rPr lang="en-US" smtClean="0"/>
+              <a:rPr lang="en-US" dirty="0"/>
               <a:t>Fifth level</a:t>
             </a:r>
-            <a:endParaRPr lang="en-US"/>
-          </a:p>
-        </p:txBody>
-      </p:sp>
-      <p:sp>
-        <p:nvSpPr>
-          <p:cNvPr id="7" name="Date Placeholder 6"/>
+          </a:p>
+        </p:txBody>
+      </p:sp>
+      <p:sp>
+        <p:nvSpPr>
+          <p:cNvPr id="7" name="Date Placeholder 6">
+            <a:extLst>
+              <a:ext uri="{FF2B5EF4-FFF2-40B4-BE49-F238E27FC236}">
+                <a16:creationId xmlns:a16="http://schemas.microsoft.com/office/drawing/2014/main" id="{4E3B3581-658A-8487-F9CB-E79F2BFF27E4}"/>
+              </a:ext>
+            </a:extLst>
+          </p:cNvPr>
           <p:cNvSpPr>
             <a:spLocks noGrp="1"/>
           </p:cNvSpPr>
@@ -1766,17 +2345,23 @@
           <a:bodyPr/>
           <a:lstStyle/>
           <a:p>
-            <a:fld id="{5BCAD085-E8A6-8845-BD4E-CB4CCA059FC4}" type="datetimeFigureOut">
-              <a:rPr lang="en-US" smtClean="0"/>
-              <a:t>1/27/13</a:t>
+            <a:fld id="{AB8D84F4-0E7A-4BDE-98C6-AE68FB974645}" type="datetimeFigureOut">
+              <a:rPr lang="en-US" dirty="0"/>
+              <a:t>7/25/2025</a:t>
             </a:fld>
-            <a:endParaRPr lang="en-US"/>
-          </a:p>
-        </p:txBody>
-      </p:sp>
-      <p:sp>
-        <p:nvSpPr>
-          <p:cNvPr id="8" name="Footer Placeholder 7"/>
+            <a:endParaRPr lang="en-US" dirty="0"/>
+          </a:p>
+        </p:txBody>
+      </p:sp>
+      <p:sp>
+        <p:nvSpPr>
+          <p:cNvPr id="8" name="Footer Placeholder 7">
+            <a:extLst>
+              <a:ext uri="{FF2B5EF4-FFF2-40B4-BE49-F238E27FC236}">
+                <a16:creationId xmlns:a16="http://schemas.microsoft.com/office/drawing/2014/main" id="{949D76D8-9033-26CF-BF4C-AECCC685C177}"/>
+              </a:ext>
+            </a:extLst>
+          </p:cNvPr>
           <p:cNvSpPr>
             <a:spLocks noGrp="1"/>
           </p:cNvSpPr>
@@ -1789,13 +2374,23 @@
           <a:bodyPr/>
           <a:lstStyle/>
           <a:p>
-            <a:endParaRPr lang="en-US"/>
-          </a:p>
-        </p:txBody>
-      </p:sp>
-      <p:sp>
-        <p:nvSpPr>
-          <p:cNvPr id="9" name="Slide Number Placeholder 8"/>
+            <a:r>
+              <a:rPr lang="en-US" dirty="0"/>
+              <a:t>
+              </a:t>
+            </a:r>
+          </a:p>
+        </p:txBody>
+      </p:sp>
+      <p:sp>
+        <p:nvSpPr>
+          <p:cNvPr id="9" name="Slide Number Placeholder 8">
+            <a:extLst>
+              <a:ext uri="{FF2B5EF4-FFF2-40B4-BE49-F238E27FC236}">
+                <a16:creationId xmlns:a16="http://schemas.microsoft.com/office/drawing/2014/main" id="{E02A06B8-CC1D-542F-D8EB-7625046B91D2}"/>
+              </a:ext>
+            </a:extLst>
+          </p:cNvPr>
           <p:cNvSpPr>
             <a:spLocks noGrp="1"/>
           </p:cNvSpPr>
@@ -1808,18 +2403,18 @@
           <a:bodyPr/>
           <a:lstStyle/>
           <a:p>
-            <a:fld id="{C1FF6DA9-008F-8B48-92A6-B652298478BF}" type="slidenum">
-              <a:rPr lang="en-US" smtClean="0"/>
+            <a:fld id="{CC057153-B650-4DEB-B370-79DDCFDCE934}" type="slidenum">
+              <a:rPr lang="en-US" dirty="0"/>
               <a:t>‹#›</a:t>
             </a:fld>
-            <a:endParaRPr lang="en-US"/>
+            <a:endParaRPr lang="en-US" dirty="0"/>
           </a:p>
         </p:txBody>
       </p:sp>
     </p:spTree>
     <p:extLst>
       <p:ext uri="{BB962C8B-B14F-4D97-AF65-F5344CB8AC3E}">
-        <p14:creationId xmlns:p14="http://schemas.microsoft.com/office/powerpoint/2010/main" val="990158736"/>
+        <p14:creationId xmlns:p14="http://schemas.microsoft.com/office/powerpoint/2010/main" val="3869111108"/>
       </p:ext>
     </p:extLst>
   </p:cSld>
@@ -1848,7 +2443,13 @@
       </p:grpSpPr>
       <p:sp>
         <p:nvSpPr>
-          <p:cNvPr id="2" name="Title 1"/>
+          <p:cNvPr id="2" name="Title 1">
+            <a:extLst>
+              <a:ext uri="{FF2B5EF4-FFF2-40B4-BE49-F238E27FC236}">
+                <a16:creationId xmlns:a16="http://schemas.microsoft.com/office/drawing/2014/main" id="{666A9F42-7FF7-F803-C075-BC4968D35E34}"/>
+              </a:ext>
+            </a:extLst>
+          </p:cNvPr>
           <p:cNvSpPr>
             <a:spLocks noGrp="1"/>
           </p:cNvSpPr>
@@ -1862,16 +2463,21 @@
           <a:lstStyle/>
           <a:p>
             <a:r>
-              <a:rPr lang="en-US" smtClean="0"/>
+              <a:rPr lang="en-US" dirty="0"/>
               <a:t>Click to edit Master title style</a:t>
             </a:r>
-            <a:endParaRPr lang="en-US"/>
-          </a:p>
-        </p:txBody>
-      </p:sp>
-      <p:sp>
-        <p:nvSpPr>
-          <p:cNvPr id="3" name="Date Placeholder 2"/>
+          </a:p>
+        </p:txBody>
+      </p:sp>
+      <p:sp>
+        <p:nvSpPr>
+          <p:cNvPr id="3" name="Date Placeholder 2">
+            <a:extLst>
+              <a:ext uri="{FF2B5EF4-FFF2-40B4-BE49-F238E27FC236}">
+                <a16:creationId xmlns:a16="http://schemas.microsoft.com/office/drawing/2014/main" id="{E89E8268-7232-2944-F1BD-399F9419B563}"/>
+              </a:ext>
+            </a:extLst>
+          </p:cNvPr>
           <p:cNvSpPr>
             <a:spLocks noGrp="1"/>
           </p:cNvSpPr>
@@ -1884,17 +2490,23 @@
           <a:bodyPr/>
           <a:lstStyle/>
           <a:p>
-            <a:fld id="{5BCAD085-E8A6-8845-BD4E-CB4CCA059FC4}" type="datetimeFigureOut">
-              <a:rPr lang="en-US" smtClean="0"/>
-              <a:t>1/27/13</a:t>
+            <a:fld id="{CBEFF1D8-9801-4C4B-92F3-66C9A863BD74}" type="datetimeFigureOut">
+              <a:rPr lang="en-US" dirty="0"/>
+              <a:t>7/25/2025</a:t>
             </a:fld>
-            <a:endParaRPr lang="en-US"/>
-          </a:p>
-        </p:txBody>
-      </p:sp>
-      <p:sp>
-        <p:nvSpPr>
-          <p:cNvPr id="4" name="Footer Placeholder 3"/>
+            <a:endParaRPr lang="en-US" dirty="0"/>
+          </a:p>
+        </p:txBody>
+      </p:sp>
+      <p:sp>
+        <p:nvSpPr>
+          <p:cNvPr id="4" name="Footer Placeholder 3">
+            <a:extLst>
+              <a:ext uri="{FF2B5EF4-FFF2-40B4-BE49-F238E27FC236}">
+                <a16:creationId xmlns:a16="http://schemas.microsoft.com/office/drawing/2014/main" id="{6B968DDD-323F-89A1-84E3-DDBA626D9386}"/>
+              </a:ext>
+            </a:extLst>
+          </p:cNvPr>
           <p:cNvSpPr>
             <a:spLocks noGrp="1"/>
           </p:cNvSpPr>
@@ -1907,13 +2519,23 @@
           <a:bodyPr/>
           <a:lstStyle/>
           <a:p>
-            <a:endParaRPr lang="en-US"/>
-          </a:p>
-        </p:txBody>
-      </p:sp>
-      <p:sp>
-        <p:nvSpPr>
-          <p:cNvPr id="5" name="Slide Number Placeholder 4"/>
+            <a:r>
+              <a:rPr lang="en-US" dirty="0"/>
+              <a:t>
+              </a:t>
+            </a:r>
+          </a:p>
+        </p:txBody>
+      </p:sp>
+      <p:sp>
+        <p:nvSpPr>
+          <p:cNvPr id="5" name="Slide Number Placeholder 4">
+            <a:extLst>
+              <a:ext uri="{FF2B5EF4-FFF2-40B4-BE49-F238E27FC236}">
+                <a16:creationId xmlns:a16="http://schemas.microsoft.com/office/drawing/2014/main" id="{98FBDC76-671D-1671-DCE2-D5658BD40E29}"/>
+              </a:ext>
+            </a:extLst>
+          </p:cNvPr>
           <p:cNvSpPr>
             <a:spLocks noGrp="1"/>
           </p:cNvSpPr>
@@ -1926,18 +2548,18 @@
           <a:bodyPr/>
           <a:lstStyle/>
           <a:p>
-            <a:fld id="{C1FF6DA9-008F-8B48-92A6-B652298478BF}" type="slidenum">
-              <a:rPr lang="en-US" smtClean="0"/>
+            <a:fld id="{CC057153-B650-4DEB-B370-79DDCFDCE934}" type="slidenum">
+              <a:rPr lang="en-US" dirty="0"/>
               <a:t>‹#›</a:t>
             </a:fld>
-            <a:endParaRPr lang="en-US"/>
+            <a:endParaRPr lang="en-US" dirty="0"/>
           </a:p>
         </p:txBody>
       </p:sp>
     </p:spTree>
     <p:extLst>
       <p:ext uri="{BB962C8B-B14F-4D97-AF65-F5344CB8AC3E}">
-        <p14:creationId xmlns:p14="http://schemas.microsoft.com/office/powerpoint/2010/main" val="727027711"/>
+        <p14:creationId xmlns:p14="http://schemas.microsoft.com/office/powerpoint/2010/main" val="2099793927"/>
       </p:ext>
     </p:extLst>
   </p:cSld>
@@ -1966,7 +2588,13 @@
       </p:grpSpPr>
       <p:sp>
         <p:nvSpPr>
-          <p:cNvPr id="2" name="Date Placeholder 1"/>
+          <p:cNvPr id="2" name="Date Placeholder 1">
+            <a:extLst>
+              <a:ext uri="{FF2B5EF4-FFF2-40B4-BE49-F238E27FC236}">
+                <a16:creationId xmlns:a16="http://schemas.microsoft.com/office/drawing/2014/main" id="{49BC4D82-0182-501C-9231-46767680476E}"/>
+              </a:ext>
+            </a:extLst>
+          </p:cNvPr>
           <p:cNvSpPr>
             <a:spLocks noGrp="1"/>
           </p:cNvSpPr>
@@ -1979,17 +2607,23 @@
           <a:bodyPr/>
           <a:lstStyle/>
           <a:p>
-            <a:fld id="{5BCAD085-E8A6-8845-BD4E-CB4CCA059FC4}" type="datetimeFigureOut">
-              <a:rPr lang="en-US" smtClean="0"/>
-              <a:t>1/27/13</a:t>
+            <a:fld id="{961FE8FD-B23E-4E1A-83EF-0847EBEA0105}" type="datetimeFigureOut">
+              <a:rPr lang="en-US" dirty="0"/>
+              <a:t>7/25/2025</a:t>
             </a:fld>
-            <a:endParaRPr lang="en-US"/>
-          </a:p>
-        </p:txBody>
-      </p:sp>
-      <p:sp>
-        <p:nvSpPr>
-          <p:cNvPr id="3" name="Footer Placeholder 2"/>
+            <a:endParaRPr lang="en-US" dirty="0"/>
+          </a:p>
+        </p:txBody>
+      </p:sp>
+      <p:sp>
+        <p:nvSpPr>
+          <p:cNvPr id="3" name="Footer Placeholder 2">
+            <a:extLst>
+              <a:ext uri="{FF2B5EF4-FFF2-40B4-BE49-F238E27FC236}">
+                <a16:creationId xmlns:a16="http://schemas.microsoft.com/office/drawing/2014/main" id="{10EAA6C9-A7F3-19F1-D17C-A1D83FAF553F}"/>
+              </a:ext>
+            </a:extLst>
+          </p:cNvPr>
           <p:cNvSpPr>
             <a:spLocks noGrp="1"/>
           </p:cNvSpPr>
@@ -2002,13 +2636,23 @@
           <a:bodyPr/>
           <a:lstStyle/>
           <a:p>
-            <a:endParaRPr lang="en-US"/>
-          </a:p>
-        </p:txBody>
-      </p:sp>
-      <p:sp>
-        <p:nvSpPr>
-          <p:cNvPr id="4" name="Slide Number Placeholder 3"/>
+            <a:r>
+              <a:rPr lang="en-US" dirty="0"/>
+              <a:t>
+              </a:t>
+            </a:r>
+          </a:p>
+        </p:txBody>
+      </p:sp>
+      <p:sp>
+        <p:nvSpPr>
+          <p:cNvPr id="4" name="Slide Number Placeholder 3">
+            <a:extLst>
+              <a:ext uri="{FF2B5EF4-FFF2-40B4-BE49-F238E27FC236}">
+                <a16:creationId xmlns:a16="http://schemas.microsoft.com/office/drawing/2014/main" id="{34EBB816-1B94-116F-92D4-6043AE9E0C6B}"/>
+              </a:ext>
+            </a:extLst>
+          </p:cNvPr>
           <p:cNvSpPr>
             <a:spLocks noGrp="1"/>
           </p:cNvSpPr>
@@ -2021,18 +2665,18 @@
           <a:bodyPr/>
           <a:lstStyle/>
           <a:p>
-            <a:fld id="{C1FF6DA9-008F-8B48-92A6-B652298478BF}" type="slidenum">
-              <a:rPr lang="en-US" smtClean="0"/>
+            <a:fld id="{CC057153-B650-4DEB-B370-79DDCFDCE934}" type="slidenum">
+              <a:rPr lang="en-US" dirty="0"/>
               <a:t>‹#›</a:t>
             </a:fld>
-            <a:endParaRPr lang="en-US"/>
+            <a:endParaRPr lang="en-US" dirty="0"/>
           </a:p>
         </p:txBody>
       </p:sp>
     </p:spTree>
     <p:extLst>
       <p:ext uri="{BB962C8B-B14F-4D97-AF65-F5344CB8AC3E}">
-        <p14:creationId xmlns:p14="http://schemas.microsoft.com/office/powerpoint/2010/main" val="1212999818"/>
+        <p14:creationId xmlns:p14="http://schemas.microsoft.com/office/powerpoint/2010/main" val="819682076"/>
       </p:ext>
     </p:extLst>
   </p:cSld>
@@ -2061,7 +2705,13 @@
       </p:grpSpPr>
       <p:sp>
         <p:nvSpPr>
-          <p:cNvPr id="2" name="Title 1"/>
+          <p:cNvPr id="2" name="Title 1">
+            <a:extLst>
+              <a:ext uri="{FF2B5EF4-FFF2-40B4-BE49-F238E27FC236}">
+                <a16:creationId xmlns:a16="http://schemas.microsoft.com/office/drawing/2014/main" id="{C350C37F-77BE-E128-4248-D001C39E79C6}"/>
+              </a:ext>
+            </a:extLst>
+          </p:cNvPr>
           <p:cNvSpPr>
             <a:spLocks noGrp="1"/>
           </p:cNvSpPr>
@@ -2071,29 +2721,36 @@
         </p:nvSpPr>
         <p:spPr>
           <a:xfrm>
-            <a:off x="457200" y="273050"/>
-            <a:ext cx="3008313" cy="1162050"/>
+            <a:off x="447870" y="553617"/>
+            <a:ext cx="2696726" cy="1757505"/>
           </a:xfrm>
         </p:spPr>
         <p:txBody>
-          <a:bodyPr anchor="b"/>
+          <a:bodyPr anchor="t">
+            <a:normAutofit/>
+          </a:bodyPr>
           <a:lstStyle>
-            <a:lvl1pPr algn="l">
-              <a:defRPr sz="2000" b="1"/>
+            <a:lvl1pPr>
+              <a:defRPr sz="3733"/>
             </a:lvl1pPr>
           </a:lstStyle>
           <a:p>
             <a:r>
-              <a:rPr lang="en-US" smtClean="0"/>
+              <a:rPr lang="en-US" dirty="0"/>
               <a:t>Click to edit Master title style</a:t>
             </a:r>
-            <a:endParaRPr lang="en-US"/>
-          </a:p>
-        </p:txBody>
-      </p:sp>
-      <p:sp>
-        <p:nvSpPr>
-          <p:cNvPr id="3" name="Content Placeholder 2"/>
+          </a:p>
+        </p:txBody>
+      </p:sp>
+      <p:sp>
+        <p:nvSpPr>
+          <p:cNvPr id="3" name="Content Placeholder 2">
+            <a:extLst>
+              <a:ext uri="{FF2B5EF4-FFF2-40B4-BE49-F238E27FC236}">
+                <a16:creationId xmlns:a16="http://schemas.microsoft.com/office/drawing/2014/main" id="{2F3B20A8-A604-C977-02C0-083BA8663484}"/>
+              </a:ext>
+            </a:extLst>
+          </p:cNvPr>
           <p:cNvSpPr>
             <a:spLocks noGrp="1"/>
           </p:cNvSpPr>
@@ -2103,82 +2760,89 @@
         </p:nvSpPr>
         <p:spPr>
           <a:xfrm>
-            <a:off x="3575050" y="273050"/>
-            <a:ext cx="5111750" cy="5853113"/>
+            <a:off x="3851031" y="553616"/>
+            <a:ext cx="4709806" cy="5486400"/>
           </a:xfrm>
         </p:spPr>
         <p:txBody>
-          <a:bodyPr/>
+          <a:bodyPr>
+            <a:normAutofit/>
+          </a:bodyPr>
           <a:lstStyle>
             <a:lvl1pPr>
-              <a:defRPr sz="3200"/>
+              <a:defRPr sz="3733"/>
             </a:lvl1pPr>
             <a:lvl2pPr>
-              <a:defRPr sz="2800"/>
+              <a:defRPr sz="3200"/>
             </a:lvl2pPr>
             <a:lvl3pPr>
-              <a:defRPr sz="2400"/>
+              <a:defRPr sz="2667"/>
             </a:lvl3pPr>
             <a:lvl4pPr>
-              <a:defRPr sz="2000"/>
+              <a:defRPr sz="2400"/>
             </a:lvl4pPr>
             <a:lvl5pPr>
-              <a:defRPr sz="2000"/>
+              <a:defRPr sz="2400"/>
             </a:lvl5pPr>
             <a:lvl6pPr>
-              <a:defRPr sz="2000"/>
+              <a:defRPr sz="2400"/>
             </a:lvl6pPr>
             <a:lvl7pPr>
-              <a:defRPr sz="2000"/>
+              <a:defRPr sz="2400"/>
             </a:lvl7pPr>
             <a:lvl8pPr>
-              <a:defRPr sz="2000"/>
+              <a:defRPr sz="2400"/>
             </a:lvl8pPr>
             <a:lvl9pPr>
-              <a:defRPr sz="2000"/>
+              <a:defRPr sz="2400"/>
             </a:lvl9pPr>
           </a:lstStyle>
           <a:p>
             <a:pPr lvl="0"/>
             <a:r>
-              <a:rPr lang="en-US" smtClean="0"/>
+              <a:rPr lang="en-US" dirty="0"/>
               <a:t>Click to edit Master text styles</a:t>
             </a:r>
           </a:p>
           <a:p>
             <a:pPr lvl="1"/>
             <a:r>
-              <a:rPr lang="en-US" smtClean="0"/>
+              <a:rPr lang="en-US" dirty="0"/>
               <a:t>Second level</a:t>
             </a:r>
           </a:p>
           <a:p>
             <a:pPr lvl="2"/>
             <a:r>
-              <a:rPr lang="en-US" smtClean="0"/>
+              <a:rPr lang="en-US" dirty="0"/>
               <a:t>Third level</a:t>
             </a:r>
           </a:p>
           <a:p>
             <a:pPr lvl="3"/>
             <a:r>
-              <a:rPr lang="en-US" smtClean="0"/>
+              <a:rPr lang="en-US" dirty="0"/>
               <a:t>Fourth level</a:t>
             </a:r>
           </a:p>
           <a:p>
             <a:pPr lvl="4"/>
             <a:r>
-              <a:rPr lang="en-US" smtClean="0"/>
+              <a:rPr lang="en-US" dirty="0"/>
               <a:t>Fifth level</a:t>
             </a:r>
-            <a:endParaRPr lang="en-US"/>
-          </a:p>
-        </p:txBody>
-      </p:sp>
-      <p:sp>
-        <p:nvSpPr>
-          <p:cNvPr id="4" name="Text Placeholder 3"/>
+          </a:p>
+        </p:txBody>
+      </p:sp>
+      <p:sp>
+        <p:nvSpPr>
+          <p:cNvPr id="4" name="Text Placeholder 3">
+            <a:extLst>
+              <a:ext uri="{FF2B5EF4-FFF2-40B4-BE49-F238E27FC236}">
+                <a16:creationId xmlns:a16="http://schemas.microsoft.com/office/drawing/2014/main" id="{EC0EEBFB-2026-6A35-33ED-F008376B67A0}"/>
+              </a:ext>
+            </a:extLst>
+          </p:cNvPr>
           <p:cNvSpPr>
             <a:spLocks noGrp="1"/>
           </p:cNvSpPr>
@@ -2188,54 +2852,56 @@
         </p:nvSpPr>
         <p:spPr>
           <a:xfrm>
-            <a:off x="457200" y="1435100"/>
-            <a:ext cx="3008313" cy="4691063"/>
+            <a:off x="447870" y="2311122"/>
+            <a:ext cx="2696726" cy="3728895"/>
           </a:xfrm>
         </p:spPr>
         <p:txBody>
-          <a:bodyPr/>
+          <a:bodyPr anchor="t">
+            <a:normAutofit/>
+          </a:bodyPr>
           <a:lstStyle>
             <a:lvl1pPr marL="0" indent="0">
               <a:buNone/>
-              <a:defRPr sz="1400"/>
+              <a:defRPr sz="2400"/>
             </a:lvl1pPr>
-            <a:lvl2pPr marL="457200" indent="0">
-              <a:buNone/>
-              <a:defRPr sz="1200"/>
+            <a:lvl2pPr marL="609585" indent="0">
+              <a:buNone/>
+              <a:defRPr sz="1867"/>
             </a:lvl2pPr>
-            <a:lvl3pPr marL="914400" indent="0">
-              <a:buNone/>
-              <a:defRPr sz="1000"/>
+            <a:lvl3pPr marL="1219170" indent="0">
+              <a:buNone/>
+              <a:defRPr sz="1600"/>
             </a:lvl3pPr>
-            <a:lvl4pPr marL="1371600" indent="0">
-              <a:buNone/>
-              <a:defRPr sz="900"/>
+            <a:lvl4pPr marL="1828754" indent="0">
+              <a:buNone/>
+              <a:defRPr sz="1333"/>
             </a:lvl4pPr>
-            <a:lvl5pPr marL="1828800" indent="0">
-              <a:buNone/>
-              <a:defRPr sz="900"/>
+            <a:lvl5pPr marL="2438339" indent="0">
+              <a:buNone/>
+              <a:defRPr sz="1333"/>
             </a:lvl5pPr>
-            <a:lvl6pPr marL="2286000" indent="0">
-              <a:buNone/>
-              <a:defRPr sz="900"/>
+            <a:lvl6pPr marL="3047924" indent="0">
+              <a:buNone/>
+              <a:defRPr sz="1333"/>
             </a:lvl6pPr>
-            <a:lvl7pPr marL="2743200" indent="0">
-              <a:buNone/>
-              <a:defRPr sz="900"/>
+            <a:lvl7pPr marL="3657509" indent="0">
+              <a:buNone/>
+              <a:defRPr sz="1333"/>
             </a:lvl7pPr>
-            <a:lvl8pPr marL="3200400" indent="0">
-              <a:buNone/>
-              <a:defRPr sz="900"/>
+            <a:lvl8pPr marL="4267093" indent="0">
+              <a:buNone/>
+              <a:defRPr sz="1333"/>
             </a:lvl8pPr>
-            <a:lvl9pPr marL="3657600" indent="0">
-              <a:buNone/>
-              <a:defRPr sz="900"/>
+            <a:lvl9pPr marL="4876678" indent="0">
+              <a:buNone/>
+              <a:defRPr sz="1333"/>
             </a:lvl9pPr>
           </a:lstStyle>
           <a:p>
             <a:pPr lvl="0"/>
             <a:r>
-              <a:rPr lang="en-US" smtClean="0"/>
+              <a:rPr lang="en-US" dirty="0"/>
               <a:t>Click to edit Master text styles</a:t>
             </a:r>
           </a:p>
@@ -2243,7 +2909,13 @@
       </p:sp>
       <p:sp>
         <p:nvSpPr>
-          <p:cNvPr id="5" name="Date Placeholder 4"/>
+          <p:cNvPr id="5" name="Date Placeholder 4">
+            <a:extLst>
+              <a:ext uri="{FF2B5EF4-FFF2-40B4-BE49-F238E27FC236}">
+                <a16:creationId xmlns:a16="http://schemas.microsoft.com/office/drawing/2014/main" id="{93F05638-7A56-469A-825A-1DFA600254C8}"/>
+              </a:ext>
+            </a:extLst>
+          </p:cNvPr>
           <p:cNvSpPr>
             <a:spLocks noGrp="1"/>
           </p:cNvSpPr>
@@ -2256,17 +2928,23 @@
           <a:bodyPr/>
           <a:lstStyle/>
           <a:p>
-            <a:fld id="{5BCAD085-E8A6-8845-BD4E-CB4CCA059FC4}" type="datetimeFigureOut">
-              <a:rPr lang="en-US" smtClean="0"/>
-              <a:t>1/27/13</a:t>
+            <a:fld id="{8DDF891E-A7C2-465C-AD39-8EDCB0F58E3C}" type="datetimeFigureOut">
+              <a:rPr lang="en-US" dirty="0"/>
+              <a:t>7/25/2025</a:t>
             </a:fld>
-            <a:endParaRPr lang="en-US"/>
-          </a:p>
-        </p:txBody>
-      </p:sp>
-      <p:sp>
-        <p:nvSpPr>
-          <p:cNvPr id="6" name="Footer Placeholder 5"/>
+            <a:endParaRPr lang="en-US" dirty="0"/>
+          </a:p>
+        </p:txBody>
+      </p:sp>
+      <p:sp>
+        <p:nvSpPr>
+          <p:cNvPr id="6" name="Footer Placeholder 5">
+            <a:extLst>
+              <a:ext uri="{FF2B5EF4-FFF2-40B4-BE49-F238E27FC236}">
+                <a16:creationId xmlns:a16="http://schemas.microsoft.com/office/drawing/2014/main" id="{9C85A215-184B-2105-0279-ED02F6445831}"/>
+              </a:ext>
+            </a:extLst>
+          </p:cNvPr>
           <p:cNvSpPr>
             <a:spLocks noGrp="1"/>
           </p:cNvSpPr>
@@ -2279,13 +2957,23 @@
           <a:bodyPr/>
           <a:lstStyle/>
           <a:p>
-            <a:endParaRPr lang="en-US"/>
-          </a:p>
-        </p:txBody>
-      </p:sp>
-      <p:sp>
-        <p:nvSpPr>
-          <p:cNvPr id="7" name="Slide Number Placeholder 6"/>
+            <a:r>
+              <a:rPr lang="en-US" dirty="0"/>
+              <a:t>
+              </a:t>
+            </a:r>
+          </a:p>
+        </p:txBody>
+      </p:sp>
+      <p:sp>
+        <p:nvSpPr>
+          <p:cNvPr id="7" name="Slide Number Placeholder 6">
+            <a:extLst>
+              <a:ext uri="{FF2B5EF4-FFF2-40B4-BE49-F238E27FC236}">
+                <a16:creationId xmlns:a16="http://schemas.microsoft.com/office/drawing/2014/main" id="{32C7CA46-892B-253A-3A28-7414E17B837B}"/>
+              </a:ext>
+            </a:extLst>
+          </p:cNvPr>
           <p:cNvSpPr>
             <a:spLocks noGrp="1"/>
           </p:cNvSpPr>
@@ -2298,18 +2986,18 @@
           <a:bodyPr/>
           <a:lstStyle/>
           <a:p>
-            <a:fld id="{C1FF6DA9-008F-8B48-92A6-B652298478BF}" type="slidenum">
-              <a:rPr lang="en-US" smtClean="0"/>
+            <a:fld id="{CC057153-B650-4DEB-B370-79DDCFDCE934}" type="slidenum">
+              <a:rPr lang="en-US" dirty="0"/>
               <a:t>‹#›</a:t>
             </a:fld>
-            <a:endParaRPr lang="en-US"/>
+            <a:endParaRPr lang="en-US" dirty="0"/>
           </a:p>
         </p:txBody>
       </p:sp>
     </p:spTree>
     <p:extLst>
       <p:ext uri="{BB962C8B-B14F-4D97-AF65-F5344CB8AC3E}">
-        <p14:creationId xmlns:p14="http://schemas.microsoft.com/office/powerpoint/2010/main" val="1840726560"/>
+        <p14:creationId xmlns:p14="http://schemas.microsoft.com/office/powerpoint/2010/main" val="2428698833"/>
       </p:ext>
     </p:extLst>
   </p:cSld>
@@ -2338,7 +3026,13 @@
       </p:grpSpPr>
       <p:sp>
         <p:nvSpPr>
-          <p:cNvPr id="2" name="Title 1"/>
+          <p:cNvPr id="2" name="Title 1">
+            <a:extLst>
+              <a:ext uri="{FF2B5EF4-FFF2-40B4-BE49-F238E27FC236}">
+                <a16:creationId xmlns:a16="http://schemas.microsoft.com/office/drawing/2014/main" id="{EFB06A09-98CF-FAC2-3708-AECC4360C651}"/>
+              </a:ext>
+            </a:extLst>
+          </p:cNvPr>
           <p:cNvSpPr>
             <a:spLocks noGrp="1"/>
           </p:cNvSpPr>
@@ -2348,147 +3042,160 @@
         </p:nvSpPr>
         <p:spPr>
           <a:xfrm>
-            <a:off x="1792288" y="4800600"/>
-            <a:ext cx="5486400" cy="566738"/>
+            <a:off x="445770" y="557785"/>
+            <a:ext cx="2696726" cy="2212313"/>
           </a:xfrm>
         </p:spPr>
         <p:txBody>
+          <a:bodyPr anchor="t">
+            <a:normAutofit/>
+          </a:bodyPr>
+          <a:lstStyle>
+            <a:lvl1pPr>
+              <a:defRPr sz="3733"/>
+            </a:lvl1pPr>
+          </a:lstStyle>
+          <a:p>
+            <a:r>
+              <a:rPr lang="en-US" dirty="0"/>
+              <a:t>Click to edit Master title style</a:t>
+            </a:r>
+          </a:p>
+        </p:txBody>
+      </p:sp>
+      <p:sp>
+        <p:nvSpPr>
+          <p:cNvPr id="3" name="Picture Placeholder 2">
+            <a:extLst>
+              <a:ext uri="{FF2B5EF4-FFF2-40B4-BE49-F238E27FC236}">
+                <a16:creationId xmlns:a16="http://schemas.microsoft.com/office/drawing/2014/main" id="{9571C769-CEC8-962A-01E6-15B0E056791E}"/>
+              </a:ext>
+            </a:extLst>
+          </p:cNvPr>
+          <p:cNvSpPr>
+            <a:spLocks noGrp="1" noChangeAspect="1"/>
+          </p:cNvSpPr>
+          <p:nvPr>
+            <p:ph type="pic" idx="1"/>
+          </p:nvPr>
+        </p:nvSpPr>
+        <p:spPr>
+          <a:xfrm>
+            <a:off x="3797490" y="657103"/>
+            <a:ext cx="4862765" cy="5555904"/>
+          </a:xfrm>
+        </p:spPr>
+        <p:txBody>
+          <a:bodyPr anchor="t"/>
+          <a:lstStyle>
+            <a:lvl1pPr marL="0" indent="0">
+              <a:buNone/>
+              <a:defRPr sz="4267"/>
+            </a:lvl1pPr>
+            <a:lvl2pPr marL="609585" indent="0">
+              <a:buNone/>
+              <a:defRPr sz="3733"/>
+            </a:lvl2pPr>
+            <a:lvl3pPr marL="1219170" indent="0">
+              <a:buNone/>
+              <a:defRPr sz="3200"/>
+            </a:lvl3pPr>
+            <a:lvl4pPr marL="1828754" indent="0">
+              <a:buNone/>
+              <a:defRPr sz="2667"/>
+            </a:lvl4pPr>
+            <a:lvl5pPr marL="2438339" indent="0">
+              <a:buNone/>
+              <a:defRPr sz="2667"/>
+            </a:lvl5pPr>
+            <a:lvl6pPr marL="3047924" indent="0">
+              <a:buNone/>
+              <a:defRPr sz="2667"/>
+            </a:lvl6pPr>
+            <a:lvl7pPr marL="3657509" indent="0">
+              <a:buNone/>
+              <a:defRPr sz="2667"/>
+            </a:lvl7pPr>
+            <a:lvl8pPr marL="4267093" indent="0">
+              <a:buNone/>
+              <a:defRPr sz="2667"/>
+            </a:lvl8pPr>
+            <a:lvl9pPr marL="4876678" indent="0">
+              <a:buNone/>
+              <a:defRPr sz="2667"/>
+            </a:lvl9pPr>
+          </a:lstStyle>
+          <a:p>
+            <a:endParaRPr/>
+          </a:p>
+        </p:txBody>
+      </p:sp>
+      <p:sp>
+        <p:nvSpPr>
+          <p:cNvPr id="4" name="Text Placeholder 3">
+            <a:extLst>
+              <a:ext uri="{FF2B5EF4-FFF2-40B4-BE49-F238E27FC236}">
+                <a16:creationId xmlns:a16="http://schemas.microsoft.com/office/drawing/2014/main" id="{F32C4A61-EF2A-C5A5-B150-4448600B3937}"/>
+              </a:ext>
+            </a:extLst>
+          </p:cNvPr>
+          <p:cNvSpPr>
+            <a:spLocks noGrp="1"/>
+          </p:cNvSpPr>
+          <p:nvPr>
+            <p:ph type="body" sz="half" idx="2"/>
+          </p:nvPr>
+        </p:nvSpPr>
+        <p:spPr>
+          <a:xfrm>
+            <a:off x="457201" y="2826137"/>
+            <a:ext cx="2689190" cy="3434638"/>
+          </a:xfrm>
+        </p:spPr>
+        <p:txBody>
           <a:bodyPr anchor="b"/>
           <a:lstStyle>
-            <a:lvl1pPr algn="l">
-              <a:defRPr sz="2000" b="1"/>
+            <a:lvl1pPr marL="0" indent="0">
+              <a:buNone/>
+              <a:defRPr sz="2133"/>
             </a:lvl1pPr>
-          </a:lstStyle>
-          <a:p>
-            <a:r>
-              <a:rPr lang="en-US" smtClean="0"/>
-              <a:t>Click to edit Master title style</a:t>
-            </a:r>
-            <a:endParaRPr lang="en-US"/>
-          </a:p>
-        </p:txBody>
-      </p:sp>
-      <p:sp>
-        <p:nvSpPr>
-          <p:cNvPr id="3" name="Picture Placeholder 2"/>
-          <p:cNvSpPr>
-            <a:spLocks noGrp="1"/>
-          </p:cNvSpPr>
-          <p:nvPr>
-            <p:ph type="pic" idx="1"/>
-          </p:nvPr>
-        </p:nvSpPr>
-        <p:spPr>
-          <a:xfrm>
-            <a:off x="1792288" y="612775"/>
-            <a:ext cx="5486400" cy="4114800"/>
-          </a:xfrm>
-        </p:spPr>
-        <p:txBody>
-          <a:bodyPr/>
-          <a:lstStyle>
-            <a:lvl1pPr marL="0" indent="0">
-              <a:buNone/>
-              <a:defRPr sz="3200"/>
-            </a:lvl1pPr>
-            <a:lvl2pPr marL="457200" indent="0">
-              <a:buNone/>
-              <a:defRPr sz="2800"/>
+            <a:lvl2pPr marL="609585" indent="0">
+              <a:buNone/>
+              <a:defRPr sz="1867"/>
             </a:lvl2pPr>
-            <a:lvl3pPr marL="914400" indent="0">
-              <a:buNone/>
-              <a:defRPr sz="2400"/>
+            <a:lvl3pPr marL="1219170" indent="0">
+              <a:buNone/>
+              <a:defRPr sz="1600"/>
             </a:lvl3pPr>
-            <a:lvl4pPr marL="1371600" indent="0">
-              <a:buNone/>
-              <a:defRPr sz="2000"/>
+            <a:lvl4pPr marL="1828754" indent="0">
+              <a:buNone/>
+              <a:defRPr sz="1333"/>
             </a:lvl4pPr>
-            <a:lvl5pPr marL="1828800" indent="0">
-              <a:buNone/>
-              <a:defRPr sz="2000"/>
+            <a:lvl5pPr marL="2438339" indent="0">
+              <a:buNone/>
+              <a:defRPr sz="1333"/>
             </a:lvl5pPr>
-            <a:lvl6pPr marL="2286000" indent="0">
-              <a:buNone/>
-              <a:defRPr sz="2000"/>
+            <a:lvl6pPr marL="3047924" indent="0">
+              <a:buNone/>
+              <a:defRPr sz="1333"/>
             </a:lvl6pPr>
-            <a:lvl7pPr marL="2743200" indent="0">
-              <a:buNone/>
-              <a:defRPr sz="2000"/>
+            <a:lvl7pPr marL="3657509" indent="0">
+              <a:buNone/>
+              <a:defRPr sz="1333"/>
             </a:lvl7pPr>
-            <a:lvl8pPr marL="3200400" indent="0">
-              <a:buNone/>
-              <a:defRPr sz="2000"/>
+            <a:lvl8pPr marL="4267093" indent="0">
+              <a:buNone/>
+              <a:defRPr sz="1333"/>
             </a:lvl8pPr>
-            <a:lvl9pPr marL="3657600" indent="0">
-              <a:buNone/>
-              <a:defRPr sz="2000"/>
+            <a:lvl9pPr marL="4876678" indent="0">
+              <a:buNone/>
+              <a:defRPr sz="1333"/>
             </a:lvl9pPr>
           </a:lstStyle>
           <a:p>
-            <a:endParaRPr lang="en-US"/>
-          </a:p>
-        </p:txBody>
-      </p:sp>
-      <p:sp>
-        <p:nvSpPr>
-          <p:cNvPr id="4" name="Text Placeholder 3"/>
-          <p:cNvSpPr>
-            <a:spLocks noGrp="1"/>
-          </p:cNvSpPr>
-          <p:nvPr>
-            <p:ph type="body" sz="half" idx="2"/>
-          </p:nvPr>
-        </p:nvSpPr>
-        <p:spPr>
-          <a:xfrm>
-            <a:off x="1792288" y="5367338"/>
-            <a:ext cx="5486400" cy="804862"/>
-          </a:xfrm>
-        </p:spPr>
-        <p:txBody>
-          <a:bodyPr/>
-          <a:lstStyle>
-            <a:lvl1pPr marL="0" indent="0">
-              <a:buNone/>
-              <a:defRPr sz="1400"/>
-            </a:lvl1pPr>
-            <a:lvl2pPr marL="457200" indent="0">
-              <a:buNone/>
-              <a:defRPr sz="1200"/>
-            </a:lvl2pPr>
-            <a:lvl3pPr marL="914400" indent="0">
-              <a:buNone/>
-              <a:defRPr sz="1000"/>
-            </a:lvl3pPr>
-            <a:lvl4pPr marL="1371600" indent="0">
-              <a:buNone/>
-              <a:defRPr sz="900"/>
-            </a:lvl4pPr>
-            <a:lvl5pPr marL="1828800" indent="0">
-              <a:buNone/>
-              <a:defRPr sz="900"/>
-            </a:lvl5pPr>
-            <a:lvl6pPr marL="2286000" indent="0">
-              <a:buNone/>
-              <a:defRPr sz="900"/>
-            </a:lvl6pPr>
-            <a:lvl7pPr marL="2743200" indent="0">
-              <a:buNone/>
-              <a:defRPr sz="900"/>
-            </a:lvl7pPr>
-            <a:lvl8pPr marL="3200400" indent="0">
-              <a:buNone/>
-              <a:defRPr sz="900"/>
-            </a:lvl8pPr>
-            <a:lvl9pPr marL="3657600" indent="0">
-              <a:buNone/>
-              <a:defRPr sz="900"/>
-            </a:lvl9pPr>
-          </a:lstStyle>
-          <a:p>
             <a:pPr lvl="0"/>
             <a:r>
-              <a:rPr lang="en-US" smtClean="0"/>
+              <a:rPr lang="en-US" dirty="0"/>
               <a:t>Click to edit Master text styles</a:t>
             </a:r>
           </a:p>
@@ -2496,7 +3203,13 @@
       </p:sp>
       <p:sp>
         <p:nvSpPr>
-          <p:cNvPr id="5" name="Date Placeholder 4"/>
+          <p:cNvPr id="5" name="Date Placeholder 4">
+            <a:extLst>
+              <a:ext uri="{FF2B5EF4-FFF2-40B4-BE49-F238E27FC236}">
+                <a16:creationId xmlns:a16="http://schemas.microsoft.com/office/drawing/2014/main" id="{920B235E-39C7-4C78-20EF-DB48ECD9CB90}"/>
+              </a:ext>
+            </a:extLst>
+          </p:cNvPr>
           <p:cNvSpPr>
             <a:spLocks noGrp="1"/>
           </p:cNvSpPr>
@@ -2509,17 +3222,23 @@
           <a:bodyPr/>
           <a:lstStyle/>
           <a:p>
-            <a:fld id="{5BCAD085-E8A6-8845-BD4E-CB4CCA059FC4}" type="datetimeFigureOut">
-              <a:rPr lang="en-US" smtClean="0"/>
-              <a:t>1/27/13</a:t>
+            <a:fld id="{F39F93E5-AFB6-485C-8E3C-32F92A07875F}" type="datetimeFigureOut">
+              <a:rPr lang="en-US" dirty="0"/>
+              <a:t>7/25/2025</a:t>
             </a:fld>
-            <a:endParaRPr lang="en-US"/>
-          </a:p>
-        </p:txBody>
-      </p:sp>
-      <p:sp>
-        <p:nvSpPr>
-          <p:cNvPr id="6" name="Footer Placeholder 5"/>
+            <a:endParaRPr lang="en-US" dirty="0"/>
+          </a:p>
+        </p:txBody>
+      </p:sp>
+      <p:sp>
+        <p:nvSpPr>
+          <p:cNvPr id="6" name="Footer Placeholder 5">
+            <a:extLst>
+              <a:ext uri="{FF2B5EF4-FFF2-40B4-BE49-F238E27FC236}">
+                <a16:creationId xmlns:a16="http://schemas.microsoft.com/office/drawing/2014/main" id="{7FDC75DA-9A78-9AB9-7171-95A08CC51C56}"/>
+              </a:ext>
+            </a:extLst>
+          </p:cNvPr>
           <p:cNvSpPr>
             <a:spLocks noGrp="1"/>
           </p:cNvSpPr>
@@ -2532,13 +3251,23 @@
           <a:bodyPr/>
           <a:lstStyle/>
           <a:p>
-            <a:endParaRPr lang="en-US"/>
-          </a:p>
-        </p:txBody>
-      </p:sp>
-      <p:sp>
-        <p:nvSpPr>
-          <p:cNvPr id="7" name="Slide Number Placeholder 6"/>
+            <a:r>
+              <a:rPr lang="en-US" dirty="0"/>
+              <a:t>
+              </a:t>
+            </a:r>
+          </a:p>
+        </p:txBody>
+      </p:sp>
+      <p:sp>
+        <p:nvSpPr>
+          <p:cNvPr id="7" name="Slide Number Placeholder 6">
+            <a:extLst>
+              <a:ext uri="{FF2B5EF4-FFF2-40B4-BE49-F238E27FC236}">
+                <a16:creationId xmlns:a16="http://schemas.microsoft.com/office/drawing/2014/main" id="{5EFE1A03-DCCB-53C7-DBFE-2AD55C90591B}"/>
+              </a:ext>
+            </a:extLst>
+          </p:cNvPr>
           <p:cNvSpPr>
             <a:spLocks noGrp="1"/>
           </p:cNvSpPr>
@@ -2551,18 +3280,18 @@
           <a:bodyPr/>
           <a:lstStyle/>
           <a:p>
-            <a:fld id="{C1FF6DA9-008F-8B48-92A6-B652298478BF}" type="slidenum">
-              <a:rPr lang="en-US" smtClean="0"/>
+            <a:fld id="{CC057153-B650-4DEB-B370-79DDCFDCE934}" type="slidenum">
+              <a:rPr lang="en-US" dirty="0"/>
               <a:t>‹#›</a:t>
             </a:fld>
-            <a:endParaRPr lang="en-US"/>
+            <a:endParaRPr lang="en-US" dirty="0"/>
           </a:p>
         </p:txBody>
       </p:sp>
     </p:spTree>
     <p:extLst>
       <p:ext uri="{BB962C8B-B14F-4D97-AF65-F5344CB8AC3E}">
-        <p14:creationId xmlns:p14="http://schemas.microsoft.com/office/powerpoint/2010/main" val="3889236939"/>
+        <p14:creationId xmlns:p14="http://schemas.microsoft.com/office/powerpoint/2010/main" val="1746386073"/>
       </p:ext>
     </p:extLst>
   </p:cSld>
@@ -2576,9 +3305,15 @@
 <p:sldMaster xmlns:a="http://schemas.openxmlformats.org/drawingml/2006/main" xmlns:r="http://schemas.openxmlformats.org/officeDocument/2006/relationships" xmlns:p="http://schemas.openxmlformats.org/presentationml/2006/main">
   <p:cSld>
     <p:bg>
-      <p:bgRef idx="1001">
-        <a:schemeClr val="bg1"/>
-      </p:bgRef>
+      <p:bgPr>
+        <a:solidFill>
+          <a:schemeClr val="accent1">
+            <a:lumMod val="20000"/>
+            <a:lumOff val="80000"/>
+          </a:schemeClr>
+        </a:solidFill>
+        <a:effectLst/>
+      </p:bgPr>
     </p:bg>
     <p:spTree>
       <p:nvGrpSpPr>
@@ -2596,7 +3331,13 @@
       </p:grpSpPr>
       <p:sp>
         <p:nvSpPr>
-          <p:cNvPr id="2" name="Title Placeholder 1"/>
+          <p:cNvPr id="2" name="Title Placeholder 1">
+            <a:extLst>
+              <a:ext uri="{FF2B5EF4-FFF2-40B4-BE49-F238E27FC236}">
+                <a16:creationId xmlns:a16="http://schemas.microsoft.com/office/drawing/2014/main" id="{475BFB69-9245-EC58-F1DE-FEB625BD336A}"/>
+              </a:ext>
+            </a:extLst>
+          </p:cNvPr>
           <p:cNvSpPr>
             <a:spLocks noGrp="1"/>
           </p:cNvSpPr>
@@ -2606,30 +3347,35 @@
         </p:nvSpPr>
         <p:spPr>
           <a:xfrm>
-            <a:off x="457200" y="274638"/>
-            <a:ext cx="8229600" cy="1143000"/>
+            <a:off x="459486" y="548640"/>
+            <a:ext cx="7990184" cy="1132258"/>
           </a:xfrm>
           <a:prstGeom prst="rect">
             <a:avLst/>
           </a:prstGeom>
         </p:spPr>
         <p:txBody>
-          <a:bodyPr vert="horz" lIns="91440" tIns="45720" rIns="91440" bIns="45720" rtlCol="0" anchor="ctr">
+          <a:bodyPr vert="horz" lIns="91440" tIns="45720" rIns="91440" bIns="45720" rtlCol="0" anchor="t">
             <a:normAutofit/>
           </a:bodyPr>
           <a:lstStyle/>
           <a:p>
             <a:r>
-              <a:rPr lang="en-US" smtClean="0"/>
+              <a:rPr lang="en-US" dirty="0"/>
               <a:t>Click to edit Master title style</a:t>
             </a:r>
-            <a:endParaRPr lang="en-US"/>
-          </a:p>
-        </p:txBody>
-      </p:sp>
-      <p:sp>
-        <p:nvSpPr>
-          <p:cNvPr id="3" name="Text Placeholder 2"/>
+          </a:p>
+        </p:txBody>
+      </p:sp>
+      <p:sp>
+        <p:nvSpPr>
+          <p:cNvPr id="3" name="Text Placeholder 2">
+            <a:extLst>
+              <a:ext uri="{FF2B5EF4-FFF2-40B4-BE49-F238E27FC236}">
+                <a16:creationId xmlns:a16="http://schemas.microsoft.com/office/drawing/2014/main" id="{5516AFD5-5144-C460-0CA4-644BC4A93C02}"/>
+              </a:ext>
+            </a:extLst>
+          </p:cNvPr>
           <p:cNvSpPr>
             <a:spLocks noGrp="1"/>
           </p:cNvSpPr>
@@ -2639,8 +3385,8 @@
         </p:nvSpPr>
         <p:spPr>
           <a:xfrm>
-            <a:off x="457200" y="1600200"/>
-            <a:ext cx="8229600" cy="4525963"/>
+            <a:off x="459486" y="1715532"/>
+            <a:ext cx="7990184" cy="4593828"/>
           </a:xfrm>
           <a:prstGeom prst="rect">
             <a:avLst/>
@@ -2654,44 +3400,49 @@
           <a:p>
             <a:pPr lvl="0"/>
             <a:r>
-              <a:rPr lang="en-US" smtClean="0"/>
+              <a:rPr lang="en-US" dirty="0"/>
               <a:t>Click to edit Master text styles</a:t>
             </a:r>
           </a:p>
           <a:p>
             <a:pPr lvl="1"/>
             <a:r>
-              <a:rPr lang="en-US" smtClean="0"/>
+              <a:rPr lang="en-US" dirty="0"/>
               <a:t>Second level</a:t>
             </a:r>
           </a:p>
           <a:p>
             <a:pPr lvl="2"/>
             <a:r>
-              <a:rPr lang="en-US" smtClean="0"/>
+              <a:rPr lang="en-US" dirty="0"/>
               <a:t>Third level</a:t>
             </a:r>
           </a:p>
           <a:p>
             <a:pPr lvl="3"/>
             <a:r>
-              <a:rPr lang="en-US" smtClean="0"/>
+              <a:rPr lang="en-US" dirty="0"/>
               <a:t>Fourth level</a:t>
             </a:r>
           </a:p>
           <a:p>
             <a:pPr lvl="4"/>
             <a:r>
-              <a:rPr lang="en-US" smtClean="0"/>
+              <a:rPr lang="en-US" dirty="0"/>
               <a:t>Fifth level</a:t>
             </a:r>
-            <a:endParaRPr lang="en-US"/>
-          </a:p>
-        </p:txBody>
-      </p:sp>
-      <p:sp>
-        <p:nvSpPr>
-          <p:cNvPr id="4" name="Date Placeholder 3"/>
+          </a:p>
+        </p:txBody>
+      </p:sp>
+      <p:sp>
+        <p:nvSpPr>
+          <p:cNvPr id="4" name="Date Placeholder 3">
+            <a:extLst>
+              <a:ext uri="{FF2B5EF4-FFF2-40B4-BE49-F238E27FC236}">
+                <a16:creationId xmlns:a16="http://schemas.microsoft.com/office/drawing/2014/main" id="{3995753E-AF8A-7E04-8A1A-205B755A0215}"/>
+              </a:ext>
+            </a:extLst>
+          </p:cNvPr>
           <p:cNvSpPr>
             <a:spLocks noGrp="1"/>
           </p:cNvSpPr>
@@ -2701,8 +3452,8 @@
         </p:nvSpPr>
         <p:spPr>
           <a:xfrm>
-            <a:off x="457200" y="6356350"/>
-            <a:ext cx="2133600" cy="365125"/>
+            <a:off x="102870" y="6453003"/>
+            <a:ext cx="2620736" cy="365125"/>
           </a:xfrm>
           <a:prstGeom prst="rect">
             <a:avLst/>
@@ -2714,25 +3465,29 @@
             <a:lvl1pPr algn="l">
               <a:defRPr sz="1200">
                 <a:solidFill>
-                  <a:schemeClr val="tx1">
-                    <a:tint val="75000"/>
-                  </a:schemeClr>
+                  <a:schemeClr val="tx1"/>
                 </a:solidFill>
               </a:defRPr>
             </a:lvl1pPr>
           </a:lstStyle>
           <a:p>
-            <a:fld id="{5BCAD085-E8A6-8845-BD4E-CB4CCA059FC4}" type="datetimeFigureOut">
-              <a:rPr lang="en-US" smtClean="0"/>
-              <a:t>1/27/13</a:t>
+            <a:fld id="{3A332BE1-279E-4118-9FE3-7952B079A510}" type="datetimeFigureOut">
+              <a:rPr lang="en-US" dirty="0"/>
+              <a:t>7/25/2025</a:t>
             </a:fld>
-            <a:endParaRPr lang="en-US"/>
-          </a:p>
-        </p:txBody>
-      </p:sp>
-      <p:sp>
-        <p:nvSpPr>
-          <p:cNvPr id="5" name="Footer Placeholder 4"/>
+            <a:endParaRPr lang="en-US" dirty="0"/>
+          </a:p>
+        </p:txBody>
+      </p:sp>
+      <p:sp>
+        <p:nvSpPr>
+          <p:cNvPr id="5" name="Footer Placeholder 4">
+            <a:extLst>
+              <a:ext uri="{FF2B5EF4-FFF2-40B4-BE49-F238E27FC236}">
+                <a16:creationId xmlns:a16="http://schemas.microsoft.com/office/drawing/2014/main" id="{D4E1B7C8-DA74-800B-EE14-A39E9DB32DE4}"/>
+              </a:ext>
+            </a:extLst>
+          </p:cNvPr>
           <p:cNvSpPr>
             <a:spLocks noGrp="1"/>
           </p:cNvSpPr>
@@ -2742,8 +3497,8 @@
         </p:nvSpPr>
         <p:spPr>
           <a:xfrm>
-            <a:off x="3124200" y="6356350"/>
-            <a:ext cx="2895600" cy="365125"/>
+            <a:off x="6657391" y="6453003"/>
+            <a:ext cx="2104054" cy="365125"/>
           </a:xfrm>
           <a:prstGeom prst="rect">
             <a:avLst/>
@@ -2752,24 +3507,32 @@
         <p:txBody>
           <a:bodyPr vert="horz" lIns="91440" tIns="45720" rIns="91440" bIns="45720" rtlCol="0" anchor="ctr"/>
           <a:lstStyle>
-            <a:lvl1pPr algn="ctr">
+            <a:lvl1pPr algn="r">
               <a:defRPr sz="1200">
                 <a:solidFill>
-                  <a:schemeClr val="tx1">
-                    <a:tint val="75000"/>
-                  </a:schemeClr>
+                  <a:schemeClr val="tx1"/>
                 </a:solidFill>
               </a:defRPr>
             </a:lvl1pPr>
           </a:lstStyle>
           <a:p>
-            <a:endParaRPr lang="en-US"/>
-          </a:p>
-        </p:txBody>
-      </p:sp>
-      <p:sp>
-        <p:nvSpPr>
-          <p:cNvPr id="6" name="Slide Number Placeholder 5"/>
+            <a:r>
+              <a:rPr lang="en-US" dirty="0"/>
+              <a:t>
+              </a:t>
+            </a:r>
+          </a:p>
+        </p:txBody>
+      </p:sp>
+      <p:sp>
+        <p:nvSpPr>
+          <p:cNvPr id="6" name="Slide Number Placeholder 5">
+            <a:extLst>
+              <a:ext uri="{FF2B5EF4-FFF2-40B4-BE49-F238E27FC236}">
+                <a16:creationId xmlns:a16="http://schemas.microsoft.com/office/drawing/2014/main" id="{7AC1647D-0DF0-CA1B-F723-EF7B8F508DB7}"/>
+              </a:ext>
+            </a:extLst>
+          </p:cNvPr>
           <p:cNvSpPr>
             <a:spLocks noGrp="1"/>
           </p:cNvSpPr>
@@ -2779,8 +3542,8 @@
         </p:nvSpPr>
         <p:spPr>
           <a:xfrm>
-            <a:off x="6553200" y="6356350"/>
-            <a:ext cx="2133600" cy="365125"/>
+            <a:off x="8724122" y="6453003"/>
+            <a:ext cx="321905" cy="365125"/>
           </a:xfrm>
           <a:prstGeom prst="rect">
             <a:avLst/>
@@ -2792,51 +3555,53 @@
             <a:lvl1pPr algn="r">
               <a:defRPr sz="1200">
                 <a:solidFill>
-                  <a:schemeClr val="tx1">
-                    <a:tint val="75000"/>
-                  </a:schemeClr>
+                  <a:schemeClr val="tx1"/>
                 </a:solidFill>
               </a:defRPr>
             </a:lvl1pPr>
           </a:lstStyle>
           <a:p>
-            <a:fld id="{C1FF6DA9-008F-8B48-92A6-B652298478BF}" type="slidenum">
-              <a:rPr lang="en-US" smtClean="0"/>
+            <a:fld id="{CC057153-B650-4DEB-B370-79DDCFDCE934}" type="slidenum">
+              <a:rPr lang="en-US" dirty="0"/>
               <a:t>‹#›</a:t>
             </a:fld>
-            <a:endParaRPr lang="en-US"/>
+            <a:endParaRPr lang="en-US" dirty="0"/>
           </a:p>
         </p:txBody>
       </p:sp>
     </p:spTree>
     <p:extLst>
       <p:ext uri="{BB962C8B-B14F-4D97-AF65-F5344CB8AC3E}">
-        <p14:creationId xmlns:p14="http://schemas.microsoft.com/office/powerpoint/2010/main" val="2209977519"/>
+        <p14:creationId xmlns:p14="http://schemas.microsoft.com/office/powerpoint/2010/main" val="2604956809"/>
       </p:ext>
     </p:extLst>
   </p:cSld>
   <p:clrMap bg1="lt1" tx1="dk1" bg2="lt2" tx2="dk2" accent1="accent1" accent2="accent2" accent3="accent3" accent4="accent4" accent5="accent5" accent6="accent6" hlink="hlink" folHlink="folHlink"/>
   <p:sldLayoutIdLst>
-    <p:sldLayoutId id="2147483649" r:id="rId1"/>
-    <p:sldLayoutId id="2147483650" r:id="rId2"/>
-    <p:sldLayoutId id="2147483651" r:id="rId3"/>
-    <p:sldLayoutId id="2147483652" r:id="rId4"/>
-    <p:sldLayoutId id="2147483653" r:id="rId5"/>
-    <p:sldLayoutId id="2147483654" r:id="rId6"/>
-    <p:sldLayoutId id="2147483655" r:id="rId7"/>
-    <p:sldLayoutId id="2147483656" r:id="rId8"/>
-    <p:sldLayoutId id="2147483657" r:id="rId9"/>
-    <p:sldLayoutId id="2147483658" r:id="rId10"/>
-    <p:sldLayoutId id="2147483659" r:id="rId11"/>
+    <p:sldLayoutId id="2147483673" r:id="rId1"/>
+    <p:sldLayoutId id="2147483674" r:id="rId2"/>
+    <p:sldLayoutId id="2147483675" r:id="rId3"/>
+    <p:sldLayoutId id="2147483676" r:id="rId4"/>
+    <p:sldLayoutId id="2147483677" r:id="rId5"/>
+    <p:sldLayoutId id="2147483678" r:id="rId6"/>
+    <p:sldLayoutId id="2147483679" r:id="rId7"/>
+    <p:sldLayoutId id="2147483680" r:id="rId8"/>
+    <p:sldLayoutId id="2147483681" r:id="rId9"/>
+    <p:sldLayoutId id="2147483682" r:id="rId10"/>
+    <p:sldLayoutId id="2147483683" r:id="rId11"/>
   </p:sldLayoutIdLst>
+  <p:hf hdr="0"/>
   <p:txStyles>
     <p:titleStyle>
-      <a:lvl1pPr algn="ctr" defTabSz="457200" rtl="0" eaLnBrk="1" latinLnBrk="0" hangingPunct="1">
+      <a:lvl1pPr algn="l" defTabSz="914400" rtl="0" eaLnBrk="1" latinLnBrk="0" hangingPunct="1">
+        <a:lnSpc>
+          <a:spcPct val="90000"/>
+        </a:lnSpc>
         <a:spcBef>
           <a:spcPct val="0"/>
         </a:spcBef>
         <a:buNone/>
-        <a:defRPr sz="4400" kern="1200">
+        <a:defRPr sz="3600" b="1" kern="1200">
           <a:solidFill>
             <a:schemeClr val="tx1"/>
           </a:solidFill>
@@ -2847,86 +3612,14 @@
       </a:lvl1pPr>
     </p:titleStyle>
     <p:bodyStyle>
-      <a:lvl1pPr marL="342900" indent="-342900" algn="l" defTabSz="457200" rtl="0" eaLnBrk="1" latinLnBrk="0" hangingPunct="1">
+      <a:lvl1pPr marL="228600" indent="-228600" algn="l" defTabSz="914400" rtl="0" eaLnBrk="1" latinLnBrk="0" hangingPunct="1">
+        <a:lnSpc>
+          <a:spcPct val="120000"/>
+        </a:lnSpc>
         <a:spcBef>
-          <a:spcPct val="20000"/>
+          <a:spcPts val="1000"/>
         </a:spcBef>
-        <a:buFont typeface="Arial"/>
-        <a:buChar char="•"/>
-        <a:defRPr sz="3200" kern="1200">
-          <a:solidFill>
-            <a:schemeClr val="tx1"/>
-          </a:solidFill>
-          <a:latin typeface="+mn-lt"/>
-          <a:ea typeface="+mn-ea"/>
-          <a:cs typeface="+mn-cs"/>
-        </a:defRPr>
-      </a:lvl1pPr>
-      <a:lvl2pPr marL="742950" indent="-285750" algn="l" defTabSz="457200" rtl="0" eaLnBrk="1" latinLnBrk="0" hangingPunct="1">
-        <a:spcBef>
-          <a:spcPct val="20000"/>
-        </a:spcBef>
-        <a:buFont typeface="Arial"/>
-        <a:buChar char="–"/>
-        <a:defRPr sz="2800" kern="1200">
-          <a:solidFill>
-            <a:schemeClr val="tx1"/>
-          </a:solidFill>
-          <a:latin typeface="+mn-lt"/>
-          <a:ea typeface="+mn-ea"/>
-          <a:cs typeface="+mn-cs"/>
-        </a:defRPr>
-      </a:lvl2pPr>
-      <a:lvl3pPr marL="1143000" indent="-228600" algn="l" defTabSz="457200" rtl="0" eaLnBrk="1" latinLnBrk="0" hangingPunct="1">
-        <a:spcBef>
-          <a:spcPct val="20000"/>
-        </a:spcBef>
-        <a:buFont typeface="Arial"/>
-        <a:buChar char="•"/>
-        <a:defRPr sz="2400" kern="1200">
-          <a:solidFill>
-            <a:schemeClr val="tx1"/>
-          </a:solidFill>
-          <a:latin typeface="+mn-lt"/>
-          <a:ea typeface="+mn-ea"/>
-          <a:cs typeface="+mn-cs"/>
-        </a:defRPr>
-      </a:lvl3pPr>
-      <a:lvl4pPr marL="1600200" indent="-228600" algn="l" defTabSz="457200" rtl="0" eaLnBrk="1" latinLnBrk="0" hangingPunct="1">
-        <a:spcBef>
-          <a:spcPct val="20000"/>
-        </a:spcBef>
-        <a:buFont typeface="Arial"/>
-        <a:buChar char="–"/>
-        <a:defRPr sz="2000" kern="1200">
-          <a:solidFill>
-            <a:schemeClr val="tx1"/>
-          </a:solidFill>
-          <a:latin typeface="+mn-lt"/>
-          <a:ea typeface="+mn-ea"/>
-          <a:cs typeface="+mn-cs"/>
-        </a:defRPr>
-      </a:lvl4pPr>
-      <a:lvl5pPr marL="2057400" indent="-228600" algn="l" defTabSz="457200" rtl="0" eaLnBrk="1" latinLnBrk="0" hangingPunct="1">
-        <a:spcBef>
-          <a:spcPct val="20000"/>
-        </a:spcBef>
-        <a:buFont typeface="Arial"/>
-        <a:buChar char="»"/>
-        <a:defRPr sz="2000" kern="1200">
-          <a:solidFill>
-            <a:schemeClr val="tx1"/>
-          </a:solidFill>
-          <a:latin typeface="+mn-lt"/>
-          <a:ea typeface="+mn-ea"/>
-          <a:cs typeface="+mn-cs"/>
-        </a:defRPr>
-      </a:lvl5pPr>
-      <a:lvl6pPr marL="2514600" indent="-228600" algn="l" defTabSz="457200" rtl="0" eaLnBrk="1" latinLnBrk="0" hangingPunct="1">
-        <a:spcBef>
-          <a:spcPct val="20000"/>
-        </a:spcBef>
-        <a:buFont typeface="Arial"/>
+        <a:buFont typeface="Arial" panose="020B0604020202020204" pitchFamily="34" charset="0"/>
         <a:buChar char="•"/>
         <a:defRPr sz="2000" kern="1200">
           <a:solidFill>
@@ -2936,14 +3629,107 @@
           <a:ea typeface="+mn-ea"/>
           <a:cs typeface="+mn-cs"/>
         </a:defRPr>
+      </a:lvl1pPr>
+      <a:lvl2pPr marL="457200" indent="-228600" algn="l" defTabSz="914400" rtl="0" eaLnBrk="1" latinLnBrk="0" hangingPunct="1">
+        <a:lnSpc>
+          <a:spcPct val="120000"/>
+        </a:lnSpc>
+        <a:spcBef>
+          <a:spcPts val="500"/>
+        </a:spcBef>
+        <a:buFont typeface="Arial" panose="020B0604020202020204" pitchFamily="34" charset="0"/>
+        <a:buChar char="•"/>
+        <a:defRPr sz="1800" kern="1200">
+          <a:solidFill>
+            <a:schemeClr val="tx1"/>
+          </a:solidFill>
+          <a:latin typeface="+mn-lt"/>
+          <a:ea typeface="+mn-ea"/>
+          <a:cs typeface="+mn-cs"/>
+        </a:defRPr>
+      </a:lvl2pPr>
+      <a:lvl3pPr marL="685800" indent="-228600" algn="l" defTabSz="914400" rtl="0" eaLnBrk="1" latinLnBrk="0" hangingPunct="1">
+        <a:lnSpc>
+          <a:spcPct val="120000"/>
+        </a:lnSpc>
+        <a:spcBef>
+          <a:spcPts val="500"/>
+        </a:spcBef>
+        <a:buFont typeface="Arial" panose="020B0604020202020204" pitchFamily="34" charset="0"/>
+        <a:buChar char="•"/>
+        <a:defRPr sz="1600" kern="1200">
+          <a:solidFill>
+            <a:schemeClr val="tx1"/>
+          </a:solidFill>
+          <a:latin typeface="+mn-lt"/>
+          <a:ea typeface="+mn-ea"/>
+          <a:cs typeface="+mn-cs"/>
+        </a:defRPr>
+      </a:lvl3pPr>
+      <a:lvl4pPr marL="914400" indent="-228600" algn="l" defTabSz="914400" rtl="0" eaLnBrk="1" latinLnBrk="0" hangingPunct="1">
+        <a:lnSpc>
+          <a:spcPct val="120000"/>
+        </a:lnSpc>
+        <a:spcBef>
+          <a:spcPts val="500"/>
+        </a:spcBef>
+        <a:buFont typeface="Arial" panose="020B0604020202020204" pitchFamily="34" charset="0"/>
+        <a:buChar char="•"/>
+        <a:defRPr sz="1400" kern="1200">
+          <a:solidFill>
+            <a:schemeClr val="tx1"/>
+          </a:solidFill>
+          <a:latin typeface="+mn-lt"/>
+          <a:ea typeface="+mn-ea"/>
+          <a:cs typeface="+mn-cs"/>
+        </a:defRPr>
+      </a:lvl4pPr>
+      <a:lvl5pPr marL="1143000" indent="-228600" algn="l" defTabSz="914400" rtl="0" eaLnBrk="1" latinLnBrk="0" hangingPunct="1">
+        <a:lnSpc>
+          <a:spcPct val="120000"/>
+        </a:lnSpc>
+        <a:spcBef>
+          <a:spcPts val="500"/>
+        </a:spcBef>
+        <a:buFont typeface="Arial" panose="020B0604020202020204" pitchFamily="34" charset="0"/>
+        <a:buChar char="•"/>
+        <a:defRPr sz="1200" kern="1200">
+          <a:solidFill>
+            <a:schemeClr val="tx1"/>
+          </a:solidFill>
+          <a:latin typeface="+mn-lt"/>
+          <a:ea typeface="+mn-ea"/>
+          <a:cs typeface="+mn-cs"/>
+        </a:defRPr>
+      </a:lvl5pPr>
+      <a:lvl6pPr marL="2514600" indent="-228600" algn="l" defTabSz="914400" rtl="0" eaLnBrk="1" latinLnBrk="0" hangingPunct="1">
+        <a:lnSpc>
+          <a:spcPct val="90000"/>
+        </a:lnSpc>
+        <a:spcBef>
+          <a:spcPts val="500"/>
+        </a:spcBef>
+        <a:buFont typeface="Arial" panose="020B0604020202020204" pitchFamily="34" charset="0"/>
+        <a:buChar char="•"/>
+        <a:defRPr sz="1800" kern="1200">
+          <a:solidFill>
+            <a:schemeClr val="tx1"/>
+          </a:solidFill>
+          <a:latin typeface="+mn-lt"/>
+          <a:ea typeface="+mn-ea"/>
+          <a:cs typeface="+mn-cs"/>
+        </a:defRPr>
       </a:lvl6pPr>
-      <a:lvl7pPr marL="2971800" indent="-228600" algn="l" defTabSz="457200" rtl="0" eaLnBrk="1" latinLnBrk="0" hangingPunct="1">
+      <a:lvl7pPr marL="2971800" indent="-228600" algn="l" defTabSz="914400" rtl="0" eaLnBrk="1" latinLnBrk="0" hangingPunct="1">
+        <a:lnSpc>
+          <a:spcPct val="90000"/>
+        </a:lnSpc>
         <a:spcBef>
-          <a:spcPct val="20000"/>
+          <a:spcPts val="500"/>
         </a:spcBef>
-        <a:buFont typeface="Arial"/>
+        <a:buFont typeface="Arial" panose="020B0604020202020204" pitchFamily="34" charset="0"/>
         <a:buChar char="•"/>
-        <a:defRPr sz="2000" kern="1200">
+        <a:defRPr sz="1800" kern="1200">
           <a:solidFill>
             <a:schemeClr val="tx1"/>
           </a:solidFill>
@@ -2952,13 +3738,16 @@
           <a:cs typeface="+mn-cs"/>
         </a:defRPr>
       </a:lvl7pPr>
-      <a:lvl8pPr marL="3429000" indent="-228600" algn="l" defTabSz="457200" rtl="0" eaLnBrk="1" latinLnBrk="0" hangingPunct="1">
+      <a:lvl8pPr marL="3429000" indent="-228600" algn="l" defTabSz="914400" rtl="0" eaLnBrk="1" latinLnBrk="0" hangingPunct="1">
+        <a:lnSpc>
+          <a:spcPct val="90000"/>
+        </a:lnSpc>
         <a:spcBef>
-          <a:spcPct val="20000"/>
+          <a:spcPts val="500"/>
         </a:spcBef>
-        <a:buFont typeface="Arial"/>
+        <a:buFont typeface="Arial" panose="020B0604020202020204" pitchFamily="34" charset="0"/>
         <a:buChar char="•"/>
-        <a:defRPr sz="2000" kern="1200">
+        <a:defRPr sz="1800" kern="1200">
           <a:solidFill>
             <a:schemeClr val="tx1"/>
           </a:solidFill>
@@ -2967,13 +3756,16 @@
           <a:cs typeface="+mn-cs"/>
         </a:defRPr>
       </a:lvl8pPr>
-      <a:lvl9pPr marL="3886200" indent="-228600" algn="l" defTabSz="457200" rtl="0" eaLnBrk="1" latinLnBrk="0" hangingPunct="1">
+      <a:lvl9pPr marL="3886200" indent="-228600" algn="l" defTabSz="914400" rtl="0" eaLnBrk="1" latinLnBrk="0" hangingPunct="1">
+        <a:lnSpc>
+          <a:spcPct val="90000"/>
+        </a:lnSpc>
         <a:spcBef>
-          <a:spcPct val="20000"/>
+          <a:spcPts val="500"/>
         </a:spcBef>
-        <a:buFont typeface="Arial"/>
+        <a:buFont typeface="Arial" panose="020B0604020202020204" pitchFamily="34" charset="0"/>
         <a:buChar char="•"/>
-        <a:defRPr sz="2000" kern="1200">
+        <a:defRPr sz="1800" kern="1200">
           <a:solidFill>
             <a:schemeClr val="tx1"/>
           </a:solidFill>
@@ -2987,7 +3779,7 @@
       <a:defPPr>
         <a:defRPr lang="en-US"/>
       </a:defPPr>
-      <a:lvl1pPr marL="0" algn="l" defTabSz="457200" rtl="0" eaLnBrk="1" latinLnBrk="0" hangingPunct="1">
+      <a:lvl1pPr marL="0" algn="l" defTabSz="914400" rtl="0" eaLnBrk="1" latinLnBrk="0" hangingPunct="1">
         <a:defRPr sz="1800" kern="1200">
           <a:solidFill>
             <a:schemeClr val="tx1"/>
@@ -2997,7 +3789,7 @@
           <a:cs typeface="+mn-cs"/>
         </a:defRPr>
       </a:lvl1pPr>
-      <a:lvl2pPr marL="457200" algn="l" defTabSz="457200" rtl="0" eaLnBrk="1" latinLnBrk="0" hangingPunct="1">
+      <a:lvl2pPr marL="457200" algn="l" defTabSz="914400" rtl="0" eaLnBrk="1" latinLnBrk="0" hangingPunct="1">
         <a:defRPr sz="1800" kern="1200">
           <a:solidFill>
             <a:schemeClr val="tx1"/>
@@ -3007,7 +3799,7 @@
           <a:cs typeface="+mn-cs"/>
         </a:defRPr>
       </a:lvl2pPr>
-      <a:lvl3pPr marL="914400" algn="l" defTabSz="457200" rtl="0" eaLnBrk="1" latinLnBrk="0" hangingPunct="1">
+      <a:lvl3pPr marL="914400" algn="l" defTabSz="914400" rtl="0" eaLnBrk="1" latinLnBrk="0" hangingPunct="1">
         <a:defRPr sz="1800" kern="1200">
           <a:solidFill>
             <a:schemeClr val="tx1"/>
@@ -3017,7 +3809,7 @@
           <a:cs typeface="+mn-cs"/>
         </a:defRPr>
       </a:lvl3pPr>
-      <a:lvl4pPr marL="1371600" algn="l" defTabSz="457200" rtl="0" eaLnBrk="1" latinLnBrk="0" hangingPunct="1">
+      <a:lvl4pPr marL="1371600" algn="l" defTabSz="914400" rtl="0" eaLnBrk="1" latinLnBrk="0" hangingPunct="1">
         <a:defRPr sz="1800" kern="1200">
           <a:solidFill>
             <a:schemeClr val="tx1"/>
@@ -3027,7 +3819,7 @@
           <a:cs typeface="+mn-cs"/>
         </a:defRPr>
       </a:lvl4pPr>
-      <a:lvl5pPr marL="1828800" algn="l" defTabSz="457200" rtl="0" eaLnBrk="1" latinLnBrk="0" hangingPunct="1">
+      <a:lvl5pPr marL="1828800" algn="l" defTabSz="914400" rtl="0" eaLnBrk="1" latinLnBrk="0" hangingPunct="1">
         <a:defRPr sz="1800" kern="1200">
           <a:solidFill>
             <a:schemeClr val="tx1"/>
@@ -3037,7 +3829,7 @@
           <a:cs typeface="+mn-cs"/>
         </a:defRPr>
       </a:lvl5pPr>
-      <a:lvl6pPr marL="2286000" algn="l" defTabSz="457200" rtl="0" eaLnBrk="1" latinLnBrk="0" hangingPunct="1">
+      <a:lvl6pPr marL="2286000" algn="l" defTabSz="914400" rtl="0" eaLnBrk="1" latinLnBrk="0" hangingPunct="1">
         <a:defRPr sz="1800" kern="1200">
           <a:solidFill>
             <a:schemeClr val="tx1"/>
@@ -3047,7 +3839,7 @@
           <a:cs typeface="+mn-cs"/>
         </a:defRPr>
       </a:lvl6pPr>
-      <a:lvl7pPr marL="2743200" algn="l" defTabSz="457200" rtl="0" eaLnBrk="1" latinLnBrk="0" hangingPunct="1">
+      <a:lvl7pPr marL="2743200" algn="l" defTabSz="914400" rtl="0" eaLnBrk="1" latinLnBrk="0" hangingPunct="1">
         <a:defRPr sz="1800" kern="1200">
           <a:solidFill>
             <a:schemeClr val="tx1"/>
@@ -3057,7 +3849,7 @@
           <a:cs typeface="+mn-cs"/>
         </a:defRPr>
       </a:lvl7pPr>
-      <a:lvl8pPr marL="3200400" algn="l" defTabSz="457200" rtl="0" eaLnBrk="1" latinLnBrk="0" hangingPunct="1">
+      <a:lvl8pPr marL="3200400" algn="l" defTabSz="914400" rtl="0" eaLnBrk="1" latinLnBrk="0" hangingPunct="1">
         <a:defRPr sz="1800" kern="1200">
           <a:solidFill>
             <a:schemeClr val="tx1"/>
@@ -3067,7 +3859,7 @@
           <a:cs typeface="+mn-cs"/>
         </a:defRPr>
       </a:lvl8pPr>
-      <a:lvl9pPr marL="3657600" algn="l" defTabSz="457200" rtl="0" eaLnBrk="1" latinLnBrk="0" hangingPunct="1">
+      <a:lvl9pPr marL="3657600" algn="l" defTabSz="914400" rtl="0" eaLnBrk="1" latinLnBrk="0" hangingPunct="1">
         <a:defRPr sz="1800" kern="1200">
           <a:solidFill>
             <a:schemeClr val="tx1"/>
@@ -3079,11 +3871,27 @@
       </a:lvl9pPr>
     </p:otherStyle>
   </p:txStyles>
+  <p:extLst>
+    <p:ext uri="{27BBF7A9-308A-43DC-89C8-2F10F3537804}">
+      <p15:sldGuideLst xmlns:p15="http://schemas.microsoft.com/office/powerpoint/2012/main">
+        <p15:guide id="5" orient="horz" pos="2160" userDrawn="1">
+          <p15:clr>
+            <a:srgbClr val="F26B43"/>
+          </p15:clr>
+        </p15:guide>
+        <p15:guide id="6" pos="2880" userDrawn="1">
+          <p15:clr>
+            <a:srgbClr val="F26B43"/>
+          </p15:clr>
+        </p15:guide>
+      </p15:sldGuideLst>
+    </p:ext>
+  </p:extLst>
 </p:sldMaster>
 </file>
 
 <file path=ppt/slides/slide1.xml><?xml version="1.0" encoding="utf-8"?>
-<p:sld xmlns:a="http://schemas.openxmlformats.org/drawingml/2006/main" xmlns:p="http://schemas.openxmlformats.org/presentationml/2006/main" xmlns:r="http://schemas.openxmlformats.org/officeDocument/2006/relationships">
+<p:sld xmlns:a="http://schemas.openxmlformats.org/drawingml/2006/main" xmlns:r="http://schemas.openxmlformats.org/officeDocument/2006/relationships" xmlns:p="http://schemas.openxmlformats.org/presentationml/2006/main">
   <p:cSld>
     <p:spTree>
       <p:nvGrpSpPr>
@@ -3091,10 +3899,23 @@
         <p:cNvGrpSpPr/>
         <p:nvPr/>
       </p:nvGrpSpPr>
-      <p:grpSpPr/>
-      <p:sp>
-        <p:nvSpPr>
-          <p:cNvPr id="2" name="Title 1"/>
+      <p:grpSpPr>
+        <a:xfrm>
+          <a:off x="0" y="0"/>
+          <a:ext cx="0" cy="0"/>
+          <a:chOff x="0" y="0"/>
+          <a:chExt cx="0" cy="0"/>
+        </a:xfrm>
+      </p:grpSpPr>
+      <p:sp>
+        <p:nvSpPr>
+          <p:cNvPr id="2" name="Title 1">
+            <a:extLst>
+              <a:ext uri="{FF2B5EF4-FFF2-40B4-BE49-F238E27FC236}">
+                <a16:creationId xmlns:a16="http://schemas.microsoft.com/office/drawing/2014/main" id="{E36F7C42-C21C-3572-4F76-2E29D99754C6}"/>
+              </a:ext>
+            </a:extLst>
+          </p:cNvPr>
           <p:cNvSpPr>
             <a:spLocks noGrp="1"/>
           </p:cNvSpPr>
@@ -3102,25 +3923,121 @@
             <p:ph type="title"/>
           </p:nvPr>
         </p:nvSpPr>
+        <p:spPr>
+          <a:xfrm>
+            <a:off x="576717" y="2518117"/>
+            <a:ext cx="7990184" cy="1132258"/>
+          </a:xfrm>
+        </p:spPr>
+        <p:txBody>
+          <a:bodyPr/>
+          <a:lstStyle/>
+          <a:p>
+            <a:pPr algn="ctr"/>
+            <a:r>
+              <a:rPr lang="en-US" dirty="0"/>
+              <a:t>HEALTHCARE</a:t>
+            </a:r>
+            <a:br>
+              <a:rPr lang="en-US" dirty="0"/>
+            </a:br>
+            <a:r>
+              <a:rPr lang="en-US" dirty="0"/>
+              <a:t>OVERVIEW</a:t>
+            </a:r>
+          </a:p>
+        </p:txBody>
+      </p:sp>
+      <p:sp>
+        <p:nvSpPr>
+          <p:cNvPr id="3" name="Content Placeholder 2">
+            <a:extLst>
+              <a:ext uri="{FF2B5EF4-FFF2-40B4-BE49-F238E27FC236}">
+                <a16:creationId xmlns:a16="http://schemas.microsoft.com/office/drawing/2014/main" id="{BF7FEF27-D869-5D56-65DD-26ECF1EC5A4A}"/>
+              </a:ext>
+            </a:extLst>
+          </p:cNvPr>
+          <p:cNvSpPr>
+            <a:spLocks noGrp="1"/>
+          </p:cNvSpPr>
+          <p:nvPr>
+            <p:ph idx="1"/>
+          </p:nvPr>
+        </p:nvSpPr>
+        <p:spPr>
+          <a:xfrm>
+            <a:off x="6215517" y="4658024"/>
+            <a:ext cx="7990184" cy="1979582"/>
+          </a:xfrm>
+        </p:spPr>
+        <p:txBody>
+          <a:bodyPr vert="horz" lIns="91440" tIns="45720" rIns="91440" bIns="45720" rtlCol="0" anchor="t">
+            <a:normAutofit/>
+          </a:bodyPr>
+          <a:lstStyle/>
+          <a:p>
+            <a:pPr marL="0" indent="0">
+              <a:buNone/>
+            </a:pPr>
+            <a:r>
+              <a:rPr lang="en-US" dirty="0"/>
+              <a:t>-By </a:t>
+            </a:r>
+            <a:endParaRPr lang="en-US"/>
+          </a:p>
+          <a:p>
+            <a:pPr marL="228600" lvl="1" indent="0">
+              <a:buNone/>
+            </a:pPr>
+            <a:r>
+              <a:rPr lang="en-US" dirty="0"/>
+              <a:t>Naveen T</a:t>
+            </a:r>
+          </a:p>
+        </p:txBody>
+      </p:sp>
+      <p:sp>
+        <p:nvSpPr>
+          <p:cNvPr id="4" name="Date Placeholder 3">
+            <a:extLst>
+              <a:ext uri="{FF2B5EF4-FFF2-40B4-BE49-F238E27FC236}">
+                <a16:creationId xmlns:a16="http://schemas.microsoft.com/office/drawing/2014/main" id="{37C1FB52-2967-DA46-CE6B-F3A76986B87D}"/>
+              </a:ext>
+            </a:extLst>
+          </p:cNvPr>
+          <p:cNvSpPr>
+            <a:spLocks noGrp="1"/>
+          </p:cNvSpPr>
+          <p:nvPr>
+            <p:ph type="dt" sz="half" idx="10"/>
+          </p:nvPr>
+        </p:nvSpPr>
         <p:spPr/>
         <p:txBody>
           <a:bodyPr/>
           <a:lstStyle/>
           <a:p>
-            <a:r>
-              <a:t>U.S. Healthcare System Overview</a:t>
-            </a:r>
-          </a:p>
-        </p:txBody>
-      </p:sp>
-      <p:sp>
-        <p:nvSpPr>
-          <p:cNvPr id="3" name="Content Placeholder 2"/>
-          <p:cNvSpPr>
-            <a:spLocks noGrp="1"/>
-          </p:cNvSpPr>
-          <p:nvPr>
-            <p:ph idx="1"/>
+            <a:fld id="{C250484D-F50E-4141-A753-0AE483D26F14}" type="datetime1">
+              <a:t>7/25/2025</a:t>
+            </a:fld>
+            <a:endParaRPr lang="en-US" dirty="0"/>
+          </a:p>
+        </p:txBody>
+      </p:sp>
+      <p:sp>
+        <p:nvSpPr>
+          <p:cNvPr id="5" name="Footer Placeholder 4">
+            <a:extLst>
+              <a:ext uri="{FF2B5EF4-FFF2-40B4-BE49-F238E27FC236}">
+                <a16:creationId xmlns:a16="http://schemas.microsoft.com/office/drawing/2014/main" id="{DB6C0CF8-27DB-54C3-B715-BCCB62BB100B}"/>
+              </a:ext>
+            </a:extLst>
+          </p:cNvPr>
+          <p:cNvSpPr>
+            <a:spLocks noGrp="1"/>
+          </p:cNvSpPr>
+          <p:nvPr>
+            <p:ph type="ftr" sz="quarter" idx="11"/>
           </p:nvPr>
         </p:nvSpPr>
         <p:spPr/>
@@ -3129,32 +4046,48 @@
           <a:lstStyle/>
           <a:p>
             <a:r>
-              <a:t>Unlike UK or Canada, the U.S. lacks universal healthcare.</a:t>
-            </a:r>
-          </a:p>
-          <a:p>
-            <a:r>
-              <a:t>Most people rely on private insurance or employer-sponsored plans.</a:t>
-            </a:r>
-          </a:p>
-          <a:p>
-            <a:r>
-              <a:t>Government programs:</a:t>
-            </a:r>
-          </a:p>
-          <a:p>
-            <a:r>
-              <a:t>- Medicare: For seniors (65+) and certain disabilities.</a:t>
-            </a:r>
-          </a:p>
-          <a:p>
-            <a:r>
-              <a:t>- Medicaid: For low-income individuals and families.</a:t>
-            </a:r>
+              <a:rPr lang="en-US" dirty="0"/>
+              <a:t>
+              </a:t>
+            </a:r>
+          </a:p>
+        </p:txBody>
+      </p:sp>
+      <p:sp>
+        <p:nvSpPr>
+          <p:cNvPr id="6" name="Slide Number Placeholder 5">
+            <a:extLst>
+              <a:ext uri="{FF2B5EF4-FFF2-40B4-BE49-F238E27FC236}">
+                <a16:creationId xmlns:a16="http://schemas.microsoft.com/office/drawing/2014/main" id="{B573B91C-2D40-1055-C0B2-921D046EDAE2}"/>
+              </a:ext>
+            </a:extLst>
+          </p:cNvPr>
+          <p:cNvSpPr>
+            <a:spLocks noGrp="1"/>
+          </p:cNvSpPr>
+          <p:nvPr>
+            <p:ph type="sldNum" sz="quarter" idx="12"/>
+          </p:nvPr>
+        </p:nvSpPr>
+        <p:spPr/>
+        <p:txBody>
+          <a:bodyPr/>
+          <a:lstStyle/>
+          <a:p>
+            <a:fld id="{CC057153-B650-4DEB-B370-79DDCFDCE934}" type="slidenum">
+              <a:rPr lang="en-US" dirty="0"/>
+              <a:t>1</a:t>
+            </a:fld>
+            <a:endParaRPr lang="en-US" dirty="0"/>
           </a:p>
         </p:txBody>
       </p:sp>
     </p:spTree>
+    <p:extLst>
+      <p:ext uri="{BB962C8B-B14F-4D97-AF65-F5344CB8AC3E}">
+        <p14:creationId xmlns:p14="http://schemas.microsoft.com/office/powerpoint/2010/main" val="2759277272"/>
+      </p:ext>
+    </p:extLst>
   </p:cSld>
   <p:clrMapOvr>
     <a:masterClrMapping/>
@@ -3163,7 +4096,7 @@
 </file>
 
 <file path=ppt/slides/slide2.xml><?xml version="1.0" encoding="utf-8"?>
-<p:sld xmlns:a="http://schemas.openxmlformats.org/drawingml/2006/main" xmlns:p="http://schemas.openxmlformats.org/presentationml/2006/main" xmlns:r="http://schemas.openxmlformats.org/officeDocument/2006/relationships">
+<p:sld xmlns:a="http://schemas.openxmlformats.org/drawingml/2006/main" xmlns:r="http://schemas.openxmlformats.org/officeDocument/2006/relationships" xmlns:p="http://schemas.openxmlformats.org/presentationml/2006/main">
   <p:cSld>
     <p:spTree>
       <p:nvGrpSpPr>
@@ -3171,7 +4104,14 @@
         <p:cNvGrpSpPr/>
         <p:nvPr/>
       </p:nvGrpSpPr>
-      <p:grpSpPr/>
+      <p:grpSpPr>
+        <a:xfrm>
+          <a:off x="0" y="0"/>
+          <a:ext cx="0" cy="0"/>
+          <a:chOff x="0" y="0"/>
+          <a:chExt cx="0" cy="0"/>
+        </a:xfrm>
+      </p:grpSpPr>
       <p:sp>
         <p:nvSpPr>
           <p:cNvPr id="2" name="Title 1"/>
@@ -3188,7 +4128,7 @@
           <a:lstStyle/>
           <a:p>
             <a:r>
-              <a:t>Why Health Insurance Matters</a:t>
+              <a:t>U.S. Healthcare System Overview</a:t>
             </a:r>
           </a:p>
         </p:txBody>
@@ -3203,39 +4143,59 @@
             <p:ph idx="1"/>
           </p:nvPr>
         </p:nvSpPr>
-        <p:spPr/>
-        <p:txBody>
-          <a:bodyPr/>
-          <a:lstStyle/>
-          <a:p>
-            <a:r>
-              <a:t>Healthcare is expensive without insurance.</a:t>
-            </a:r>
-          </a:p>
-          <a:p>
-            <a:r>
-              <a:t>Insurance helps cover:</a:t>
-            </a:r>
-          </a:p>
-          <a:p>
-            <a:r>
-              <a:t>- Doctor visits</a:t>
-            </a:r>
-          </a:p>
-          <a:p>
-            <a:r>
-              <a:t>- Hospital stays</a:t>
-            </a:r>
-          </a:p>
-          <a:p>
-            <a:r>
-              <a:t>- Surgeries</a:t>
-            </a:r>
-          </a:p>
-          <a:p>
-            <a:r>
-              <a:t>- Medicines</a:t>
-            </a:r>
+        <p:spPr>
+          <a:xfrm>
+            <a:off x="457200" y="1670538"/>
+            <a:ext cx="8229600" cy="3001964"/>
+          </a:xfrm>
+        </p:spPr>
+        <p:txBody>
+          <a:bodyPr vert="horz" lIns="91440" tIns="45720" rIns="91440" bIns="45720" rtlCol="0" anchor="t">
+            <a:normAutofit/>
+          </a:bodyPr>
+          <a:lstStyle/>
+          <a:p>
+            <a:r>
+              <a:rPr lang="en-US" dirty="0"/>
+              <a:t>Lacks</a:t>
+            </a:r>
+            <a:r>
+              <a:rPr dirty="0"/>
+              <a:t> universal healthcare.</a:t>
+            </a:r>
+            <a:endParaRPr lang="en-US" dirty="0">
+              <a:ea typeface="Calibri"/>
+              <a:cs typeface="Calibri"/>
+            </a:endParaRPr>
+          </a:p>
+          <a:p>
+            <a:r>
+              <a:rPr dirty="0"/>
+              <a:t>Most private insurance or employer-sponsored plans.</a:t>
+            </a:r>
+            <a:endParaRPr dirty="0">
+              <a:ea typeface="Calibri"/>
+              <a:cs typeface="Calibri"/>
+            </a:endParaRPr>
+          </a:p>
+          <a:p>
+            <a:r>
+              <a:rPr dirty="0"/>
+              <a:t>Government programs</a:t>
+            </a:r>
+            <a:endParaRPr dirty="0">
+              <a:ea typeface="Calibri"/>
+              <a:cs typeface="Calibri"/>
+            </a:endParaRPr>
+          </a:p>
+          <a:p>
+            <a:pPr marL="0" indent="0">
+              <a:buNone/>
+            </a:pPr>
+            <a:endParaRPr dirty="0">
+              <a:ea typeface="Calibri"/>
+              <a:cs typeface="Calibri"/>
+            </a:endParaRPr>
           </a:p>
         </p:txBody>
       </p:sp>
@@ -3248,7 +4208,7 @@
 </file>
 
 <file path=ppt/slides/slide3.xml><?xml version="1.0" encoding="utf-8"?>
-<p:sld xmlns:a="http://schemas.openxmlformats.org/drawingml/2006/main" xmlns:p="http://schemas.openxmlformats.org/presentationml/2006/main" xmlns:r="http://schemas.openxmlformats.org/officeDocument/2006/relationships">
+<p:sld xmlns:a="http://schemas.openxmlformats.org/drawingml/2006/main" xmlns:r="http://schemas.openxmlformats.org/officeDocument/2006/relationships" xmlns:p="http://schemas.openxmlformats.org/presentationml/2006/main">
   <p:cSld>
     <p:spTree>
       <p:nvGrpSpPr>
@@ -3256,7 +4216,14 @@
         <p:cNvGrpSpPr/>
         <p:nvPr/>
       </p:nvGrpSpPr>
-      <p:grpSpPr/>
+      <p:grpSpPr>
+        <a:xfrm>
+          <a:off x="0" y="0"/>
+          <a:ext cx="0" cy="0"/>
+          <a:chOff x="0" y="0"/>
+          <a:chExt cx="0" cy="0"/>
+        </a:xfrm>
+      </p:grpSpPr>
       <p:sp>
         <p:nvSpPr>
           <p:cNvPr id="2" name="Title 1"/>
@@ -3273,7 +4240,7 @@
           <a:lstStyle/>
           <a:p>
             <a:r>
-              <a:t>Out-of-Pocket Costs</a:t>
+              <a:t>Why Health Insurance Matters</a:t>
             </a:r>
           </a:p>
         </p:txBody>
@@ -3290,32 +4257,97 @@
         </p:nvSpPr>
         <p:spPr/>
         <p:txBody>
-          <a:bodyPr/>
-          <a:lstStyle/>
-          <a:p>
-            <a:r>
-              <a:t>Even with insurance, people pay:</a:t>
-            </a:r>
-          </a:p>
-          <a:p>
-            <a:r>
-              <a:t>- Deductibles: Pay before insurance kicks in.</a:t>
-            </a:r>
-          </a:p>
-          <a:p>
-            <a:r>
-              <a:t>- Copays: Fixed fees per visit or prescription.</a:t>
-            </a:r>
-          </a:p>
-          <a:p>
-            <a:r>
-              <a:t>- Coinsurance: Percentage of costs (e.g., 20%).</a:t>
-            </a:r>
-          </a:p>
-          <a:p>
-            <a:r>
-              <a:t>- Premiums: Monthly payments to keep the plan active.</a:t>
-            </a:r>
+          <a:bodyPr vert="horz" lIns="91440" tIns="45720" rIns="91440" bIns="45720" rtlCol="0" anchor="t">
+            <a:normAutofit/>
+          </a:bodyPr>
+          <a:lstStyle/>
+          <a:p>
+            <a:r>
+              <a:rPr dirty="0"/>
+              <a:t>Healthcare is expensive without insurance.</a:t>
+            </a:r>
+          </a:p>
+          <a:p>
+            <a:r>
+              <a:rPr dirty="0"/>
+              <a:t>Insurance helps cover</a:t>
+            </a:r>
+            <a:r>
+              <a:rPr lang="en-US" dirty="0"/>
+              <a:t> </a:t>
+            </a:r>
+            <a:r>
+              <a:rPr dirty="0"/>
+              <a:t>:</a:t>
+            </a:r>
+          </a:p>
+          <a:p>
+            <a:pPr marL="0" indent="0">
+              <a:buNone/>
+            </a:pPr>
+            <a:r>
+              <a:rPr lang="en-US" dirty="0"/>
+              <a:t>  </a:t>
+            </a:r>
+            <a:r>
+              <a:rPr dirty="0"/>
+              <a:t>- Doctor visits</a:t>
+            </a:r>
+            <a:endParaRPr dirty="0">
+              <a:ea typeface="Calibri"/>
+              <a:cs typeface="Calibri"/>
+            </a:endParaRPr>
+          </a:p>
+          <a:p>
+            <a:pPr marL="0" indent="0">
+              <a:buNone/>
+            </a:pPr>
+            <a:r>
+              <a:rPr lang="en-US" dirty="0"/>
+              <a:t>  </a:t>
+            </a:r>
+            <a:r>
+              <a:rPr dirty="0"/>
+              <a:t>- Hospital stays</a:t>
+            </a:r>
+            <a:endParaRPr dirty="0">
+              <a:ea typeface="Calibri"/>
+              <a:cs typeface="Calibri"/>
+            </a:endParaRPr>
+          </a:p>
+          <a:p>
+            <a:pPr marL="0" indent="0">
+              <a:buNone/>
+            </a:pPr>
+            <a:r>
+              <a:rPr lang="en-US" dirty="0"/>
+              <a:t>  </a:t>
+            </a:r>
+            <a:r>
+              <a:rPr dirty="0"/>
+              <a:t>- Surgeries</a:t>
+            </a:r>
+            <a:endParaRPr dirty="0">
+              <a:ea typeface="Calibri"/>
+              <a:cs typeface="Calibri"/>
+            </a:endParaRPr>
+          </a:p>
+          <a:p>
+            <a:pPr marL="0" indent="0">
+              <a:buNone/>
+            </a:pPr>
+            <a:r>
+              <a:rPr lang="en-US" dirty="0"/>
+              <a:t>  </a:t>
+            </a:r>
+            <a:r>
+              <a:rPr dirty="0"/>
+              <a:t>- Medicines</a:t>
+            </a:r>
+            <a:endParaRPr dirty="0">
+              <a:ea typeface="Calibri"/>
+              <a:cs typeface="Calibri"/>
+            </a:endParaRPr>
           </a:p>
         </p:txBody>
       </p:sp>
@@ -3328,7 +4360,7 @@
 </file>
 
 <file path=ppt/slides/slide4.xml><?xml version="1.0" encoding="utf-8"?>
-<p:sld xmlns:a="http://schemas.openxmlformats.org/drawingml/2006/main" xmlns:p="http://schemas.openxmlformats.org/presentationml/2006/main" xmlns:r="http://schemas.openxmlformats.org/officeDocument/2006/relationships">
+<p:sld xmlns:a="http://schemas.openxmlformats.org/drawingml/2006/main" xmlns:r="http://schemas.openxmlformats.org/officeDocument/2006/relationships" xmlns:p="http://schemas.openxmlformats.org/presentationml/2006/main">
   <p:cSld>
     <p:spTree>
       <p:nvGrpSpPr>
@@ -3336,7 +4368,14 @@
         <p:cNvGrpSpPr/>
         <p:nvPr/>
       </p:nvGrpSpPr>
-      <p:grpSpPr/>
+      <p:grpSpPr>
+        <a:xfrm>
+          <a:off x="0" y="0"/>
+          <a:ext cx="0" cy="0"/>
+          <a:chOff x="0" y="0"/>
+          <a:chExt cx="0" cy="0"/>
+        </a:xfrm>
+      </p:grpSpPr>
       <p:sp>
         <p:nvSpPr>
           <p:cNvPr id="2" name="Title 1"/>
@@ -3353,7 +4392,7 @@
           <a:lstStyle/>
           <a:p>
             <a:r>
-              <a:t>Key Players in Health Insurance</a:t>
+              <a:t>Out-of-Pocket Costs</a:t>
             </a:r>
           </a:p>
         </p:txBody>
@@ -3370,27 +4409,91 @@
         </p:nvSpPr>
         <p:spPr/>
         <p:txBody>
-          <a:bodyPr/>
-          <a:lstStyle/>
-          <a:p>
-            <a:r>
-              <a:t>- Member: Person covered by insurance.</a:t>
-            </a:r>
-          </a:p>
-          <a:p>
-            <a:r>
-              <a:t>- Provider: Doctor or hospital giving care.</a:t>
-            </a:r>
-          </a:p>
-          <a:p>
-            <a:r>
-              <a:t>- Payer: Insurance company or government program.</a:t>
-            </a:r>
-          </a:p>
-          <a:p>
-            <a:r>
-              <a:t>- EDI: Standardized data exchange for billing and claims.</a:t>
-            </a:r>
+          <a:bodyPr vert="horz" lIns="91440" tIns="45720" rIns="91440" bIns="45720" rtlCol="0" anchor="t">
+            <a:normAutofit/>
+          </a:bodyPr>
+          <a:lstStyle/>
+          <a:p>
+            <a:r>
+              <a:rPr dirty="0"/>
+              <a:t>Even with insurance, people pay:</a:t>
+            </a:r>
+          </a:p>
+          <a:p>
+            <a:pPr marL="0" indent="0">
+              <a:buNone/>
+            </a:pPr>
+            <a:r>
+              <a:rPr lang="en-US" dirty="0"/>
+              <a:t>  </a:t>
+            </a:r>
+            <a:r>
+              <a:rPr dirty="0"/>
+              <a:t>- </a:t>
+            </a:r>
+            <a:r>
+              <a:rPr lang="en-US" dirty="0"/>
+              <a:t>Deductibles</a:t>
+            </a:r>
+            <a:endParaRPr lang="en-US" dirty="0">
+              <a:ea typeface="Calibri"/>
+              <a:cs typeface="Calibri"/>
+            </a:endParaRPr>
+          </a:p>
+          <a:p>
+            <a:pPr marL="0" indent="0">
+              <a:buNone/>
+            </a:pPr>
+            <a:r>
+              <a:rPr lang="en-US" dirty="0"/>
+              <a:t>  -</a:t>
+            </a:r>
+            <a:r>
+              <a:rPr dirty="0"/>
+              <a:t> Copays</a:t>
+            </a:r>
+            <a:endParaRPr dirty="0">
+              <a:ea typeface="Calibri"/>
+              <a:cs typeface="Calibri"/>
+            </a:endParaRPr>
+          </a:p>
+          <a:p>
+            <a:pPr marL="457200" lvl="1" indent="0">
+              <a:buNone/>
+            </a:pPr>
+            <a:r>
+              <a:rPr lang="en-US" dirty="0"/>
+              <a:t> </a:t>
+            </a:r>
+            <a:r>
+              <a:rPr dirty="0"/>
+              <a:t>- </a:t>
+            </a:r>
+            <a:r>
+              <a:rPr lang="en-US" dirty="0"/>
+              <a:t>Coinsurance</a:t>
+            </a:r>
+            <a:endParaRPr lang="en-US" dirty="0">
+              <a:ea typeface="Calibri"/>
+              <a:cs typeface="Calibri"/>
+            </a:endParaRPr>
+          </a:p>
+          <a:p>
+            <a:pPr marL="0" indent="0">
+              <a:buNone/>
+            </a:pPr>
+            <a:r>
+              <a:rPr lang="en-US" dirty="0"/>
+              <a:t>  -</a:t>
+            </a:r>
+            <a:r>
+              <a:rPr dirty="0"/>
+              <a:t> Premiums</a:t>
+            </a:r>
+            <a:endParaRPr dirty="0">
+              <a:ea typeface="Calibri"/>
+              <a:cs typeface="Calibri"/>
+            </a:endParaRPr>
           </a:p>
         </p:txBody>
       </p:sp>
@@ -3403,7 +4506,7 @@
 </file>
 
 <file path=ppt/slides/slide5.xml><?xml version="1.0" encoding="utf-8"?>
-<p:sld xmlns:a="http://schemas.openxmlformats.org/drawingml/2006/main" xmlns:p="http://schemas.openxmlformats.org/presentationml/2006/main" xmlns:r="http://schemas.openxmlformats.org/officeDocument/2006/relationships">
+<p:sld xmlns:a="http://schemas.openxmlformats.org/drawingml/2006/main" xmlns:r="http://schemas.openxmlformats.org/officeDocument/2006/relationships" xmlns:p="http://schemas.openxmlformats.org/presentationml/2006/main">
   <p:cSld>
     <p:spTree>
       <p:nvGrpSpPr>
@@ -3411,7 +4514,14 @@
         <p:cNvGrpSpPr/>
         <p:nvPr/>
       </p:nvGrpSpPr>
-      <p:grpSpPr/>
+      <p:grpSpPr>
+        <a:xfrm>
+          <a:off x="0" y="0"/>
+          <a:ext cx="0" cy="0"/>
+          <a:chOff x="0" y="0"/>
+          <a:chExt cx="0" cy="0"/>
+        </a:xfrm>
+      </p:grpSpPr>
       <p:sp>
         <p:nvSpPr>
           <p:cNvPr id="2" name="Title 1"/>
@@ -3428,6 +4538,106 @@
           <a:lstStyle/>
           <a:p>
             <a:r>
+              <a:t>Key Players in Health Insurance</a:t>
+            </a:r>
+          </a:p>
+        </p:txBody>
+      </p:sp>
+      <p:sp>
+        <p:nvSpPr>
+          <p:cNvPr id="3" name="Content Placeholder 2"/>
+          <p:cNvSpPr>
+            <a:spLocks noGrp="1"/>
+          </p:cNvSpPr>
+          <p:nvPr>
+            <p:ph idx="1"/>
+          </p:nvPr>
+        </p:nvSpPr>
+        <p:spPr/>
+        <p:txBody>
+          <a:bodyPr vert="horz" lIns="91440" tIns="45720" rIns="91440" bIns="45720" rtlCol="0" anchor="t">
+            <a:normAutofit/>
+          </a:bodyPr>
+          <a:lstStyle/>
+          <a:p>
+            <a:r>
+              <a:rPr dirty="0"/>
+              <a:t>- Member</a:t>
+            </a:r>
+            <a:endParaRPr lang="en-US" dirty="0">
+              <a:ea typeface="Calibri"/>
+              <a:cs typeface="Calibri"/>
+            </a:endParaRPr>
+          </a:p>
+          <a:p>
+            <a:r>
+              <a:rPr dirty="0"/>
+              <a:t>- Provider</a:t>
+            </a:r>
+            <a:endParaRPr dirty="0">
+              <a:ea typeface="Calibri"/>
+              <a:cs typeface="Calibri"/>
+            </a:endParaRPr>
+          </a:p>
+          <a:p>
+            <a:r>
+              <a:rPr dirty="0"/>
+              <a:t>- Payer</a:t>
+            </a:r>
+            <a:endParaRPr dirty="0">
+              <a:ea typeface="Calibri"/>
+              <a:cs typeface="Calibri"/>
+            </a:endParaRPr>
+          </a:p>
+          <a:p>
+            <a:r>
+              <a:rPr dirty="0"/>
+              <a:t>- EDI</a:t>
+            </a:r>
+          </a:p>
+        </p:txBody>
+      </p:sp>
+    </p:spTree>
+  </p:cSld>
+  <p:clrMapOvr>
+    <a:masterClrMapping/>
+  </p:clrMapOvr>
+</p:sld>
+</file>
+
+<file path=ppt/slides/slide6.xml><?xml version="1.0" encoding="utf-8"?>
+<p:sld xmlns:a="http://schemas.openxmlformats.org/drawingml/2006/main" xmlns:r="http://schemas.openxmlformats.org/officeDocument/2006/relationships" xmlns:p="http://schemas.openxmlformats.org/presentationml/2006/main">
+  <p:cSld>
+    <p:spTree>
+      <p:nvGrpSpPr>
+        <p:cNvPr id="1" name=""/>
+        <p:cNvGrpSpPr/>
+        <p:nvPr/>
+      </p:nvGrpSpPr>
+      <p:grpSpPr>
+        <a:xfrm>
+          <a:off x="0" y="0"/>
+          <a:ext cx="0" cy="0"/>
+          <a:chOff x="0" y="0"/>
+          <a:chExt cx="0" cy="0"/>
+        </a:xfrm>
+      </p:grpSpPr>
+      <p:sp>
+        <p:nvSpPr>
+          <p:cNvPr id="2" name="Title 1"/>
+          <p:cNvSpPr>
+            <a:spLocks noGrp="1"/>
+          </p:cNvSpPr>
+          <p:nvPr>
+            <p:ph type="title"/>
+          </p:nvPr>
+        </p:nvSpPr>
+        <p:spPr/>
+        <p:txBody>
+          <a:bodyPr/>
+          <a:lstStyle/>
+          <a:p>
+            <a:r>
               <a:t>CareSource Overview</a:t>
             </a:r>
           </a:p>
@@ -3445,32 +4655,68 @@
         </p:nvSpPr>
         <p:spPr/>
         <p:txBody>
-          <a:bodyPr/>
-          <a:lstStyle/>
-          <a:p>
-            <a:r>
-              <a:t>CareSource is a nonprofit health insurance provider.</a:t>
-            </a:r>
-          </a:p>
-          <a:p>
-            <a:r>
-              <a:t>Headquartered in Ohio.</a:t>
-            </a:r>
-          </a:p>
-          <a:p>
-            <a:r>
-              <a:t>Offers Medicaid, Medicare, and marketplace plans.</a:t>
-            </a:r>
-          </a:p>
-          <a:p>
-            <a:r>
+          <a:bodyPr vert="horz" lIns="91440" tIns="45720" rIns="91440" bIns="45720" rtlCol="0" anchor="t">
+            <a:normAutofit/>
+          </a:bodyPr>
+          <a:lstStyle/>
+          <a:p>
+            <a:r>
+              <a:rPr lang="en-US" dirty="0"/>
+              <a:t>Nonprofit</a:t>
+            </a:r>
+            <a:r>
+              <a:rPr dirty="0"/>
+              <a:t> health insurance provider.</a:t>
+            </a:r>
+            <a:endParaRPr lang="en-US" dirty="0">
+              <a:ea typeface="Calibri"/>
+              <a:cs typeface="Calibri"/>
+            </a:endParaRPr>
+          </a:p>
+          <a:p>
+            <a:r>
+              <a:rPr lang="en-US" dirty="0"/>
+              <a:t>Headquarter</a:t>
+            </a:r>
+            <a:r>
+              <a:rPr dirty="0"/>
+              <a:t>.</a:t>
+            </a:r>
+            <a:endParaRPr dirty="0">
+              <a:ea typeface="Calibri"/>
+              <a:cs typeface="Calibri"/>
+            </a:endParaRPr>
+          </a:p>
+          <a:p>
+            <a:r>
+              <a:rPr dirty="0"/>
+              <a:t>Offers </a:t>
+            </a:r>
+            <a:r>
+              <a:rPr lang="en-US" dirty="0"/>
+              <a:t>Plan.</a:t>
+            </a:r>
+            <a:endParaRPr dirty="0"/>
+          </a:p>
+          <a:p>
+            <a:r>
+              <a:rPr dirty="0"/>
               <a:t>Focuses on affordable coverage and coordinated care.</a:t>
             </a:r>
-          </a:p>
-          <a:p>
-            <a:r>
+            <a:endParaRPr dirty="0">
+              <a:ea typeface="Calibri"/>
+              <a:cs typeface="Calibri"/>
+            </a:endParaRPr>
+          </a:p>
+          <a:p>
+            <a:r>
+              <a:rPr dirty="0"/>
               <a:t>Serves underserved communities.</a:t>
             </a:r>
+            <a:endParaRPr dirty="0">
+              <a:ea typeface="Calibri"/>
+              <a:cs typeface="Calibri"/>
+            </a:endParaRPr>
           </a:p>
         </p:txBody>
       </p:sp>
@@ -3483,9 +4729,9 @@
 </file>
 
 <file path=ppt/theme/theme1.xml><?xml version="1.0" encoding="utf-8"?>
-<a:theme xmlns:a="http://schemas.openxmlformats.org/drawingml/2006/main" name="Office Theme">
+<a:theme xmlns:a="http://schemas.openxmlformats.org/drawingml/2006/main" name="VanillaVTI">
   <a:themeElements>
-    <a:clrScheme name="Office">
+    <a:clrScheme name="VanillaVTI">
       <a:dk1>
         <a:sysClr val="windowText" lastClr="000000"/>
       </a:dk1>
@@ -3493,109 +4739,49 @@
         <a:sysClr val="window" lastClr="FFFFFF"/>
       </a:lt1>
       <a:dk2>
-        <a:srgbClr val="1F497D"/>
+        <a:srgbClr val="2C3932"/>
       </a:dk2>
       <a:lt2>
-        <a:srgbClr val="EEECE1"/>
+        <a:srgbClr val="FDF6EA"/>
       </a:lt2>
       <a:accent1>
-        <a:srgbClr val="4F81BD"/>
+        <a:srgbClr val="169C9A"/>
       </a:accent1>
       <a:accent2>
-        <a:srgbClr val="C0504D"/>
+        <a:srgbClr val="FA9A42"/>
       </a:accent2>
       <a:accent3>
-        <a:srgbClr val="9BBB59"/>
+        <a:srgbClr val="E15C3D"/>
       </a:accent3>
       <a:accent4>
-        <a:srgbClr val="8064A2"/>
+        <a:srgbClr val="E78A67"/>
       </a:accent4>
       <a:accent5>
-        <a:srgbClr val="4BACC6"/>
+        <a:srgbClr val="A74B40"/>
       </a:accent5>
       <a:accent6>
-        <a:srgbClr val="F79646"/>
+        <a:srgbClr val="3D9072"/>
       </a:accent6>
       <a:hlink>
-        <a:srgbClr val="0000FF"/>
+        <a:srgbClr val="169C9A"/>
       </a:hlink>
       <a:folHlink>
-        <a:srgbClr val="800080"/>
+        <a:srgbClr val="E15C3D"/>
       </a:folHlink>
     </a:clrScheme>
-    <a:fontScheme name="Office">
+    <a:fontScheme name="VanillaVTI">
       <a:majorFont>
-        <a:latin typeface="Calibri"/>
+        <a:latin typeface="Neue Haas Grotesk Text Pro"/>
         <a:ea typeface=""/>
         <a:cs typeface=""/>
-        <a:font script="Jpan" typeface="ＭＳ Ｐゴシック"/>
-        <a:font script="Hang" typeface="맑은 고딕"/>
-        <a:font script="Hans" typeface="宋体"/>
-        <a:font script="Hant" typeface="新細明體"/>
-        <a:font script="Arab" typeface="Times New Roman"/>
-        <a:font script="Hebr" typeface="Times New Roman"/>
-        <a:font script="Thai" typeface="Angsana New"/>
-        <a:font script="Ethi" typeface="Nyala"/>
-        <a:font script="Beng" typeface="Vrinda"/>
-        <a:font script="Gujr" typeface="Shruti"/>
-        <a:font script="Khmr" typeface="MoolBoran"/>
-        <a:font script="Knda" typeface="Tunga"/>
-        <a:font script="Guru" typeface="Raavi"/>
-        <a:font script="Cans" typeface="Euphemia"/>
-        <a:font script="Cher" typeface="Plantagenet Cherokee"/>
-        <a:font script="Yiii" typeface="Microsoft Yi Baiti"/>
-        <a:font script="Tibt" typeface="Microsoft Himalaya"/>
-        <a:font script="Thaa" typeface="MV Boli"/>
-        <a:font script="Deva" typeface="Mangal"/>
-        <a:font script="Telu" typeface="Gautami"/>
-        <a:font script="Taml" typeface="Latha"/>
-        <a:font script="Syrc" typeface="Estrangelo Edessa"/>
-        <a:font script="Orya" typeface="Kalinga"/>
-        <a:font script="Mlym" typeface="Kartika"/>
-        <a:font script="Laoo" typeface="DokChampa"/>
-        <a:font script="Sinh" typeface="Iskoola Pota"/>
-        <a:font script="Mong" typeface="Mongolian Baiti"/>
-        <a:font script="Viet" typeface="Times New Roman"/>
-        <a:font script="Uigh" typeface="Microsoft Uighur"/>
-        <a:font script="Geor" typeface="Sylfaen"/>
       </a:majorFont>
       <a:minorFont>
-        <a:latin typeface="Calibri"/>
+        <a:latin typeface="Neue Haas Grotesk Text Pro"/>
         <a:ea typeface=""/>
         <a:cs typeface=""/>
-        <a:font script="Jpan" typeface="ＭＳ Ｐゴシック"/>
-        <a:font script="Hang" typeface="맑은 고딕"/>
-        <a:font script="Hans" typeface="宋体"/>
-        <a:font script="Hant" typeface="新細明體"/>
-        <a:font script="Arab" typeface="Arial"/>
-        <a:font script="Hebr" typeface="Arial"/>
-        <a:font script="Thai" typeface="Cordia New"/>
-        <a:font script="Ethi" typeface="Nyala"/>
-        <a:font script="Beng" typeface="Vrinda"/>
-        <a:font script="Gujr" typeface="Shruti"/>
-        <a:font script="Khmr" typeface="DaunPenh"/>
-        <a:font script="Knda" typeface="Tunga"/>
-        <a:font script="Guru" typeface="Raavi"/>
-        <a:font script="Cans" typeface="Euphemia"/>
-        <a:font script="Cher" typeface="Plantagenet Cherokee"/>
-        <a:font script="Yiii" typeface="Microsoft Yi Baiti"/>
-        <a:font script="Tibt" typeface="Microsoft Himalaya"/>
-        <a:font script="Thaa" typeface="MV Boli"/>
-        <a:font script="Deva" typeface="Mangal"/>
-        <a:font script="Telu" typeface="Gautami"/>
-        <a:font script="Taml" typeface="Latha"/>
-        <a:font script="Syrc" typeface="Estrangelo Edessa"/>
-        <a:font script="Orya" typeface="Kalinga"/>
-        <a:font script="Mlym" typeface="Kartika"/>
-        <a:font script="Laoo" typeface="DokChampa"/>
-        <a:font script="Sinh" typeface="Iskoola Pota"/>
-        <a:font script="Mong" typeface="Mongolian Baiti"/>
-        <a:font script="Viet" typeface="Arial"/>
-        <a:font script="Uigh" typeface="Microsoft Uighur"/>
-        <a:font script="Geor" typeface="Sylfaen"/>
       </a:minorFont>
     </a:fontScheme>
-    <a:fmtScheme name="Office">
+    <a:fmtScheme name="VanillaVTI">
       <a:fillStyleLst>
         <a:solidFill>
           <a:schemeClr val="phClr"/>
@@ -3604,200 +4790,141 @@
           <a:gsLst>
             <a:gs pos="0">
               <a:schemeClr val="phClr">
-                <a:tint val="50000"/>
-                <a:satMod val="300000"/>
+                <a:lumMod val="110000"/>
+                <a:satMod val="105000"/>
+                <a:tint val="67000"/>
               </a:schemeClr>
             </a:gs>
-            <a:gs pos="35000">
+            <a:gs pos="50000">
               <a:schemeClr val="phClr">
-                <a:tint val="37000"/>
-                <a:satMod val="300000"/>
+                <a:lumMod val="105000"/>
+                <a:satMod val="103000"/>
+                <a:tint val="73000"/>
               </a:schemeClr>
             </a:gs>
             <a:gs pos="100000">
               <a:schemeClr val="phClr">
-                <a:tint val="15000"/>
-                <a:satMod val="350000"/>
+                <a:lumMod val="105000"/>
+                <a:satMod val="109000"/>
+                <a:tint val="81000"/>
               </a:schemeClr>
             </a:gs>
           </a:gsLst>
-          <a:lin ang="16200000" scaled="1"/>
+          <a:lin ang="5400000" scaled="0"/>
         </a:gradFill>
         <a:gradFill rotWithShape="1">
           <a:gsLst>
             <a:gs pos="0">
               <a:schemeClr val="phClr">
-                <a:tint val="100000"/>
+                <a:satMod val="103000"/>
+                <a:lumMod val="102000"/>
+                <a:tint val="94000"/>
+              </a:schemeClr>
+            </a:gs>
+            <a:gs pos="50000">
+              <a:schemeClr val="phClr">
+                <a:satMod val="110000"/>
+                <a:lumMod val="100000"/>
                 <a:shade val="100000"/>
-                <a:satMod val="130000"/>
               </a:schemeClr>
             </a:gs>
             <a:gs pos="100000">
               <a:schemeClr val="phClr">
-                <a:tint val="50000"/>
-                <a:shade val="100000"/>
-                <a:satMod val="350000"/>
+                <a:lumMod val="99000"/>
+                <a:satMod val="120000"/>
+                <a:shade val="78000"/>
               </a:schemeClr>
             </a:gs>
           </a:gsLst>
-          <a:lin ang="16200000" scaled="0"/>
+          <a:lin ang="5400000" scaled="0"/>
         </a:gradFill>
       </a:fillStyleLst>
       <a:lnStyleLst>
-        <a:ln w="9525" cap="flat" cmpd="sng" algn="ctr">
-          <a:solidFill>
-            <a:schemeClr val="phClr">
-              <a:shade val="95000"/>
-              <a:satMod val="105000"/>
-            </a:schemeClr>
-          </a:solidFill>
-          <a:prstDash val="solid"/>
-        </a:ln>
-        <a:ln w="25400" cap="flat" cmpd="sng" algn="ctr">
+        <a:ln w="6350" cap="flat" cmpd="sng" algn="ctr">
           <a:solidFill>
             <a:schemeClr val="phClr"/>
           </a:solidFill>
           <a:prstDash val="solid"/>
+          <a:miter lim="800000"/>
         </a:ln>
-        <a:ln w="38100" cap="flat" cmpd="sng" algn="ctr">
+        <a:ln w="12700" cap="flat" cmpd="sng" algn="ctr">
           <a:solidFill>
             <a:schemeClr val="phClr"/>
           </a:solidFill>
           <a:prstDash val="solid"/>
+          <a:miter lim="800000"/>
+        </a:ln>
+        <a:ln w="19050" cap="flat" cmpd="sng" algn="ctr">
+          <a:solidFill>
+            <a:schemeClr val="phClr"/>
+          </a:solidFill>
+          <a:prstDash val="solid"/>
+          <a:miter lim="800000"/>
         </a:ln>
       </a:lnStyleLst>
       <a:effectStyleLst>
         <a:effectStyle>
+          <a:effectLst/>
+        </a:effectStyle>
+        <a:effectStyle>
+          <a:effectLst/>
+        </a:effectStyle>
+        <a:effectStyle>
           <a:effectLst>
-            <a:outerShdw blurRad="40000" dist="20000" dir="5400000" rotWithShape="0">
+            <a:outerShdw blurRad="57150" dist="19050" dir="5400000" algn="ctr" rotWithShape="0">
               <a:srgbClr val="000000">
-                <a:alpha val="38000"/>
+                <a:alpha val="63000"/>
               </a:srgbClr>
             </a:outerShdw>
           </a:effectLst>
-        </a:effectStyle>
-        <a:effectStyle>
-          <a:effectLst>
-            <a:outerShdw blurRad="40000" dist="23000" dir="5400000" rotWithShape="0">
-              <a:srgbClr val="000000">
-                <a:alpha val="35000"/>
-              </a:srgbClr>
-            </a:outerShdw>
-          </a:effectLst>
-        </a:effectStyle>
-        <a:effectStyle>
-          <a:effectLst>
-            <a:outerShdw blurRad="40000" dist="23000" dir="5400000" rotWithShape="0">
-              <a:srgbClr val="000000">
-                <a:alpha val="35000"/>
-              </a:srgbClr>
-            </a:outerShdw>
-          </a:effectLst>
-          <a:scene3d>
-            <a:camera prst="orthographicFront">
-              <a:rot lat="0" lon="0" rev="0"/>
-            </a:camera>
-            <a:lightRig rig="threePt" dir="t">
-              <a:rot lat="0" lon="0" rev="1200000"/>
-            </a:lightRig>
-          </a:scene3d>
-          <a:sp3d>
-            <a:bevelT w="63500" h="25400"/>
-          </a:sp3d>
         </a:effectStyle>
       </a:effectStyleLst>
       <a:bgFillStyleLst>
         <a:solidFill>
           <a:schemeClr val="phClr"/>
         </a:solidFill>
+        <a:solidFill>
+          <a:schemeClr val="phClr">
+            <a:tint val="95000"/>
+            <a:satMod val="170000"/>
+          </a:schemeClr>
+        </a:solidFill>
         <a:gradFill rotWithShape="1">
           <a:gsLst>
             <a:gs pos="0">
               <a:schemeClr val="phClr">
-                <a:tint val="40000"/>
-                <a:satMod val="350000"/>
+                <a:tint val="93000"/>
+                <a:satMod val="150000"/>
+                <a:shade val="98000"/>
+                <a:lumMod val="102000"/>
               </a:schemeClr>
             </a:gs>
-            <a:gs pos="40000">
+            <a:gs pos="50000">
               <a:schemeClr val="phClr">
-                <a:tint val="45000"/>
-                <a:shade val="99000"/>
-                <a:satMod val="350000"/>
+                <a:tint val="98000"/>
+                <a:satMod val="130000"/>
+                <a:shade val="90000"/>
+                <a:lumMod val="103000"/>
               </a:schemeClr>
             </a:gs>
             <a:gs pos="100000">
               <a:schemeClr val="phClr">
-                <a:shade val="20000"/>
-                <a:satMod val="255000"/>
+                <a:shade val="63000"/>
+                <a:satMod val="120000"/>
               </a:schemeClr>
             </a:gs>
           </a:gsLst>
-          <a:path path="circle">
-            <a:fillToRect l="50000" t="-80000" r="50000" b="180000"/>
-          </a:path>
-        </a:gradFill>
-        <a:gradFill rotWithShape="1">
-          <a:gsLst>
-            <a:gs pos="0">
-              <a:schemeClr val="phClr">
-                <a:tint val="80000"/>
-                <a:satMod val="300000"/>
-              </a:schemeClr>
-            </a:gs>
-            <a:gs pos="100000">
-              <a:schemeClr val="phClr">
-                <a:shade val="30000"/>
-                <a:satMod val="200000"/>
-              </a:schemeClr>
-            </a:gs>
-          </a:gsLst>
-          <a:path path="circle">
-            <a:fillToRect l="50000" t="50000" r="50000" b="50000"/>
-          </a:path>
+          <a:lin ang="5400000" scaled="0"/>
         </a:gradFill>
       </a:bgFillStyleLst>
     </a:fmtScheme>
   </a:themeElements>
-  <a:objectDefaults>
-    <a:spDef>
-      <a:spPr/>
-      <a:bodyPr/>
-      <a:lstStyle/>
-      <a:style>
-        <a:lnRef idx="1">
-          <a:schemeClr val="accent1"/>
-        </a:lnRef>
-        <a:fillRef idx="3">
-          <a:schemeClr val="accent1"/>
-        </a:fillRef>
-        <a:effectRef idx="2">
-          <a:schemeClr val="accent1"/>
-        </a:effectRef>
-        <a:fontRef idx="minor">
-          <a:schemeClr val="lt1"/>
-        </a:fontRef>
-      </a:style>
-    </a:spDef>
-    <a:lnDef>
-      <a:spPr/>
-      <a:bodyPr/>
-      <a:lstStyle/>
-      <a:style>
-        <a:lnRef idx="2">
-          <a:schemeClr val="accent1"/>
-        </a:lnRef>
-        <a:fillRef idx="0">
-          <a:schemeClr val="accent1"/>
-        </a:fillRef>
-        <a:effectRef idx="1">
-          <a:schemeClr val="accent1"/>
-        </a:effectRef>
-        <a:fontRef idx="minor">
-          <a:schemeClr val="tx1"/>
-        </a:fontRef>
-      </a:style>
-    </a:lnDef>
-  </a:objectDefaults>
+  <a:objectDefaults/>
   <a:extraClrSchemeLst/>
+  <a:extLst>
+    <a:ext uri="{05A4C25C-085E-4340-85A3-A5531E510DB2}">
+      <thm15:themeFamily xmlns:thm15="http://schemas.microsoft.com/office/thememl/2012/main" name="VanillaVTI" id="{AACC6CF0-9F86-48CC-9C4E-CA578EE0A0A0}" vid="{3BDE51FE-56D6-4100-AFB5-5B4AEDCE2EF6}"/>
+    </a:ext>
+  </a:extLst>
 </a:theme>
 </file>